--- a/TypeScript.pptx
+++ b/TypeScript.pptx
@@ -3556,9 +3556,16 @@
         </p:nvSpPr>
         <p:spPr/>
         <p:txBody>
-          <a:bodyPr/>
+          <a:bodyPr>
+            <a:normAutofit fontScale="92500" lnSpcReduction="20000"/>
+          </a:bodyPr>
           <a:lstStyle/>
           <a:p>
+            <a:pPr>
+              <a:lnSpc>
+                <a:spcPct val="120000"/>
+              </a:lnSpc>
+            </a:pPr>
             <a:r>
               <a:rPr lang="zh-CN" altLang="en-US" dirty="0" smtClean="0">
                 <a:solidFill>
@@ -3585,7 +3592,11 @@
             </a:r>
           </a:p>
           <a:p>
-            <a:pPr lvl="1"/>
+            <a:pPr lvl="1">
+              <a:lnSpc>
+                <a:spcPct val="120000"/>
+              </a:lnSpc>
+            </a:pPr>
             <a:r>
               <a:rPr lang="zh-CN" altLang="en-US" dirty="0" smtClean="0">
                 <a:solidFill>
@@ -3657,7 +3668,11 @@
             </a:endParaRPr>
           </a:p>
           <a:p>
-            <a:pPr lvl="1"/>
+            <a:pPr lvl="1">
+              <a:lnSpc>
+                <a:spcPct val="120000"/>
+              </a:lnSpc>
+            </a:pPr>
             <a:r>
               <a:rPr lang="zh-CN" altLang="en-US" dirty="0" smtClean="0">
                 <a:solidFill>
@@ -3729,6 +3744,54 @@
             </a:endParaRPr>
           </a:p>
           <a:p>
+            <a:pPr>
+              <a:lnSpc>
+                <a:spcPct val="120000"/>
+              </a:lnSpc>
+            </a:pPr>
+            <a:r>
+              <a:rPr lang="zh-CN" altLang="en-US" smtClean="0">
+                <a:solidFill>
+                  <a:schemeClr val="accent1">
+                    <a:lumMod val="75000"/>
+                  </a:schemeClr>
+                </a:solidFill>
+                <a:latin typeface="微软雅黑" panose="020B0503020204020204" pitchFamily="34" charset="-122"/>
+                <a:ea typeface="微软雅黑" panose="020B0503020204020204" pitchFamily="34" charset="-122"/>
+              </a:rPr>
+              <a:t>泛型</a:t>
+            </a:r>
+            <a:r>
+              <a:rPr lang="en-US" altLang="zh-CN">
+                <a:solidFill>
+                  <a:schemeClr val="accent1">
+                    <a:lumMod val="75000"/>
+                  </a:schemeClr>
+                </a:solidFill>
+                <a:latin typeface="微软雅黑" panose="020B0503020204020204" pitchFamily="34" charset="-122"/>
+                <a:ea typeface="微软雅黑" panose="020B0503020204020204" pitchFamily="34" charset="-122"/>
+              </a:rPr>
+              <a:t>(Generics)</a:t>
+            </a:r>
+          </a:p>
+          <a:p>
+            <a:pPr lvl="1">
+              <a:lnSpc>
+                <a:spcPct val="120000"/>
+              </a:lnSpc>
+            </a:pPr>
+            <a:r>
+              <a:rPr lang="zh-CN" altLang="en-US" smtClean="0">
+                <a:solidFill>
+                  <a:schemeClr val="accent1">
+                    <a:lumMod val="75000"/>
+                  </a:schemeClr>
+                </a:solidFill>
+                <a:latin typeface="微软雅黑" panose="020B0503020204020204" pitchFamily="34" charset="-122"/>
+                <a:ea typeface="微软雅黑" panose="020B0503020204020204" pitchFamily="34" charset="-122"/>
+              </a:rPr>
+              <a:t>参</a:t>
+            </a:r>
             <a:r>
               <a:rPr lang="zh-CN" altLang="en-US" dirty="0">
                 <a:solidFill>
@@ -3739,7 +3802,7 @@
                 <a:latin typeface="微软雅黑" panose="020B0503020204020204" pitchFamily="34" charset="-122"/>
                 <a:ea typeface="微软雅黑" panose="020B0503020204020204" pitchFamily="34" charset="-122"/>
               </a:rPr>
-              <a:t>泛</a:t>
+              <a:t>数</a:t>
             </a:r>
             <a:r>
               <a:rPr lang="zh-CN" altLang="en-US" dirty="0" smtClean="0">
@@ -3751,7 +3814,7 @@
                 <a:latin typeface="微软雅黑" panose="020B0503020204020204" pitchFamily="34" charset="-122"/>
                 <a:ea typeface="微软雅黑" panose="020B0503020204020204" pitchFamily="34" charset="-122"/>
               </a:rPr>
-              <a:t>型</a:t>
+              <a:t>化的类型，一般用来限制集合的内容</a:t>
             </a:r>
             <a:endParaRPr lang="en-US" altLang="zh-CN" dirty="0" smtClean="0">
               <a:solidFill>
@@ -3764,30 +3827,46 @@
             </a:endParaRPr>
           </a:p>
           <a:p>
-            <a:pPr lvl="1"/>
-            <a:r>
-              <a:rPr lang="zh-CN" altLang="en-US" dirty="0">
-                <a:solidFill>
-                  <a:schemeClr val="accent1">
-                    <a:lumMod val="75000"/>
-                  </a:schemeClr>
-                </a:solidFill>
-                <a:latin typeface="微软雅黑" panose="020B0503020204020204" pitchFamily="34" charset="-122"/>
-                <a:ea typeface="微软雅黑" panose="020B0503020204020204" pitchFamily="34" charset="-122"/>
-              </a:rPr>
-              <a:t>参数</a:t>
-            </a:r>
-            <a:r>
-              <a:rPr lang="zh-CN" altLang="en-US" dirty="0" smtClean="0">
-                <a:solidFill>
-                  <a:schemeClr val="accent1">
-                    <a:lumMod val="75000"/>
-                  </a:schemeClr>
-                </a:solidFill>
-                <a:latin typeface="微软雅黑" panose="020B0503020204020204" pitchFamily="34" charset="-122"/>
-                <a:ea typeface="微软雅黑" panose="020B0503020204020204" pitchFamily="34" charset="-122"/>
-              </a:rPr>
-              <a:t>化的类型，一般用来限制集合的内容</a:t>
+            <a:pPr>
+              <a:lnSpc>
+                <a:spcPct val="120000"/>
+              </a:lnSpc>
+            </a:pPr>
+            <a:r>
+              <a:rPr lang="zh-CN" altLang="en-US">
+                <a:solidFill>
+                  <a:schemeClr val="accent1">
+                    <a:lumMod val="75000"/>
+                  </a:schemeClr>
+                </a:solidFill>
+                <a:latin typeface="微软雅黑" panose="020B0503020204020204" pitchFamily="34" charset="-122"/>
+                <a:ea typeface="微软雅黑" panose="020B0503020204020204" pitchFamily="34" charset="-122"/>
+              </a:rPr>
+              <a:t>接</a:t>
+            </a:r>
+            <a:r>
+              <a:rPr lang="zh-CN" altLang="en-US" smtClean="0">
+                <a:solidFill>
+                  <a:schemeClr val="accent1">
+                    <a:lumMod val="75000"/>
+                  </a:schemeClr>
+                </a:solidFill>
+                <a:latin typeface="微软雅黑" panose="020B0503020204020204" pitchFamily="34" charset="-122"/>
+                <a:ea typeface="微软雅黑" panose="020B0503020204020204" pitchFamily="34" charset="-122"/>
+              </a:rPr>
+              <a:t>口</a:t>
+            </a:r>
+            <a:r>
+              <a:rPr lang="en-US" altLang="zh-CN" smtClean="0">
+                <a:solidFill>
+                  <a:schemeClr val="accent1">
+                    <a:lumMod val="75000"/>
+                  </a:schemeClr>
+                </a:solidFill>
+                <a:latin typeface="微软雅黑" panose="020B0503020204020204" pitchFamily="34" charset="-122"/>
+                <a:ea typeface="微软雅黑" panose="020B0503020204020204" pitchFamily="34" charset="-122"/>
+              </a:rPr>
+              <a:t>(Interface)</a:t>
             </a:r>
             <a:endParaRPr lang="en-US" altLang="zh-CN" dirty="0" smtClean="0">
               <a:solidFill>
@@ -3800,6 +3879,11 @@
             </a:endParaRPr>
           </a:p>
           <a:p>
+            <a:pPr lvl="1">
+              <a:lnSpc>
+                <a:spcPct val="120000"/>
+              </a:lnSpc>
+            </a:pPr>
             <a:r>
               <a:rPr lang="zh-CN" altLang="en-US" dirty="0">
                 <a:solidFill>
@@ -3810,7 +3894,7 @@
                 <a:latin typeface="微软雅黑" panose="020B0503020204020204" pitchFamily="34" charset="-122"/>
                 <a:ea typeface="微软雅黑" panose="020B0503020204020204" pitchFamily="34" charset="-122"/>
               </a:rPr>
-              <a:t>接</a:t>
+              <a:t>建</a:t>
             </a:r>
             <a:r>
               <a:rPr lang="zh-CN" altLang="en-US" dirty="0" smtClean="0">
@@ -3822,7 +3906,7 @@
                 <a:latin typeface="微软雅黑" panose="020B0503020204020204" pitchFamily="34" charset="-122"/>
                 <a:ea typeface="微软雅黑" panose="020B0503020204020204" pitchFamily="34" charset="-122"/>
               </a:rPr>
-              <a:t>口</a:t>
+              <a:t>立代码约定</a:t>
             </a:r>
             <a:endParaRPr lang="en-US" altLang="zh-CN" dirty="0" smtClean="0">
               <a:solidFill>
@@ -3835,30 +3919,46 @@
             </a:endParaRPr>
           </a:p>
           <a:p>
-            <a:pPr lvl="1"/>
-            <a:r>
-              <a:rPr lang="zh-CN" altLang="en-US" dirty="0">
-                <a:solidFill>
-                  <a:schemeClr val="accent1">
-                    <a:lumMod val="75000"/>
-                  </a:schemeClr>
-                </a:solidFill>
-                <a:latin typeface="微软雅黑" panose="020B0503020204020204" pitchFamily="34" charset="-122"/>
-                <a:ea typeface="微软雅黑" panose="020B0503020204020204" pitchFamily="34" charset="-122"/>
-              </a:rPr>
-              <a:t>建</a:t>
-            </a:r>
-            <a:r>
-              <a:rPr lang="zh-CN" altLang="en-US" dirty="0" smtClean="0">
-                <a:solidFill>
-                  <a:schemeClr val="accent1">
-                    <a:lumMod val="75000"/>
-                  </a:schemeClr>
-                </a:solidFill>
-                <a:latin typeface="微软雅黑" panose="020B0503020204020204" pitchFamily="34" charset="-122"/>
-                <a:ea typeface="微软雅黑" panose="020B0503020204020204" pitchFamily="34" charset="-122"/>
-              </a:rPr>
-              <a:t>立代码约定</a:t>
+            <a:pPr>
+              <a:lnSpc>
+                <a:spcPct val="120000"/>
+              </a:lnSpc>
+            </a:pPr>
+            <a:r>
+              <a:rPr lang="zh-CN" altLang="en-US">
+                <a:solidFill>
+                  <a:schemeClr val="accent1">
+                    <a:lumMod val="75000"/>
+                  </a:schemeClr>
+                </a:solidFill>
+                <a:latin typeface="微软雅黑" panose="020B0503020204020204" pitchFamily="34" charset="-122"/>
+                <a:ea typeface="微软雅黑" panose="020B0503020204020204" pitchFamily="34" charset="-122"/>
+              </a:rPr>
+              <a:t>模</a:t>
+            </a:r>
+            <a:r>
+              <a:rPr lang="zh-CN" altLang="en-US" smtClean="0">
+                <a:solidFill>
+                  <a:schemeClr val="accent1">
+                    <a:lumMod val="75000"/>
+                  </a:schemeClr>
+                </a:solidFill>
+                <a:latin typeface="微软雅黑" panose="020B0503020204020204" pitchFamily="34" charset="-122"/>
+                <a:ea typeface="微软雅黑" panose="020B0503020204020204" pitchFamily="34" charset="-122"/>
+              </a:rPr>
+              <a:t>块</a:t>
+            </a:r>
+            <a:r>
+              <a:rPr lang="en-US" altLang="zh-CN" smtClean="0">
+                <a:solidFill>
+                  <a:schemeClr val="accent1">
+                    <a:lumMod val="75000"/>
+                  </a:schemeClr>
+                </a:solidFill>
+                <a:latin typeface="微软雅黑" panose="020B0503020204020204" pitchFamily="34" charset="-122"/>
+                <a:ea typeface="微软雅黑" panose="020B0503020204020204" pitchFamily="34" charset="-122"/>
+              </a:rPr>
+              <a:t>(Module)</a:t>
             </a:r>
             <a:endParaRPr lang="en-US" altLang="zh-CN" dirty="0" smtClean="0">
               <a:solidFill>
@@ -3871,42 +3971,11 @@
             </a:endParaRPr>
           </a:p>
           <a:p>
-            <a:r>
-              <a:rPr lang="zh-CN" altLang="en-US" dirty="0">
-                <a:solidFill>
-                  <a:schemeClr val="accent1">
-                    <a:lumMod val="75000"/>
-                  </a:schemeClr>
-                </a:solidFill>
-                <a:latin typeface="微软雅黑" panose="020B0503020204020204" pitchFamily="34" charset="-122"/>
-                <a:ea typeface="微软雅黑" panose="020B0503020204020204" pitchFamily="34" charset="-122"/>
-              </a:rPr>
-              <a:t>模</a:t>
-            </a:r>
-            <a:r>
-              <a:rPr lang="zh-CN" altLang="en-US" dirty="0" smtClean="0">
-                <a:solidFill>
-                  <a:schemeClr val="accent1">
-                    <a:lumMod val="75000"/>
-                  </a:schemeClr>
-                </a:solidFill>
-                <a:latin typeface="微软雅黑" panose="020B0503020204020204" pitchFamily="34" charset="-122"/>
-                <a:ea typeface="微软雅黑" panose="020B0503020204020204" pitchFamily="34" charset="-122"/>
-              </a:rPr>
-              <a:t>块</a:t>
-            </a:r>
-            <a:endParaRPr lang="en-US" altLang="zh-CN" dirty="0" smtClean="0">
-              <a:solidFill>
-                <a:schemeClr val="accent1">
-                  <a:lumMod val="75000"/>
-                </a:schemeClr>
-              </a:solidFill>
-              <a:latin typeface="微软雅黑" panose="020B0503020204020204" pitchFamily="34" charset="-122"/>
-              <a:ea typeface="微软雅黑" panose="020B0503020204020204" pitchFamily="34" charset="-122"/>
-            </a:endParaRPr>
-          </a:p>
-          <a:p>
-            <a:pPr lvl="1"/>
+            <a:pPr lvl="1">
+              <a:lnSpc>
+                <a:spcPct val="120000"/>
+              </a:lnSpc>
+            </a:pPr>
             <a:r>
               <a:rPr lang="zh-CN" altLang="en-US" dirty="0" smtClean="0">
                 <a:solidFill>
@@ -3941,6 +4010,873 @@
   <p:clrMapOvr>
     <a:masterClrMapping/>
   </p:clrMapOvr>
+  <p:timing>
+    <p:tnLst>
+      <p:par>
+        <p:cTn id="1" dur="indefinite" restart="never" nodeType="tmRoot">
+          <p:childTnLst>
+            <p:seq concurrent="1" nextAc="seek">
+              <p:cTn id="2" dur="indefinite" nodeType="mainSeq">
+                <p:childTnLst>
+                  <p:par>
+                    <p:cTn id="3" fill="hold">
+                      <p:stCondLst>
+                        <p:cond delay="indefinite"/>
+                      </p:stCondLst>
+                      <p:childTnLst>
+                        <p:par>
+                          <p:cTn id="4" fill="hold">
+                            <p:stCondLst>
+                              <p:cond delay="0"/>
+                            </p:stCondLst>
+                            <p:childTnLst>
+                              <p:par>
+                                <p:cTn id="5" presetID="2" presetClass="entr" presetSubtype="4" fill="hold" nodeType="clickEffect">
+                                  <p:stCondLst>
+                                    <p:cond delay="0"/>
+                                  </p:stCondLst>
+                                  <p:childTnLst>
+                                    <p:set>
+                                      <p:cBhvr>
+                                        <p:cTn id="6" dur="1" fill="hold">
+                                          <p:stCondLst>
+                                            <p:cond delay="0"/>
+                                          </p:stCondLst>
+                                        </p:cTn>
+                                        <p:tgtEl>
+                                          <p:spTgt spid="3">
+                                            <p:txEl>
+                                              <p:pRg st="0" end="0"/>
+                                            </p:txEl>
+                                          </p:spTgt>
+                                        </p:tgtEl>
+                                        <p:attrNameLst>
+                                          <p:attrName>style.visibility</p:attrName>
+                                        </p:attrNameLst>
+                                      </p:cBhvr>
+                                      <p:to>
+                                        <p:strVal val="visible"/>
+                                      </p:to>
+                                    </p:set>
+                                    <p:anim calcmode="lin" valueType="num">
+                                      <p:cBhvr additive="base">
+                                        <p:cTn id="7" dur="500" fill="hold"/>
+                                        <p:tgtEl>
+                                          <p:spTgt spid="3">
+                                            <p:txEl>
+                                              <p:pRg st="0" end="0"/>
+                                            </p:txEl>
+                                          </p:spTgt>
+                                        </p:tgtEl>
+                                        <p:attrNameLst>
+                                          <p:attrName>ppt_x</p:attrName>
+                                        </p:attrNameLst>
+                                      </p:cBhvr>
+                                      <p:tavLst>
+                                        <p:tav tm="0">
+                                          <p:val>
+                                            <p:strVal val="#ppt_x"/>
+                                          </p:val>
+                                        </p:tav>
+                                        <p:tav tm="100000">
+                                          <p:val>
+                                            <p:strVal val="#ppt_x"/>
+                                          </p:val>
+                                        </p:tav>
+                                      </p:tavLst>
+                                    </p:anim>
+                                    <p:anim calcmode="lin" valueType="num">
+                                      <p:cBhvr additive="base">
+                                        <p:cTn id="8" dur="500" fill="hold"/>
+                                        <p:tgtEl>
+                                          <p:spTgt spid="3">
+                                            <p:txEl>
+                                              <p:pRg st="0" end="0"/>
+                                            </p:txEl>
+                                          </p:spTgt>
+                                        </p:tgtEl>
+                                        <p:attrNameLst>
+                                          <p:attrName>ppt_y</p:attrName>
+                                        </p:attrNameLst>
+                                      </p:cBhvr>
+                                      <p:tavLst>
+                                        <p:tav tm="0">
+                                          <p:val>
+                                            <p:strVal val="1+#ppt_h/2"/>
+                                          </p:val>
+                                        </p:tav>
+                                        <p:tav tm="100000">
+                                          <p:val>
+                                            <p:strVal val="#ppt_y"/>
+                                          </p:val>
+                                        </p:tav>
+                                      </p:tavLst>
+                                    </p:anim>
+                                  </p:childTnLst>
+                                </p:cTn>
+                              </p:par>
+                              <p:par>
+                                <p:cTn id="9" presetID="2" presetClass="entr" presetSubtype="4" fill="hold" nodeType="withEffect">
+                                  <p:stCondLst>
+                                    <p:cond delay="0"/>
+                                  </p:stCondLst>
+                                  <p:childTnLst>
+                                    <p:set>
+                                      <p:cBhvr>
+                                        <p:cTn id="10" dur="1" fill="hold">
+                                          <p:stCondLst>
+                                            <p:cond delay="0"/>
+                                          </p:stCondLst>
+                                        </p:cTn>
+                                        <p:tgtEl>
+                                          <p:spTgt spid="3">
+                                            <p:txEl>
+                                              <p:pRg st="1" end="1"/>
+                                            </p:txEl>
+                                          </p:spTgt>
+                                        </p:tgtEl>
+                                        <p:attrNameLst>
+                                          <p:attrName>style.visibility</p:attrName>
+                                        </p:attrNameLst>
+                                      </p:cBhvr>
+                                      <p:to>
+                                        <p:strVal val="visible"/>
+                                      </p:to>
+                                    </p:set>
+                                    <p:anim calcmode="lin" valueType="num">
+                                      <p:cBhvr additive="base">
+                                        <p:cTn id="11" dur="500" fill="hold"/>
+                                        <p:tgtEl>
+                                          <p:spTgt spid="3">
+                                            <p:txEl>
+                                              <p:pRg st="1" end="1"/>
+                                            </p:txEl>
+                                          </p:spTgt>
+                                        </p:tgtEl>
+                                        <p:attrNameLst>
+                                          <p:attrName>ppt_x</p:attrName>
+                                        </p:attrNameLst>
+                                      </p:cBhvr>
+                                      <p:tavLst>
+                                        <p:tav tm="0">
+                                          <p:val>
+                                            <p:strVal val="#ppt_x"/>
+                                          </p:val>
+                                        </p:tav>
+                                        <p:tav tm="100000">
+                                          <p:val>
+                                            <p:strVal val="#ppt_x"/>
+                                          </p:val>
+                                        </p:tav>
+                                      </p:tavLst>
+                                    </p:anim>
+                                    <p:anim calcmode="lin" valueType="num">
+                                      <p:cBhvr additive="base">
+                                        <p:cTn id="12" dur="500" fill="hold"/>
+                                        <p:tgtEl>
+                                          <p:spTgt spid="3">
+                                            <p:txEl>
+                                              <p:pRg st="1" end="1"/>
+                                            </p:txEl>
+                                          </p:spTgt>
+                                        </p:tgtEl>
+                                        <p:attrNameLst>
+                                          <p:attrName>ppt_y</p:attrName>
+                                        </p:attrNameLst>
+                                      </p:cBhvr>
+                                      <p:tavLst>
+                                        <p:tav tm="0">
+                                          <p:val>
+                                            <p:strVal val="1+#ppt_h/2"/>
+                                          </p:val>
+                                        </p:tav>
+                                        <p:tav tm="100000">
+                                          <p:val>
+                                            <p:strVal val="#ppt_y"/>
+                                          </p:val>
+                                        </p:tav>
+                                      </p:tavLst>
+                                    </p:anim>
+                                  </p:childTnLst>
+                                </p:cTn>
+                              </p:par>
+                              <p:par>
+                                <p:cTn id="13" presetID="2" presetClass="entr" presetSubtype="4" fill="hold" nodeType="withEffect">
+                                  <p:stCondLst>
+                                    <p:cond delay="0"/>
+                                  </p:stCondLst>
+                                  <p:childTnLst>
+                                    <p:set>
+                                      <p:cBhvr>
+                                        <p:cTn id="14" dur="1" fill="hold">
+                                          <p:stCondLst>
+                                            <p:cond delay="0"/>
+                                          </p:stCondLst>
+                                        </p:cTn>
+                                        <p:tgtEl>
+                                          <p:spTgt spid="3">
+                                            <p:txEl>
+                                              <p:pRg st="2" end="2"/>
+                                            </p:txEl>
+                                          </p:spTgt>
+                                        </p:tgtEl>
+                                        <p:attrNameLst>
+                                          <p:attrName>style.visibility</p:attrName>
+                                        </p:attrNameLst>
+                                      </p:cBhvr>
+                                      <p:to>
+                                        <p:strVal val="visible"/>
+                                      </p:to>
+                                    </p:set>
+                                    <p:anim calcmode="lin" valueType="num">
+                                      <p:cBhvr additive="base">
+                                        <p:cTn id="15" dur="500" fill="hold"/>
+                                        <p:tgtEl>
+                                          <p:spTgt spid="3">
+                                            <p:txEl>
+                                              <p:pRg st="2" end="2"/>
+                                            </p:txEl>
+                                          </p:spTgt>
+                                        </p:tgtEl>
+                                        <p:attrNameLst>
+                                          <p:attrName>ppt_x</p:attrName>
+                                        </p:attrNameLst>
+                                      </p:cBhvr>
+                                      <p:tavLst>
+                                        <p:tav tm="0">
+                                          <p:val>
+                                            <p:strVal val="#ppt_x"/>
+                                          </p:val>
+                                        </p:tav>
+                                        <p:tav tm="100000">
+                                          <p:val>
+                                            <p:strVal val="#ppt_x"/>
+                                          </p:val>
+                                        </p:tav>
+                                      </p:tavLst>
+                                    </p:anim>
+                                    <p:anim calcmode="lin" valueType="num">
+                                      <p:cBhvr additive="base">
+                                        <p:cTn id="16" dur="500" fill="hold"/>
+                                        <p:tgtEl>
+                                          <p:spTgt spid="3">
+                                            <p:txEl>
+                                              <p:pRg st="2" end="2"/>
+                                            </p:txEl>
+                                          </p:spTgt>
+                                        </p:tgtEl>
+                                        <p:attrNameLst>
+                                          <p:attrName>ppt_y</p:attrName>
+                                        </p:attrNameLst>
+                                      </p:cBhvr>
+                                      <p:tavLst>
+                                        <p:tav tm="0">
+                                          <p:val>
+                                            <p:strVal val="1+#ppt_h/2"/>
+                                          </p:val>
+                                        </p:tav>
+                                        <p:tav tm="100000">
+                                          <p:val>
+                                            <p:strVal val="#ppt_y"/>
+                                          </p:val>
+                                        </p:tav>
+                                      </p:tavLst>
+                                    </p:anim>
+                                  </p:childTnLst>
+                                </p:cTn>
+                              </p:par>
+                            </p:childTnLst>
+                          </p:cTn>
+                        </p:par>
+                      </p:childTnLst>
+                    </p:cTn>
+                  </p:par>
+                  <p:par>
+                    <p:cTn id="17" fill="hold">
+                      <p:stCondLst>
+                        <p:cond delay="indefinite"/>
+                      </p:stCondLst>
+                      <p:childTnLst>
+                        <p:par>
+                          <p:cTn id="18" fill="hold">
+                            <p:stCondLst>
+                              <p:cond delay="0"/>
+                            </p:stCondLst>
+                            <p:childTnLst>
+                              <p:par>
+                                <p:cTn id="19" presetID="2" presetClass="entr" presetSubtype="4" fill="hold" nodeType="clickEffect">
+                                  <p:stCondLst>
+                                    <p:cond delay="0"/>
+                                  </p:stCondLst>
+                                  <p:childTnLst>
+                                    <p:set>
+                                      <p:cBhvr>
+                                        <p:cTn id="20" dur="1" fill="hold">
+                                          <p:stCondLst>
+                                            <p:cond delay="0"/>
+                                          </p:stCondLst>
+                                        </p:cTn>
+                                        <p:tgtEl>
+                                          <p:spTgt spid="3">
+                                            <p:txEl>
+                                              <p:pRg st="3" end="3"/>
+                                            </p:txEl>
+                                          </p:spTgt>
+                                        </p:tgtEl>
+                                        <p:attrNameLst>
+                                          <p:attrName>style.visibility</p:attrName>
+                                        </p:attrNameLst>
+                                      </p:cBhvr>
+                                      <p:to>
+                                        <p:strVal val="visible"/>
+                                      </p:to>
+                                    </p:set>
+                                    <p:anim calcmode="lin" valueType="num">
+                                      <p:cBhvr additive="base">
+                                        <p:cTn id="21" dur="500" fill="hold"/>
+                                        <p:tgtEl>
+                                          <p:spTgt spid="3">
+                                            <p:txEl>
+                                              <p:pRg st="3" end="3"/>
+                                            </p:txEl>
+                                          </p:spTgt>
+                                        </p:tgtEl>
+                                        <p:attrNameLst>
+                                          <p:attrName>ppt_x</p:attrName>
+                                        </p:attrNameLst>
+                                      </p:cBhvr>
+                                      <p:tavLst>
+                                        <p:tav tm="0">
+                                          <p:val>
+                                            <p:strVal val="#ppt_x"/>
+                                          </p:val>
+                                        </p:tav>
+                                        <p:tav tm="100000">
+                                          <p:val>
+                                            <p:strVal val="#ppt_x"/>
+                                          </p:val>
+                                        </p:tav>
+                                      </p:tavLst>
+                                    </p:anim>
+                                    <p:anim calcmode="lin" valueType="num">
+                                      <p:cBhvr additive="base">
+                                        <p:cTn id="22" dur="500" fill="hold"/>
+                                        <p:tgtEl>
+                                          <p:spTgt spid="3">
+                                            <p:txEl>
+                                              <p:pRg st="3" end="3"/>
+                                            </p:txEl>
+                                          </p:spTgt>
+                                        </p:tgtEl>
+                                        <p:attrNameLst>
+                                          <p:attrName>ppt_y</p:attrName>
+                                        </p:attrNameLst>
+                                      </p:cBhvr>
+                                      <p:tavLst>
+                                        <p:tav tm="0">
+                                          <p:val>
+                                            <p:strVal val="1+#ppt_h/2"/>
+                                          </p:val>
+                                        </p:tav>
+                                        <p:tav tm="100000">
+                                          <p:val>
+                                            <p:strVal val="#ppt_y"/>
+                                          </p:val>
+                                        </p:tav>
+                                      </p:tavLst>
+                                    </p:anim>
+                                  </p:childTnLst>
+                                </p:cTn>
+                              </p:par>
+                              <p:par>
+                                <p:cTn id="23" presetID="2" presetClass="entr" presetSubtype="4" fill="hold" nodeType="withEffect">
+                                  <p:stCondLst>
+                                    <p:cond delay="0"/>
+                                  </p:stCondLst>
+                                  <p:childTnLst>
+                                    <p:set>
+                                      <p:cBhvr>
+                                        <p:cTn id="24" dur="1" fill="hold">
+                                          <p:stCondLst>
+                                            <p:cond delay="0"/>
+                                          </p:stCondLst>
+                                        </p:cTn>
+                                        <p:tgtEl>
+                                          <p:spTgt spid="3">
+                                            <p:txEl>
+                                              <p:pRg st="4" end="4"/>
+                                            </p:txEl>
+                                          </p:spTgt>
+                                        </p:tgtEl>
+                                        <p:attrNameLst>
+                                          <p:attrName>style.visibility</p:attrName>
+                                        </p:attrNameLst>
+                                      </p:cBhvr>
+                                      <p:to>
+                                        <p:strVal val="visible"/>
+                                      </p:to>
+                                    </p:set>
+                                    <p:anim calcmode="lin" valueType="num">
+                                      <p:cBhvr additive="base">
+                                        <p:cTn id="25" dur="500" fill="hold"/>
+                                        <p:tgtEl>
+                                          <p:spTgt spid="3">
+                                            <p:txEl>
+                                              <p:pRg st="4" end="4"/>
+                                            </p:txEl>
+                                          </p:spTgt>
+                                        </p:tgtEl>
+                                        <p:attrNameLst>
+                                          <p:attrName>ppt_x</p:attrName>
+                                        </p:attrNameLst>
+                                      </p:cBhvr>
+                                      <p:tavLst>
+                                        <p:tav tm="0">
+                                          <p:val>
+                                            <p:strVal val="#ppt_x"/>
+                                          </p:val>
+                                        </p:tav>
+                                        <p:tav tm="100000">
+                                          <p:val>
+                                            <p:strVal val="#ppt_x"/>
+                                          </p:val>
+                                        </p:tav>
+                                      </p:tavLst>
+                                    </p:anim>
+                                    <p:anim calcmode="lin" valueType="num">
+                                      <p:cBhvr additive="base">
+                                        <p:cTn id="26" dur="500" fill="hold"/>
+                                        <p:tgtEl>
+                                          <p:spTgt spid="3">
+                                            <p:txEl>
+                                              <p:pRg st="4" end="4"/>
+                                            </p:txEl>
+                                          </p:spTgt>
+                                        </p:tgtEl>
+                                        <p:attrNameLst>
+                                          <p:attrName>ppt_y</p:attrName>
+                                        </p:attrNameLst>
+                                      </p:cBhvr>
+                                      <p:tavLst>
+                                        <p:tav tm="0">
+                                          <p:val>
+                                            <p:strVal val="1+#ppt_h/2"/>
+                                          </p:val>
+                                        </p:tav>
+                                        <p:tav tm="100000">
+                                          <p:val>
+                                            <p:strVal val="#ppt_y"/>
+                                          </p:val>
+                                        </p:tav>
+                                      </p:tavLst>
+                                    </p:anim>
+                                  </p:childTnLst>
+                                </p:cTn>
+                              </p:par>
+                            </p:childTnLst>
+                          </p:cTn>
+                        </p:par>
+                      </p:childTnLst>
+                    </p:cTn>
+                  </p:par>
+                  <p:par>
+                    <p:cTn id="27" fill="hold">
+                      <p:stCondLst>
+                        <p:cond delay="indefinite"/>
+                      </p:stCondLst>
+                      <p:childTnLst>
+                        <p:par>
+                          <p:cTn id="28" fill="hold">
+                            <p:stCondLst>
+                              <p:cond delay="0"/>
+                            </p:stCondLst>
+                            <p:childTnLst>
+                              <p:par>
+                                <p:cTn id="29" presetID="2" presetClass="entr" presetSubtype="4" fill="hold" nodeType="clickEffect">
+                                  <p:stCondLst>
+                                    <p:cond delay="0"/>
+                                  </p:stCondLst>
+                                  <p:childTnLst>
+                                    <p:set>
+                                      <p:cBhvr>
+                                        <p:cTn id="30" dur="1" fill="hold">
+                                          <p:stCondLst>
+                                            <p:cond delay="0"/>
+                                          </p:stCondLst>
+                                        </p:cTn>
+                                        <p:tgtEl>
+                                          <p:spTgt spid="3">
+                                            <p:txEl>
+                                              <p:pRg st="5" end="5"/>
+                                            </p:txEl>
+                                          </p:spTgt>
+                                        </p:tgtEl>
+                                        <p:attrNameLst>
+                                          <p:attrName>style.visibility</p:attrName>
+                                        </p:attrNameLst>
+                                      </p:cBhvr>
+                                      <p:to>
+                                        <p:strVal val="visible"/>
+                                      </p:to>
+                                    </p:set>
+                                    <p:anim calcmode="lin" valueType="num">
+                                      <p:cBhvr additive="base">
+                                        <p:cTn id="31" dur="500" fill="hold"/>
+                                        <p:tgtEl>
+                                          <p:spTgt spid="3">
+                                            <p:txEl>
+                                              <p:pRg st="5" end="5"/>
+                                            </p:txEl>
+                                          </p:spTgt>
+                                        </p:tgtEl>
+                                        <p:attrNameLst>
+                                          <p:attrName>ppt_x</p:attrName>
+                                        </p:attrNameLst>
+                                      </p:cBhvr>
+                                      <p:tavLst>
+                                        <p:tav tm="0">
+                                          <p:val>
+                                            <p:strVal val="#ppt_x"/>
+                                          </p:val>
+                                        </p:tav>
+                                        <p:tav tm="100000">
+                                          <p:val>
+                                            <p:strVal val="#ppt_x"/>
+                                          </p:val>
+                                        </p:tav>
+                                      </p:tavLst>
+                                    </p:anim>
+                                    <p:anim calcmode="lin" valueType="num">
+                                      <p:cBhvr additive="base">
+                                        <p:cTn id="32" dur="500" fill="hold"/>
+                                        <p:tgtEl>
+                                          <p:spTgt spid="3">
+                                            <p:txEl>
+                                              <p:pRg st="5" end="5"/>
+                                            </p:txEl>
+                                          </p:spTgt>
+                                        </p:tgtEl>
+                                        <p:attrNameLst>
+                                          <p:attrName>ppt_y</p:attrName>
+                                        </p:attrNameLst>
+                                      </p:cBhvr>
+                                      <p:tavLst>
+                                        <p:tav tm="0">
+                                          <p:val>
+                                            <p:strVal val="1+#ppt_h/2"/>
+                                          </p:val>
+                                        </p:tav>
+                                        <p:tav tm="100000">
+                                          <p:val>
+                                            <p:strVal val="#ppt_y"/>
+                                          </p:val>
+                                        </p:tav>
+                                      </p:tavLst>
+                                    </p:anim>
+                                  </p:childTnLst>
+                                </p:cTn>
+                              </p:par>
+                              <p:par>
+                                <p:cTn id="33" presetID="2" presetClass="entr" presetSubtype="4" fill="hold" nodeType="withEffect">
+                                  <p:stCondLst>
+                                    <p:cond delay="0"/>
+                                  </p:stCondLst>
+                                  <p:childTnLst>
+                                    <p:set>
+                                      <p:cBhvr>
+                                        <p:cTn id="34" dur="1" fill="hold">
+                                          <p:stCondLst>
+                                            <p:cond delay="0"/>
+                                          </p:stCondLst>
+                                        </p:cTn>
+                                        <p:tgtEl>
+                                          <p:spTgt spid="3">
+                                            <p:txEl>
+                                              <p:pRg st="6" end="6"/>
+                                            </p:txEl>
+                                          </p:spTgt>
+                                        </p:tgtEl>
+                                        <p:attrNameLst>
+                                          <p:attrName>style.visibility</p:attrName>
+                                        </p:attrNameLst>
+                                      </p:cBhvr>
+                                      <p:to>
+                                        <p:strVal val="visible"/>
+                                      </p:to>
+                                    </p:set>
+                                    <p:anim calcmode="lin" valueType="num">
+                                      <p:cBhvr additive="base">
+                                        <p:cTn id="35" dur="500" fill="hold"/>
+                                        <p:tgtEl>
+                                          <p:spTgt spid="3">
+                                            <p:txEl>
+                                              <p:pRg st="6" end="6"/>
+                                            </p:txEl>
+                                          </p:spTgt>
+                                        </p:tgtEl>
+                                        <p:attrNameLst>
+                                          <p:attrName>ppt_x</p:attrName>
+                                        </p:attrNameLst>
+                                      </p:cBhvr>
+                                      <p:tavLst>
+                                        <p:tav tm="0">
+                                          <p:val>
+                                            <p:strVal val="#ppt_x"/>
+                                          </p:val>
+                                        </p:tav>
+                                        <p:tav tm="100000">
+                                          <p:val>
+                                            <p:strVal val="#ppt_x"/>
+                                          </p:val>
+                                        </p:tav>
+                                      </p:tavLst>
+                                    </p:anim>
+                                    <p:anim calcmode="lin" valueType="num">
+                                      <p:cBhvr additive="base">
+                                        <p:cTn id="36" dur="500" fill="hold"/>
+                                        <p:tgtEl>
+                                          <p:spTgt spid="3">
+                                            <p:txEl>
+                                              <p:pRg st="6" end="6"/>
+                                            </p:txEl>
+                                          </p:spTgt>
+                                        </p:tgtEl>
+                                        <p:attrNameLst>
+                                          <p:attrName>ppt_y</p:attrName>
+                                        </p:attrNameLst>
+                                      </p:cBhvr>
+                                      <p:tavLst>
+                                        <p:tav tm="0">
+                                          <p:val>
+                                            <p:strVal val="1+#ppt_h/2"/>
+                                          </p:val>
+                                        </p:tav>
+                                        <p:tav tm="100000">
+                                          <p:val>
+                                            <p:strVal val="#ppt_y"/>
+                                          </p:val>
+                                        </p:tav>
+                                      </p:tavLst>
+                                    </p:anim>
+                                  </p:childTnLst>
+                                </p:cTn>
+                              </p:par>
+                            </p:childTnLst>
+                          </p:cTn>
+                        </p:par>
+                      </p:childTnLst>
+                    </p:cTn>
+                  </p:par>
+                  <p:par>
+                    <p:cTn id="37" fill="hold">
+                      <p:stCondLst>
+                        <p:cond delay="indefinite"/>
+                      </p:stCondLst>
+                      <p:childTnLst>
+                        <p:par>
+                          <p:cTn id="38" fill="hold">
+                            <p:stCondLst>
+                              <p:cond delay="0"/>
+                            </p:stCondLst>
+                            <p:childTnLst>
+                              <p:par>
+                                <p:cTn id="39" presetID="2" presetClass="entr" presetSubtype="4" fill="hold" nodeType="clickEffect">
+                                  <p:stCondLst>
+                                    <p:cond delay="0"/>
+                                  </p:stCondLst>
+                                  <p:childTnLst>
+                                    <p:set>
+                                      <p:cBhvr>
+                                        <p:cTn id="40" dur="1" fill="hold">
+                                          <p:stCondLst>
+                                            <p:cond delay="0"/>
+                                          </p:stCondLst>
+                                        </p:cTn>
+                                        <p:tgtEl>
+                                          <p:spTgt spid="3">
+                                            <p:txEl>
+                                              <p:pRg st="7" end="7"/>
+                                            </p:txEl>
+                                          </p:spTgt>
+                                        </p:tgtEl>
+                                        <p:attrNameLst>
+                                          <p:attrName>style.visibility</p:attrName>
+                                        </p:attrNameLst>
+                                      </p:cBhvr>
+                                      <p:to>
+                                        <p:strVal val="visible"/>
+                                      </p:to>
+                                    </p:set>
+                                    <p:anim calcmode="lin" valueType="num">
+                                      <p:cBhvr additive="base">
+                                        <p:cTn id="41" dur="500" fill="hold"/>
+                                        <p:tgtEl>
+                                          <p:spTgt spid="3">
+                                            <p:txEl>
+                                              <p:pRg st="7" end="7"/>
+                                            </p:txEl>
+                                          </p:spTgt>
+                                        </p:tgtEl>
+                                        <p:attrNameLst>
+                                          <p:attrName>ppt_x</p:attrName>
+                                        </p:attrNameLst>
+                                      </p:cBhvr>
+                                      <p:tavLst>
+                                        <p:tav tm="0">
+                                          <p:val>
+                                            <p:strVal val="#ppt_x"/>
+                                          </p:val>
+                                        </p:tav>
+                                        <p:tav tm="100000">
+                                          <p:val>
+                                            <p:strVal val="#ppt_x"/>
+                                          </p:val>
+                                        </p:tav>
+                                      </p:tavLst>
+                                    </p:anim>
+                                    <p:anim calcmode="lin" valueType="num">
+                                      <p:cBhvr additive="base">
+                                        <p:cTn id="42" dur="500" fill="hold"/>
+                                        <p:tgtEl>
+                                          <p:spTgt spid="3">
+                                            <p:txEl>
+                                              <p:pRg st="7" end="7"/>
+                                            </p:txEl>
+                                          </p:spTgt>
+                                        </p:tgtEl>
+                                        <p:attrNameLst>
+                                          <p:attrName>ppt_y</p:attrName>
+                                        </p:attrNameLst>
+                                      </p:cBhvr>
+                                      <p:tavLst>
+                                        <p:tav tm="0">
+                                          <p:val>
+                                            <p:strVal val="1+#ppt_h/2"/>
+                                          </p:val>
+                                        </p:tav>
+                                        <p:tav tm="100000">
+                                          <p:val>
+                                            <p:strVal val="#ppt_y"/>
+                                          </p:val>
+                                        </p:tav>
+                                      </p:tavLst>
+                                    </p:anim>
+                                  </p:childTnLst>
+                                </p:cTn>
+                              </p:par>
+                              <p:par>
+                                <p:cTn id="43" presetID="2" presetClass="entr" presetSubtype="4" fill="hold" nodeType="withEffect">
+                                  <p:stCondLst>
+                                    <p:cond delay="0"/>
+                                  </p:stCondLst>
+                                  <p:childTnLst>
+                                    <p:set>
+                                      <p:cBhvr>
+                                        <p:cTn id="44" dur="1" fill="hold">
+                                          <p:stCondLst>
+                                            <p:cond delay="0"/>
+                                          </p:stCondLst>
+                                        </p:cTn>
+                                        <p:tgtEl>
+                                          <p:spTgt spid="3">
+                                            <p:txEl>
+                                              <p:pRg st="8" end="8"/>
+                                            </p:txEl>
+                                          </p:spTgt>
+                                        </p:tgtEl>
+                                        <p:attrNameLst>
+                                          <p:attrName>style.visibility</p:attrName>
+                                        </p:attrNameLst>
+                                      </p:cBhvr>
+                                      <p:to>
+                                        <p:strVal val="visible"/>
+                                      </p:to>
+                                    </p:set>
+                                    <p:anim calcmode="lin" valueType="num">
+                                      <p:cBhvr additive="base">
+                                        <p:cTn id="45" dur="500" fill="hold"/>
+                                        <p:tgtEl>
+                                          <p:spTgt spid="3">
+                                            <p:txEl>
+                                              <p:pRg st="8" end="8"/>
+                                            </p:txEl>
+                                          </p:spTgt>
+                                        </p:tgtEl>
+                                        <p:attrNameLst>
+                                          <p:attrName>ppt_x</p:attrName>
+                                        </p:attrNameLst>
+                                      </p:cBhvr>
+                                      <p:tavLst>
+                                        <p:tav tm="0">
+                                          <p:val>
+                                            <p:strVal val="#ppt_x"/>
+                                          </p:val>
+                                        </p:tav>
+                                        <p:tav tm="100000">
+                                          <p:val>
+                                            <p:strVal val="#ppt_x"/>
+                                          </p:val>
+                                        </p:tav>
+                                      </p:tavLst>
+                                    </p:anim>
+                                    <p:anim calcmode="lin" valueType="num">
+                                      <p:cBhvr additive="base">
+                                        <p:cTn id="46" dur="500" fill="hold"/>
+                                        <p:tgtEl>
+                                          <p:spTgt spid="3">
+                                            <p:txEl>
+                                              <p:pRg st="8" end="8"/>
+                                            </p:txEl>
+                                          </p:spTgt>
+                                        </p:tgtEl>
+                                        <p:attrNameLst>
+                                          <p:attrName>ppt_y</p:attrName>
+                                        </p:attrNameLst>
+                                      </p:cBhvr>
+                                      <p:tavLst>
+                                        <p:tav tm="0">
+                                          <p:val>
+                                            <p:strVal val="1+#ppt_h/2"/>
+                                          </p:val>
+                                        </p:tav>
+                                        <p:tav tm="100000">
+                                          <p:val>
+                                            <p:strVal val="#ppt_y"/>
+                                          </p:val>
+                                        </p:tav>
+                                      </p:tavLst>
+                                    </p:anim>
+                                  </p:childTnLst>
+                                </p:cTn>
+                              </p:par>
+                            </p:childTnLst>
+                          </p:cTn>
+                        </p:par>
+                      </p:childTnLst>
+                    </p:cTn>
+                  </p:par>
+                </p:childTnLst>
+              </p:cTn>
+              <p:prevCondLst>
+                <p:cond evt="onPrev" delay="0">
+                  <p:tgtEl>
+                    <p:sldTgt/>
+                  </p:tgtEl>
+                </p:cond>
+              </p:prevCondLst>
+              <p:nextCondLst>
+                <p:cond evt="onNext" delay="0">
+                  <p:tgtEl>
+                    <p:sldTgt/>
+                  </p:tgtEl>
+                </p:cond>
+              </p:nextCondLst>
+            </p:seq>
+          </p:childTnLst>
+        </p:cTn>
+      </p:par>
+    </p:tnLst>
+  </p:timing>
 </p:sld>
 </file>
 
@@ -4015,6 +4951,11 @@
           <a:bodyPr/>
           <a:lstStyle/>
           <a:p>
+            <a:pPr>
+              <a:lnSpc>
+                <a:spcPct val="150000"/>
+              </a:lnSpc>
+            </a:pPr>
             <a:r>
               <a:rPr lang="zh-CN" altLang="en-US" dirty="0" smtClean="0">
                 <a:solidFill>
@@ -4062,6 +5003,11 @@
             </a:endParaRPr>
           </a:p>
           <a:p>
+            <a:pPr>
+              <a:lnSpc>
+                <a:spcPct val="150000"/>
+              </a:lnSpc>
+            </a:pPr>
             <a:r>
               <a:rPr lang="zh-CN" altLang="en-US" dirty="0">
                 <a:solidFill>
@@ -4121,6 +5067,11 @@
             </a:endParaRPr>
           </a:p>
           <a:p>
+            <a:pPr>
+              <a:lnSpc>
+                <a:spcPct val="150000"/>
+              </a:lnSpc>
+            </a:pPr>
             <a:r>
               <a:rPr lang="zh-CN" altLang="en-US" dirty="0">
                 <a:solidFill>
@@ -4191,6 +5142,345 @@
   <p:clrMapOvr>
     <a:masterClrMapping/>
   </p:clrMapOvr>
+  <p:timing>
+    <p:tnLst>
+      <p:par>
+        <p:cTn id="1" dur="indefinite" restart="never" nodeType="tmRoot">
+          <p:childTnLst>
+            <p:seq concurrent="1" nextAc="seek">
+              <p:cTn id="2" dur="indefinite" nodeType="mainSeq">
+                <p:childTnLst>
+                  <p:par>
+                    <p:cTn id="3" fill="hold">
+                      <p:stCondLst>
+                        <p:cond delay="indefinite"/>
+                      </p:stCondLst>
+                      <p:childTnLst>
+                        <p:par>
+                          <p:cTn id="4" fill="hold">
+                            <p:stCondLst>
+                              <p:cond delay="0"/>
+                            </p:stCondLst>
+                            <p:childTnLst>
+                              <p:par>
+                                <p:cTn id="5" presetID="2" presetClass="entr" presetSubtype="4" fill="hold" nodeType="clickEffect">
+                                  <p:stCondLst>
+                                    <p:cond delay="0"/>
+                                  </p:stCondLst>
+                                  <p:childTnLst>
+                                    <p:set>
+                                      <p:cBhvr>
+                                        <p:cTn id="6" dur="1" fill="hold">
+                                          <p:stCondLst>
+                                            <p:cond delay="0"/>
+                                          </p:stCondLst>
+                                        </p:cTn>
+                                        <p:tgtEl>
+                                          <p:spTgt spid="3">
+                                            <p:txEl>
+                                              <p:pRg st="0" end="0"/>
+                                            </p:txEl>
+                                          </p:spTgt>
+                                        </p:tgtEl>
+                                        <p:attrNameLst>
+                                          <p:attrName>style.visibility</p:attrName>
+                                        </p:attrNameLst>
+                                      </p:cBhvr>
+                                      <p:to>
+                                        <p:strVal val="visible"/>
+                                      </p:to>
+                                    </p:set>
+                                    <p:anim calcmode="lin" valueType="num">
+                                      <p:cBhvr additive="base">
+                                        <p:cTn id="7" dur="500" fill="hold"/>
+                                        <p:tgtEl>
+                                          <p:spTgt spid="3">
+                                            <p:txEl>
+                                              <p:pRg st="0" end="0"/>
+                                            </p:txEl>
+                                          </p:spTgt>
+                                        </p:tgtEl>
+                                        <p:attrNameLst>
+                                          <p:attrName>ppt_x</p:attrName>
+                                        </p:attrNameLst>
+                                      </p:cBhvr>
+                                      <p:tavLst>
+                                        <p:tav tm="0">
+                                          <p:val>
+                                            <p:strVal val="#ppt_x"/>
+                                          </p:val>
+                                        </p:tav>
+                                        <p:tav tm="100000">
+                                          <p:val>
+                                            <p:strVal val="#ppt_x"/>
+                                          </p:val>
+                                        </p:tav>
+                                      </p:tavLst>
+                                    </p:anim>
+                                    <p:anim calcmode="lin" valueType="num">
+                                      <p:cBhvr additive="base">
+                                        <p:cTn id="8" dur="500" fill="hold"/>
+                                        <p:tgtEl>
+                                          <p:spTgt spid="3">
+                                            <p:txEl>
+                                              <p:pRg st="0" end="0"/>
+                                            </p:txEl>
+                                          </p:spTgt>
+                                        </p:tgtEl>
+                                        <p:attrNameLst>
+                                          <p:attrName>ppt_y</p:attrName>
+                                        </p:attrNameLst>
+                                      </p:cBhvr>
+                                      <p:tavLst>
+                                        <p:tav tm="0">
+                                          <p:val>
+                                            <p:strVal val="1+#ppt_h/2"/>
+                                          </p:val>
+                                        </p:tav>
+                                        <p:tav tm="100000">
+                                          <p:val>
+                                            <p:strVal val="#ppt_y"/>
+                                          </p:val>
+                                        </p:tav>
+                                      </p:tavLst>
+                                    </p:anim>
+                                  </p:childTnLst>
+                                </p:cTn>
+                              </p:par>
+                            </p:childTnLst>
+                          </p:cTn>
+                        </p:par>
+                      </p:childTnLst>
+                    </p:cTn>
+                  </p:par>
+                  <p:par>
+                    <p:cTn id="9" fill="hold">
+                      <p:stCondLst>
+                        <p:cond delay="indefinite"/>
+                      </p:stCondLst>
+                      <p:childTnLst>
+                        <p:par>
+                          <p:cTn id="10" fill="hold">
+                            <p:stCondLst>
+                              <p:cond delay="0"/>
+                            </p:stCondLst>
+                            <p:childTnLst>
+                              <p:par>
+                                <p:cTn id="11" presetID="2" presetClass="entr" presetSubtype="4" fill="hold" nodeType="clickEffect">
+                                  <p:stCondLst>
+                                    <p:cond delay="0"/>
+                                  </p:stCondLst>
+                                  <p:childTnLst>
+                                    <p:set>
+                                      <p:cBhvr>
+                                        <p:cTn id="12" dur="1" fill="hold">
+                                          <p:stCondLst>
+                                            <p:cond delay="0"/>
+                                          </p:stCondLst>
+                                        </p:cTn>
+                                        <p:tgtEl>
+                                          <p:spTgt spid="3">
+                                            <p:txEl>
+                                              <p:pRg st="1" end="1"/>
+                                            </p:txEl>
+                                          </p:spTgt>
+                                        </p:tgtEl>
+                                        <p:attrNameLst>
+                                          <p:attrName>style.visibility</p:attrName>
+                                        </p:attrNameLst>
+                                      </p:cBhvr>
+                                      <p:to>
+                                        <p:strVal val="visible"/>
+                                      </p:to>
+                                    </p:set>
+                                    <p:anim calcmode="lin" valueType="num">
+                                      <p:cBhvr additive="base">
+                                        <p:cTn id="13" dur="500" fill="hold"/>
+                                        <p:tgtEl>
+                                          <p:spTgt spid="3">
+                                            <p:txEl>
+                                              <p:pRg st="1" end="1"/>
+                                            </p:txEl>
+                                          </p:spTgt>
+                                        </p:tgtEl>
+                                        <p:attrNameLst>
+                                          <p:attrName>ppt_x</p:attrName>
+                                        </p:attrNameLst>
+                                      </p:cBhvr>
+                                      <p:tavLst>
+                                        <p:tav tm="0">
+                                          <p:val>
+                                            <p:strVal val="#ppt_x"/>
+                                          </p:val>
+                                        </p:tav>
+                                        <p:tav tm="100000">
+                                          <p:val>
+                                            <p:strVal val="#ppt_x"/>
+                                          </p:val>
+                                        </p:tav>
+                                      </p:tavLst>
+                                    </p:anim>
+                                    <p:anim calcmode="lin" valueType="num">
+                                      <p:cBhvr additive="base">
+                                        <p:cTn id="14" dur="500" fill="hold"/>
+                                        <p:tgtEl>
+                                          <p:spTgt spid="3">
+                                            <p:txEl>
+                                              <p:pRg st="1" end="1"/>
+                                            </p:txEl>
+                                          </p:spTgt>
+                                        </p:tgtEl>
+                                        <p:attrNameLst>
+                                          <p:attrName>ppt_y</p:attrName>
+                                        </p:attrNameLst>
+                                      </p:cBhvr>
+                                      <p:tavLst>
+                                        <p:tav tm="0">
+                                          <p:val>
+                                            <p:strVal val="1+#ppt_h/2"/>
+                                          </p:val>
+                                        </p:tav>
+                                        <p:tav tm="100000">
+                                          <p:val>
+                                            <p:strVal val="#ppt_y"/>
+                                          </p:val>
+                                        </p:tav>
+                                      </p:tavLst>
+                                    </p:anim>
+                                  </p:childTnLst>
+                                </p:cTn>
+                              </p:par>
+                            </p:childTnLst>
+                          </p:cTn>
+                        </p:par>
+                      </p:childTnLst>
+                    </p:cTn>
+                  </p:par>
+                  <p:par>
+                    <p:cTn id="15" fill="hold">
+                      <p:stCondLst>
+                        <p:cond delay="indefinite"/>
+                      </p:stCondLst>
+                      <p:childTnLst>
+                        <p:par>
+                          <p:cTn id="16" fill="hold">
+                            <p:stCondLst>
+                              <p:cond delay="0"/>
+                            </p:stCondLst>
+                            <p:childTnLst>
+                              <p:par>
+                                <p:cTn id="17" presetID="2" presetClass="entr" presetSubtype="4" fill="hold" nodeType="clickEffect">
+                                  <p:stCondLst>
+                                    <p:cond delay="0"/>
+                                  </p:stCondLst>
+                                  <p:childTnLst>
+                                    <p:set>
+                                      <p:cBhvr>
+                                        <p:cTn id="18" dur="1" fill="hold">
+                                          <p:stCondLst>
+                                            <p:cond delay="0"/>
+                                          </p:stCondLst>
+                                        </p:cTn>
+                                        <p:tgtEl>
+                                          <p:spTgt spid="3">
+                                            <p:txEl>
+                                              <p:pRg st="2" end="2"/>
+                                            </p:txEl>
+                                          </p:spTgt>
+                                        </p:tgtEl>
+                                        <p:attrNameLst>
+                                          <p:attrName>style.visibility</p:attrName>
+                                        </p:attrNameLst>
+                                      </p:cBhvr>
+                                      <p:to>
+                                        <p:strVal val="visible"/>
+                                      </p:to>
+                                    </p:set>
+                                    <p:anim calcmode="lin" valueType="num">
+                                      <p:cBhvr additive="base">
+                                        <p:cTn id="19" dur="500" fill="hold"/>
+                                        <p:tgtEl>
+                                          <p:spTgt spid="3">
+                                            <p:txEl>
+                                              <p:pRg st="2" end="2"/>
+                                            </p:txEl>
+                                          </p:spTgt>
+                                        </p:tgtEl>
+                                        <p:attrNameLst>
+                                          <p:attrName>ppt_x</p:attrName>
+                                        </p:attrNameLst>
+                                      </p:cBhvr>
+                                      <p:tavLst>
+                                        <p:tav tm="0">
+                                          <p:val>
+                                            <p:strVal val="#ppt_x"/>
+                                          </p:val>
+                                        </p:tav>
+                                        <p:tav tm="100000">
+                                          <p:val>
+                                            <p:strVal val="#ppt_x"/>
+                                          </p:val>
+                                        </p:tav>
+                                      </p:tavLst>
+                                    </p:anim>
+                                    <p:anim calcmode="lin" valueType="num">
+                                      <p:cBhvr additive="base">
+                                        <p:cTn id="20" dur="500" fill="hold"/>
+                                        <p:tgtEl>
+                                          <p:spTgt spid="3">
+                                            <p:txEl>
+                                              <p:pRg st="2" end="2"/>
+                                            </p:txEl>
+                                          </p:spTgt>
+                                        </p:tgtEl>
+                                        <p:attrNameLst>
+                                          <p:attrName>ppt_y</p:attrName>
+                                        </p:attrNameLst>
+                                      </p:cBhvr>
+                                      <p:tavLst>
+                                        <p:tav tm="0">
+                                          <p:val>
+                                            <p:strVal val="1+#ppt_h/2"/>
+                                          </p:val>
+                                        </p:tav>
+                                        <p:tav tm="100000">
+                                          <p:val>
+                                            <p:strVal val="#ppt_y"/>
+                                          </p:val>
+                                        </p:tav>
+                                      </p:tavLst>
+                                    </p:anim>
+                                  </p:childTnLst>
+                                </p:cTn>
+                              </p:par>
+                            </p:childTnLst>
+                          </p:cTn>
+                        </p:par>
+                      </p:childTnLst>
+                    </p:cTn>
+                  </p:par>
+                </p:childTnLst>
+              </p:cTn>
+              <p:prevCondLst>
+                <p:cond evt="onPrev" delay="0">
+                  <p:tgtEl>
+                    <p:sldTgt/>
+                  </p:tgtEl>
+                </p:cond>
+              </p:prevCondLst>
+              <p:nextCondLst>
+                <p:cond evt="onNext" delay="0">
+                  <p:tgtEl>
+                    <p:sldTgt/>
+                  </p:tgtEl>
+                </p:cond>
+              </p:nextCondLst>
+            </p:seq>
+          </p:childTnLst>
+        </p:cTn>
+      </p:par>
+    </p:tnLst>
+  </p:timing>
 </p:sld>
 </file>
 
@@ -4265,6 +5555,13 @@
   <p:clrMapOvr>
     <a:masterClrMapping/>
   </p:clrMapOvr>
+  <p:timing>
+    <p:tnLst>
+      <p:par>
+        <p:cTn id="1" dur="indefinite" restart="never" nodeType="tmRoot"/>
+      </p:par>
+    </p:tnLst>
+  </p:timing>
 </p:sld>
 </file>
 
@@ -4354,7 +5651,11 @@
           <a:bodyPr/>
           <a:lstStyle/>
           <a:p>
-            <a:pPr lvl="1"/>
+            <a:pPr lvl="1">
+              <a:lnSpc>
+                <a:spcPct val="150000"/>
+              </a:lnSpc>
+            </a:pPr>
             <a:r>
               <a:rPr lang="en-US" altLang="zh-CN" dirty="0" err="1" smtClean="0">
                 <a:solidFill>
@@ -4368,16 +5669,28 @@
               <a:t>TypeScrip</a:t>
             </a:r>
             <a:r>
-              <a:rPr lang="zh-CN" altLang="en-US" dirty="0">
-                <a:solidFill>
-                  <a:schemeClr val="accent1">
-                    <a:lumMod val="75000"/>
-                  </a:schemeClr>
-                </a:solidFill>
-                <a:latin typeface="微软雅黑" panose="020B0503020204020204" pitchFamily="34" charset="-122"/>
-                <a:ea typeface="微软雅黑" panose="020B0503020204020204" pitchFamily="34" charset="-122"/>
-              </a:rPr>
-              <a:t>简介</a:t>
+              <a:rPr lang="zh-CN" altLang="en-US">
+                <a:solidFill>
+                  <a:schemeClr val="accent1">
+                    <a:lumMod val="75000"/>
+                  </a:schemeClr>
+                </a:solidFill>
+                <a:latin typeface="微软雅黑" panose="020B0503020204020204" pitchFamily="34" charset="-122"/>
+                <a:ea typeface="微软雅黑" panose="020B0503020204020204" pitchFamily="34" charset="-122"/>
+              </a:rPr>
+              <a:t>简</a:t>
+            </a:r>
+            <a:r>
+              <a:rPr lang="zh-CN" altLang="en-US" smtClean="0">
+                <a:solidFill>
+                  <a:schemeClr val="accent1">
+                    <a:lumMod val="75000"/>
+                  </a:schemeClr>
+                </a:solidFill>
+                <a:latin typeface="微软雅黑" panose="020B0503020204020204" pitchFamily="34" charset="-122"/>
+                <a:ea typeface="微软雅黑" panose="020B0503020204020204" pitchFamily="34" charset="-122"/>
+              </a:rPr>
+              <a:t>介</a:t>
             </a:r>
             <a:endParaRPr lang="en-US" altLang="zh-CN" dirty="0" smtClean="0">
               <a:solidFill>
@@ -4390,21 +5703,11 @@
             </a:endParaRPr>
           </a:p>
           <a:p>
-            <a:pPr marL="457200" lvl="1" indent="0">
-              <a:buNone/>
+            <a:pPr lvl="1">
+              <a:lnSpc>
+                <a:spcPct val="150000"/>
+              </a:lnSpc>
             </a:pPr>
-            <a:endParaRPr lang="en-US" altLang="zh-CN" dirty="0" smtClean="0">
-              <a:solidFill>
-                <a:schemeClr val="accent1">
-                  <a:lumMod val="75000"/>
-                </a:schemeClr>
-              </a:solidFill>
-              <a:latin typeface="微软雅黑" panose="020B0503020204020204" pitchFamily="34" charset="-122"/>
-              <a:ea typeface="微软雅黑" panose="020B0503020204020204" pitchFamily="34" charset="-122"/>
-            </a:endParaRPr>
-          </a:p>
-          <a:p>
-            <a:pPr lvl="1"/>
             <a:r>
               <a:rPr lang="en-US" altLang="zh-CN" dirty="0" err="1" smtClean="0">
                 <a:solidFill>
@@ -4454,7 +5757,236 @@
   <p:timing>
     <p:tnLst>
       <p:par>
-        <p:cTn id="1" dur="indefinite" restart="never" nodeType="tmRoot"/>
+        <p:cTn id="1" dur="indefinite" restart="never" nodeType="tmRoot">
+          <p:childTnLst>
+            <p:seq concurrent="1" nextAc="seek">
+              <p:cTn id="2" dur="indefinite" nodeType="mainSeq">
+                <p:childTnLst>
+                  <p:par>
+                    <p:cTn id="3" fill="hold">
+                      <p:stCondLst>
+                        <p:cond delay="indefinite"/>
+                      </p:stCondLst>
+                      <p:childTnLst>
+                        <p:par>
+                          <p:cTn id="4" fill="hold">
+                            <p:stCondLst>
+                              <p:cond delay="0"/>
+                            </p:stCondLst>
+                            <p:childTnLst>
+                              <p:par>
+                                <p:cTn id="5" presetID="2" presetClass="entr" presetSubtype="4" fill="hold" nodeType="clickEffect">
+                                  <p:stCondLst>
+                                    <p:cond delay="0"/>
+                                  </p:stCondLst>
+                                  <p:childTnLst>
+                                    <p:set>
+                                      <p:cBhvr>
+                                        <p:cTn id="6" dur="1" fill="hold">
+                                          <p:stCondLst>
+                                            <p:cond delay="0"/>
+                                          </p:stCondLst>
+                                        </p:cTn>
+                                        <p:tgtEl>
+                                          <p:spTgt spid="3">
+                                            <p:txEl>
+                                              <p:pRg st="0" end="0"/>
+                                            </p:txEl>
+                                          </p:spTgt>
+                                        </p:tgtEl>
+                                        <p:attrNameLst>
+                                          <p:attrName>style.visibility</p:attrName>
+                                        </p:attrNameLst>
+                                      </p:cBhvr>
+                                      <p:to>
+                                        <p:strVal val="visible"/>
+                                      </p:to>
+                                    </p:set>
+                                    <p:anim calcmode="lin" valueType="num">
+                                      <p:cBhvr additive="base">
+                                        <p:cTn id="7" dur="500" fill="hold"/>
+                                        <p:tgtEl>
+                                          <p:spTgt spid="3">
+                                            <p:txEl>
+                                              <p:pRg st="0" end="0"/>
+                                            </p:txEl>
+                                          </p:spTgt>
+                                        </p:tgtEl>
+                                        <p:attrNameLst>
+                                          <p:attrName>ppt_x</p:attrName>
+                                        </p:attrNameLst>
+                                      </p:cBhvr>
+                                      <p:tavLst>
+                                        <p:tav tm="0">
+                                          <p:val>
+                                            <p:strVal val="#ppt_x"/>
+                                          </p:val>
+                                        </p:tav>
+                                        <p:tav tm="100000">
+                                          <p:val>
+                                            <p:strVal val="#ppt_x"/>
+                                          </p:val>
+                                        </p:tav>
+                                      </p:tavLst>
+                                    </p:anim>
+                                    <p:anim calcmode="lin" valueType="num">
+                                      <p:cBhvr additive="base">
+                                        <p:cTn id="8" dur="500" fill="hold"/>
+                                        <p:tgtEl>
+                                          <p:spTgt spid="3">
+                                            <p:txEl>
+                                              <p:pRg st="0" end="0"/>
+                                            </p:txEl>
+                                          </p:spTgt>
+                                        </p:tgtEl>
+                                        <p:attrNameLst>
+                                          <p:attrName>ppt_y</p:attrName>
+                                        </p:attrNameLst>
+                                      </p:cBhvr>
+                                      <p:tavLst>
+                                        <p:tav tm="0">
+                                          <p:val>
+                                            <p:strVal val="1+#ppt_h/2"/>
+                                          </p:val>
+                                        </p:tav>
+                                        <p:tav tm="100000">
+                                          <p:val>
+                                            <p:strVal val="#ppt_y"/>
+                                          </p:val>
+                                        </p:tav>
+                                      </p:tavLst>
+                                    </p:anim>
+                                  </p:childTnLst>
+                                </p:cTn>
+                              </p:par>
+                            </p:childTnLst>
+                          </p:cTn>
+                        </p:par>
+                      </p:childTnLst>
+                    </p:cTn>
+                  </p:par>
+                  <p:par>
+                    <p:cTn id="9" fill="hold">
+                      <p:stCondLst>
+                        <p:cond delay="indefinite"/>
+                      </p:stCondLst>
+                      <p:childTnLst>
+                        <p:par>
+                          <p:cTn id="10" fill="hold">
+                            <p:stCondLst>
+                              <p:cond delay="0"/>
+                            </p:stCondLst>
+                            <p:childTnLst>
+                              <p:par>
+                                <p:cTn id="11" presetID="2" presetClass="entr" presetSubtype="4" fill="hold" nodeType="clickEffect">
+                                  <p:stCondLst>
+                                    <p:cond delay="0"/>
+                                  </p:stCondLst>
+                                  <p:childTnLst>
+                                    <p:set>
+                                      <p:cBhvr>
+                                        <p:cTn id="12" dur="1" fill="hold">
+                                          <p:stCondLst>
+                                            <p:cond delay="0"/>
+                                          </p:stCondLst>
+                                        </p:cTn>
+                                        <p:tgtEl>
+                                          <p:spTgt spid="3">
+                                            <p:txEl>
+                                              <p:pRg st="1" end="1"/>
+                                            </p:txEl>
+                                          </p:spTgt>
+                                        </p:tgtEl>
+                                        <p:attrNameLst>
+                                          <p:attrName>style.visibility</p:attrName>
+                                        </p:attrNameLst>
+                                      </p:cBhvr>
+                                      <p:to>
+                                        <p:strVal val="visible"/>
+                                      </p:to>
+                                    </p:set>
+                                    <p:anim calcmode="lin" valueType="num">
+                                      <p:cBhvr additive="base">
+                                        <p:cTn id="13" dur="500" fill="hold"/>
+                                        <p:tgtEl>
+                                          <p:spTgt spid="3">
+                                            <p:txEl>
+                                              <p:pRg st="1" end="1"/>
+                                            </p:txEl>
+                                          </p:spTgt>
+                                        </p:tgtEl>
+                                        <p:attrNameLst>
+                                          <p:attrName>ppt_x</p:attrName>
+                                        </p:attrNameLst>
+                                      </p:cBhvr>
+                                      <p:tavLst>
+                                        <p:tav tm="0">
+                                          <p:val>
+                                            <p:strVal val="#ppt_x"/>
+                                          </p:val>
+                                        </p:tav>
+                                        <p:tav tm="100000">
+                                          <p:val>
+                                            <p:strVal val="#ppt_x"/>
+                                          </p:val>
+                                        </p:tav>
+                                      </p:tavLst>
+                                    </p:anim>
+                                    <p:anim calcmode="lin" valueType="num">
+                                      <p:cBhvr additive="base">
+                                        <p:cTn id="14" dur="500" fill="hold"/>
+                                        <p:tgtEl>
+                                          <p:spTgt spid="3">
+                                            <p:txEl>
+                                              <p:pRg st="1" end="1"/>
+                                            </p:txEl>
+                                          </p:spTgt>
+                                        </p:tgtEl>
+                                        <p:attrNameLst>
+                                          <p:attrName>ppt_y</p:attrName>
+                                        </p:attrNameLst>
+                                      </p:cBhvr>
+                                      <p:tavLst>
+                                        <p:tav tm="0">
+                                          <p:val>
+                                            <p:strVal val="1+#ppt_h/2"/>
+                                          </p:val>
+                                        </p:tav>
+                                        <p:tav tm="100000">
+                                          <p:val>
+                                            <p:strVal val="#ppt_y"/>
+                                          </p:val>
+                                        </p:tav>
+                                      </p:tavLst>
+                                    </p:anim>
+                                  </p:childTnLst>
+                                </p:cTn>
+                              </p:par>
+                            </p:childTnLst>
+                          </p:cTn>
+                        </p:par>
+                      </p:childTnLst>
+                    </p:cTn>
+                  </p:par>
+                </p:childTnLst>
+              </p:cTn>
+              <p:prevCondLst>
+                <p:cond evt="onPrev" delay="0">
+                  <p:tgtEl>
+                    <p:sldTgt/>
+                  </p:tgtEl>
+                </p:cond>
+              </p:prevCondLst>
+              <p:nextCondLst>
+                <p:cond evt="onNext" delay="0">
+                  <p:tgtEl>
+                    <p:sldTgt/>
+                  </p:tgtEl>
+                </p:cond>
+              </p:nextCondLst>
+            </p:seq>
+          </p:childTnLst>
+        </p:cTn>
       </p:par>
     </p:tnLst>
   </p:timing>
@@ -4532,6 +6064,11 @@
           <a:bodyPr/>
           <a:lstStyle/>
           <a:p>
+            <a:pPr>
+              <a:lnSpc>
+                <a:spcPct val="150000"/>
+              </a:lnSpc>
+            </a:pPr>
             <a:r>
               <a:rPr lang="zh-CN" altLang="en-US" dirty="0" smtClean="0">
                 <a:solidFill>
@@ -4651,7 +6188,11 @@
             </a:endParaRPr>
           </a:p>
           <a:p>
-            <a:pPr lvl="1"/>
+            <a:pPr lvl="1">
+              <a:lnSpc>
+                <a:spcPct val="150000"/>
+              </a:lnSpc>
+            </a:pPr>
             <a:r>
               <a:rPr lang="en-US" altLang="zh-CN" dirty="0" smtClean="0">
                 <a:solidFill>
@@ -4711,7 +6252,11 @@
             </a:endParaRPr>
           </a:p>
           <a:p>
-            <a:pPr lvl="1"/>
+            <a:pPr lvl="1">
+              <a:lnSpc>
+                <a:spcPct val="150000"/>
+              </a:lnSpc>
+            </a:pPr>
             <a:r>
               <a:rPr lang="en-US" altLang="zh-CN" dirty="0" err="1" smtClean="0">
                 <a:solidFill>
@@ -4771,6 +6316,11 @@
             </a:endParaRPr>
           </a:p>
           <a:p>
+            <a:pPr>
+              <a:lnSpc>
+                <a:spcPct val="150000"/>
+              </a:lnSpc>
+            </a:pPr>
             <a:r>
               <a:rPr lang="zh-CN" altLang="en-US" dirty="0" smtClean="0">
                 <a:solidFill>
@@ -4832,7 +6382,406 @@
   <p:timing>
     <p:tnLst>
       <p:par>
-        <p:cTn id="1" dur="indefinite" restart="never" nodeType="tmRoot"/>
+        <p:cTn id="1" dur="indefinite" restart="never" nodeType="tmRoot">
+          <p:childTnLst>
+            <p:seq concurrent="1" nextAc="seek">
+              <p:cTn id="2" dur="indefinite" nodeType="mainSeq">
+                <p:childTnLst>
+                  <p:par>
+                    <p:cTn id="3" fill="hold">
+                      <p:stCondLst>
+                        <p:cond delay="indefinite"/>
+                      </p:stCondLst>
+                      <p:childTnLst>
+                        <p:par>
+                          <p:cTn id="4" fill="hold">
+                            <p:stCondLst>
+                              <p:cond delay="0"/>
+                            </p:stCondLst>
+                            <p:childTnLst>
+                              <p:par>
+                                <p:cTn id="5" presetID="2" presetClass="entr" presetSubtype="4" fill="hold" nodeType="clickEffect">
+                                  <p:stCondLst>
+                                    <p:cond delay="0"/>
+                                  </p:stCondLst>
+                                  <p:childTnLst>
+                                    <p:set>
+                                      <p:cBhvr>
+                                        <p:cTn id="6" dur="1" fill="hold">
+                                          <p:stCondLst>
+                                            <p:cond delay="0"/>
+                                          </p:stCondLst>
+                                        </p:cTn>
+                                        <p:tgtEl>
+                                          <p:spTgt spid="3">
+                                            <p:txEl>
+                                              <p:pRg st="0" end="0"/>
+                                            </p:txEl>
+                                          </p:spTgt>
+                                        </p:tgtEl>
+                                        <p:attrNameLst>
+                                          <p:attrName>style.visibility</p:attrName>
+                                        </p:attrNameLst>
+                                      </p:cBhvr>
+                                      <p:to>
+                                        <p:strVal val="visible"/>
+                                      </p:to>
+                                    </p:set>
+                                    <p:anim calcmode="lin" valueType="num">
+                                      <p:cBhvr additive="base">
+                                        <p:cTn id="7" dur="500" fill="hold"/>
+                                        <p:tgtEl>
+                                          <p:spTgt spid="3">
+                                            <p:txEl>
+                                              <p:pRg st="0" end="0"/>
+                                            </p:txEl>
+                                          </p:spTgt>
+                                        </p:tgtEl>
+                                        <p:attrNameLst>
+                                          <p:attrName>ppt_x</p:attrName>
+                                        </p:attrNameLst>
+                                      </p:cBhvr>
+                                      <p:tavLst>
+                                        <p:tav tm="0">
+                                          <p:val>
+                                            <p:strVal val="#ppt_x"/>
+                                          </p:val>
+                                        </p:tav>
+                                        <p:tav tm="100000">
+                                          <p:val>
+                                            <p:strVal val="#ppt_x"/>
+                                          </p:val>
+                                        </p:tav>
+                                      </p:tavLst>
+                                    </p:anim>
+                                    <p:anim calcmode="lin" valueType="num">
+                                      <p:cBhvr additive="base">
+                                        <p:cTn id="8" dur="500" fill="hold"/>
+                                        <p:tgtEl>
+                                          <p:spTgt spid="3">
+                                            <p:txEl>
+                                              <p:pRg st="0" end="0"/>
+                                            </p:txEl>
+                                          </p:spTgt>
+                                        </p:tgtEl>
+                                        <p:attrNameLst>
+                                          <p:attrName>ppt_y</p:attrName>
+                                        </p:attrNameLst>
+                                      </p:cBhvr>
+                                      <p:tavLst>
+                                        <p:tav tm="0">
+                                          <p:val>
+                                            <p:strVal val="1+#ppt_h/2"/>
+                                          </p:val>
+                                        </p:tav>
+                                        <p:tav tm="100000">
+                                          <p:val>
+                                            <p:strVal val="#ppt_y"/>
+                                          </p:val>
+                                        </p:tav>
+                                      </p:tavLst>
+                                    </p:anim>
+                                  </p:childTnLst>
+                                </p:cTn>
+                              </p:par>
+                              <p:par>
+                                <p:cTn id="9" presetID="2" presetClass="entr" presetSubtype="4" fill="hold" nodeType="withEffect">
+                                  <p:stCondLst>
+                                    <p:cond delay="0"/>
+                                  </p:stCondLst>
+                                  <p:childTnLst>
+                                    <p:set>
+                                      <p:cBhvr>
+                                        <p:cTn id="10" dur="1" fill="hold">
+                                          <p:stCondLst>
+                                            <p:cond delay="0"/>
+                                          </p:stCondLst>
+                                        </p:cTn>
+                                        <p:tgtEl>
+                                          <p:spTgt spid="3">
+                                            <p:txEl>
+                                              <p:pRg st="1" end="1"/>
+                                            </p:txEl>
+                                          </p:spTgt>
+                                        </p:tgtEl>
+                                        <p:attrNameLst>
+                                          <p:attrName>style.visibility</p:attrName>
+                                        </p:attrNameLst>
+                                      </p:cBhvr>
+                                      <p:to>
+                                        <p:strVal val="visible"/>
+                                      </p:to>
+                                    </p:set>
+                                    <p:anim calcmode="lin" valueType="num">
+                                      <p:cBhvr additive="base">
+                                        <p:cTn id="11" dur="500" fill="hold"/>
+                                        <p:tgtEl>
+                                          <p:spTgt spid="3">
+                                            <p:txEl>
+                                              <p:pRg st="1" end="1"/>
+                                            </p:txEl>
+                                          </p:spTgt>
+                                        </p:tgtEl>
+                                        <p:attrNameLst>
+                                          <p:attrName>ppt_x</p:attrName>
+                                        </p:attrNameLst>
+                                      </p:cBhvr>
+                                      <p:tavLst>
+                                        <p:tav tm="0">
+                                          <p:val>
+                                            <p:strVal val="#ppt_x"/>
+                                          </p:val>
+                                        </p:tav>
+                                        <p:tav tm="100000">
+                                          <p:val>
+                                            <p:strVal val="#ppt_x"/>
+                                          </p:val>
+                                        </p:tav>
+                                      </p:tavLst>
+                                    </p:anim>
+                                    <p:anim calcmode="lin" valueType="num">
+                                      <p:cBhvr additive="base">
+                                        <p:cTn id="12" dur="500" fill="hold"/>
+                                        <p:tgtEl>
+                                          <p:spTgt spid="3">
+                                            <p:txEl>
+                                              <p:pRg st="1" end="1"/>
+                                            </p:txEl>
+                                          </p:spTgt>
+                                        </p:tgtEl>
+                                        <p:attrNameLst>
+                                          <p:attrName>ppt_y</p:attrName>
+                                        </p:attrNameLst>
+                                      </p:cBhvr>
+                                      <p:tavLst>
+                                        <p:tav tm="0">
+                                          <p:val>
+                                            <p:strVal val="1+#ppt_h/2"/>
+                                          </p:val>
+                                        </p:tav>
+                                        <p:tav tm="100000">
+                                          <p:val>
+                                            <p:strVal val="#ppt_y"/>
+                                          </p:val>
+                                        </p:tav>
+                                      </p:tavLst>
+                                    </p:anim>
+                                  </p:childTnLst>
+                                </p:cTn>
+                              </p:par>
+                              <p:par>
+                                <p:cTn id="13" presetID="2" presetClass="entr" presetSubtype="4" fill="hold" nodeType="withEffect">
+                                  <p:stCondLst>
+                                    <p:cond delay="0"/>
+                                  </p:stCondLst>
+                                  <p:childTnLst>
+                                    <p:set>
+                                      <p:cBhvr>
+                                        <p:cTn id="14" dur="1" fill="hold">
+                                          <p:stCondLst>
+                                            <p:cond delay="0"/>
+                                          </p:stCondLst>
+                                        </p:cTn>
+                                        <p:tgtEl>
+                                          <p:spTgt spid="3">
+                                            <p:txEl>
+                                              <p:pRg st="2" end="2"/>
+                                            </p:txEl>
+                                          </p:spTgt>
+                                        </p:tgtEl>
+                                        <p:attrNameLst>
+                                          <p:attrName>style.visibility</p:attrName>
+                                        </p:attrNameLst>
+                                      </p:cBhvr>
+                                      <p:to>
+                                        <p:strVal val="visible"/>
+                                      </p:to>
+                                    </p:set>
+                                    <p:anim calcmode="lin" valueType="num">
+                                      <p:cBhvr additive="base">
+                                        <p:cTn id="15" dur="500" fill="hold"/>
+                                        <p:tgtEl>
+                                          <p:spTgt spid="3">
+                                            <p:txEl>
+                                              <p:pRg st="2" end="2"/>
+                                            </p:txEl>
+                                          </p:spTgt>
+                                        </p:tgtEl>
+                                        <p:attrNameLst>
+                                          <p:attrName>ppt_x</p:attrName>
+                                        </p:attrNameLst>
+                                      </p:cBhvr>
+                                      <p:tavLst>
+                                        <p:tav tm="0">
+                                          <p:val>
+                                            <p:strVal val="#ppt_x"/>
+                                          </p:val>
+                                        </p:tav>
+                                        <p:tav tm="100000">
+                                          <p:val>
+                                            <p:strVal val="#ppt_x"/>
+                                          </p:val>
+                                        </p:tav>
+                                      </p:tavLst>
+                                    </p:anim>
+                                    <p:anim calcmode="lin" valueType="num">
+                                      <p:cBhvr additive="base">
+                                        <p:cTn id="16" dur="500" fill="hold"/>
+                                        <p:tgtEl>
+                                          <p:spTgt spid="3">
+                                            <p:txEl>
+                                              <p:pRg st="2" end="2"/>
+                                            </p:txEl>
+                                          </p:spTgt>
+                                        </p:tgtEl>
+                                        <p:attrNameLst>
+                                          <p:attrName>ppt_y</p:attrName>
+                                        </p:attrNameLst>
+                                      </p:cBhvr>
+                                      <p:tavLst>
+                                        <p:tav tm="0">
+                                          <p:val>
+                                            <p:strVal val="1+#ppt_h/2"/>
+                                          </p:val>
+                                        </p:tav>
+                                        <p:tav tm="100000">
+                                          <p:val>
+                                            <p:strVal val="#ppt_y"/>
+                                          </p:val>
+                                        </p:tav>
+                                      </p:tavLst>
+                                    </p:anim>
+                                  </p:childTnLst>
+                                </p:cTn>
+                              </p:par>
+                            </p:childTnLst>
+                          </p:cTn>
+                        </p:par>
+                      </p:childTnLst>
+                    </p:cTn>
+                  </p:par>
+                  <p:par>
+                    <p:cTn id="17" fill="hold">
+                      <p:stCondLst>
+                        <p:cond delay="indefinite"/>
+                      </p:stCondLst>
+                      <p:childTnLst>
+                        <p:par>
+                          <p:cTn id="18" fill="hold">
+                            <p:stCondLst>
+                              <p:cond delay="0"/>
+                            </p:stCondLst>
+                            <p:childTnLst>
+                              <p:par>
+                                <p:cTn id="19" presetID="2" presetClass="entr" presetSubtype="4" fill="hold" nodeType="clickEffect">
+                                  <p:stCondLst>
+                                    <p:cond delay="0"/>
+                                  </p:stCondLst>
+                                  <p:childTnLst>
+                                    <p:set>
+                                      <p:cBhvr>
+                                        <p:cTn id="20" dur="1" fill="hold">
+                                          <p:stCondLst>
+                                            <p:cond delay="0"/>
+                                          </p:stCondLst>
+                                        </p:cTn>
+                                        <p:tgtEl>
+                                          <p:spTgt spid="3">
+                                            <p:txEl>
+                                              <p:pRg st="3" end="3"/>
+                                            </p:txEl>
+                                          </p:spTgt>
+                                        </p:tgtEl>
+                                        <p:attrNameLst>
+                                          <p:attrName>style.visibility</p:attrName>
+                                        </p:attrNameLst>
+                                      </p:cBhvr>
+                                      <p:to>
+                                        <p:strVal val="visible"/>
+                                      </p:to>
+                                    </p:set>
+                                    <p:anim calcmode="lin" valueType="num">
+                                      <p:cBhvr additive="base">
+                                        <p:cTn id="21" dur="500" fill="hold"/>
+                                        <p:tgtEl>
+                                          <p:spTgt spid="3">
+                                            <p:txEl>
+                                              <p:pRg st="3" end="3"/>
+                                            </p:txEl>
+                                          </p:spTgt>
+                                        </p:tgtEl>
+                                        <p:attrNameLst>
+                                          <p:attrName>ppt_x</p:attrName>
+                                        </p:attrNameLst>
+                                      </p:cBhvr>
+                                      <p:tavLst>
+                                        <p:tav tm="0">
+                                          <p:val>
+                                            <p:strVal val="#ppt_x"/>
+                                          </p:val>
+                                        </p:tav>
+                                        <p:tav tm="100000">
+                                          <p:val>
+                                            <p:strVal val="#ppt_x"/>
+                                          </p:val>
+                                        </p:tav>
+                                      </p:tavLst>
+                                    </p:anim>
+                                    <p:anim calcmode="lin" valueType="num">
+                                      <p:cBhvr additive="base">
+                                        <p:cTn id="22" dur="500" fill="hold"/>
+                                        <p:tgtEl>
+                                          <p:spTgt spid="3">
+                                            <p:txEl>
+                                              <p:pRg st="3" end="3"/>
+                                            </p:txEl>
+                                          </p:spTgt>
+                                        </p:tgtEl>
+                                        <p:attrNameLst>
+                                          <p:attrName>ppt_y</p:attrName>
+                                        </p:attrNameLst>
+                                      </p:cBhvr>
+                                      <p:tavLst>
+                                        <p:tav tm="0">
+                                          <p:val>
+                                            <p:strVal val="1+#ppt_h/2"/>
+                                          </p:val>
+                                        </p:tav>
+                                        <p:tav tm="100000">
+                                          <p:val>
+                                            <p:strVal val="#ppt_y"/>
+                                          </p:val>
+                                        </p:tav>
+                                      </p:tavLst>
+                                    </p:anim>
+                                  </p:childTnLst>
+                                </p:cTn>
+                              </p:par>
+                            </p:childTnLst>
+                          </p:cTn>
+                        </p:par>
+                      </p:childTnLst>
+                    </p:cTn>
+                  </p:par>
+                </p:childTnLst>
+              </p:cTn>
+              <p:prevCondLst>
+                <p:cond evt="onPrev" delay="0">
+                  <p:tgtEl>
+                    <p:sldTgt/>
+                  </p:tgtEl>
+                </p:cond>
+              </p:prevCondLst>
+              <p:nextCondLst>
+                <p:cond evt="onNext" delay="0">
+                  <p:tgtEl>
+                    <p:sldTgt/>
+                  </p:tgtEl>
+                </p:cond>
+              </p:nextCondLst>
+            </p:seq>
+          </p:childTnLst>
+        </p:cTn>
       </p:par>
     </p:tnLst>
   </p:timing>
@@ -4922,6 +6871,11 @@
           <a:bodyPr/>
           <a:lstStyle/>
           <a:p>
+            <a:pPr>
+              <a:lnSpc>
+                <a:spcPct val="150000"/>
+              </a:lnSpc>
+            </a:pPr>
             <a:r>
               <a:rPr lang="zh-CN" altLang="en-US" dirty="0" smtClean="0">
                 <a:solidFill>
@@ -4993,6 +6947,11 @@
             </a:endParaRPr>
           </a:p>
           <a:p>
+            <a:pPr>
+              <a:lnSpc>
+                <a:spcPct val="150000"/>
+              </a:lnSpc>
+            </a:pPr>
             <a:r>
               <a:rPr lang="zh-CN" altLang="en-US" dirty="0">
                 <a:solidFill>
@@ -5052,7 +7011,11 @@
             </a:endParaRPr>
           </a:p>
           <a:p>
-            <a:pPr lvl="1"/>
+            <a:pPr lvl="1">
+              <a:lnSpc>
+                <a:spcPct val="150000"/>
+              </a:lnSpc>
+            </a:pPr>
             <a:r>
               <a:rPr lang="zh-CN" altLang="en-US" dirty="0">
                 <a:solidFill>
@@ -5088,7 +7051,11 @@
             </a:endParaRPr>
           </a:p>
           <a:p>
-            <a:pPr lvl="1"/>
+            <a:pPr lvl="1">
+              <a:lnSpc>
+                <a:spcPct val="150000"/>
+              </a:lnSpc>
+            </a:pPr>
             <a:r>
               <a:rPr lang="zh-CN" altLang="en-US" dirty="0" smtClean="0">
                 <a:solidFill>
@@ -5112,7 +7079,11 @@
             </a:endParaRPr>
           </a:p>
           <a:p>
-            <a:pPr lvl="1"/>
+            <a:pPr lvl="1">
+              <a:lnSpc>
+                <a:spcPct val="150000"/>
+              </a:lnSpc>
+            </a:pPr>
             <a:r>
               <a:rPr lang="zh-CN" altLang="en-US" dirty="0">
                 <a:solidFill>
@@ -5148,6 +7119,11 @@
             </a:endParaRPr>
           </a:p>
           <a:p>
+            <a:pPr>
+              <a:lnSpc>
+                <a:spcPct val="150000"/>
+              </a:lnSpc>
+            </a:pPr>
             <a:r>
               <a:rPr lang="en-US" altLang="zh-CN" dirty="0" smtClean="0">
                 <a:solidFill>
@@ -5197,7 +7173,594 @@
   <p:timing>
     <p:tnLst>
       <p:par>
-        <p:cTn id="1" dur="indefinite" restart="never" nodeType="tmRoot"/>
+        <p:cTn id="1" dur="indefinite" restart="never" nodeType="tmRoot">
+          <p:childTnLst>
+            <p:seq concurrent="1" nextAc="seek">
+              <p:cTn id="2" dur="indefinite" nodeType="mainSeq">
+                <p:childTnLst>
+                  <p:par>
+                    <p:cTn id="3" fill="hold">
+                      <p:stCondLst>
+                        <p:cond delay="indefinite"/>
+                      </p:stCondLst>
+                      <p:childTnLst>
+                        <p:par>
+                          <p:cTn id="4" fill="hold">
+                            <p:stCondLst>
+                              <p:cond delay="0"/>
+                            </p:stCondLst>
+                            <p:childTnLst>
+                              <p:par>
+                                <p:cTn id="5" presetID="2" presetClass="entr" presetSubtype="4" fill="hold" nodeType="clickEffect">
+                                  <p:stCondLst>
+                                    <p:cond delay="0"/>
+                                  </p:stCondLst>
+                                  <p:childTnLst>
+                                    <p:set>
+                                      <p:cBhvr>
+                                        <p:cTn id="6" dur="1" fill="hold">
+                                          <p:stCondLst>
+                                            <p:cond delay="0"/>
+                                          </p:stCondLst>
+                                        </p:cTn>
+                                        <p:tgtEl>
+                                          <p:spTgt spid="3">
+                                            <p:txEl>
+                                              <p:pRg st="0" end="0"/>
+                                            </p:txEl>
+                                          </p:spTgt>
+                                        </p:tgtEl>
+                                        <p:attrNameLst>
+                                          <p:attrName>style.visibility</p:attrName>
+                                        </p:attrNameLst>
+                                      </p:cBhvr>
+                                      <p:to>
+                                        <p:strVal val="visible"/>
+                                      </p:to>
+                                    </p:set>
+                                    <p:anim calcmode="lin" valueType="num">
+                                      <p:cBhvr additive="base">
+                                        <p:cTn id="7" dur="500" fill="hold"/>
+                                        <p:tgtEl>
+                                          <p:spTgt spid="3">
+                                            <p:txEl>
+                                              <p:pRg st="0" end="0"/>
+                                            </p:txEl>
+                                          </p:spTgt>
+                                        </p:tgtEl>
+                                        <p:attrNameLst>
+                                          <p:attrName>ppt_x</p:attrName>
+                                        </p:attrNameLst>
+                                      </p:cBhvr>
+                                      <p:tavLst>
+                                        <p:tav tm="0">
+                                          <p:val>
+                                            <p:strVal val="#ppt_x"/>
+                                          </p:val>
+                                        </p:tav>
+                                        <p:tav tm="100000">
+                                          <p:val>
+                                            <p:strVal val="#ppt_x"/>
+                                          </p:val>
+                                        </p:tav>
+                                      </p:tavLst>
+                                    </p:anim>
+                                    <p:anim calcmode="lin" valueType="num">
+                                      <p:cBhvr additive="base">
+                                        <p:cTn id="8" dur="500" fill="hold"/>
+                                        <p:tgtEl>
+                                          <p:spTgt spid="3">
+                                            <p:txEl>
+                                              <p:pRg st="0" end="0"/>
+                                            </p:txEl>
+                                          </p:spTgt>
+                                        </p:tgtEl>
+                                        <p:attrNameLst>
+                                          <p:attrName>ppt_y</p:attrName>
+                                        </p:attrNameLst>
+                                      </p:cBhvr>
+                                      <p:tavLst>
+                                        <p:tav tm="0">
+                                          <p:val>
+                                            <p:strVal val="1+#ppt_h/2"/>
+                                          </p:val>
+                                        </p:tav>
+                                        <p:tav tm="100000">
+                                          <p:val>
+                                            <p:strVal val="#ppt_y"/>
+                                          </p:val>
+                                        </p:tav>
+                                      </p:tavLst>
+                                    </p:anim>
+                                  </p:childTnLst>
+                                </p:cTn>
+                              </p:par>
+                            </p:childTnLst>
+                          </p:cTn>
+                        </p:par>
+                      </p:childTnLst>
+                    </p:cTn>
+                  </p:par>
+                  <p:par>
+                    <p:cTn id="9" fill="hold">
+                      <p:stCondLst>
+                        <p:cond delay="indefinite"/>
+                      </p:stCondLst>
+                      <p:childTnLst>
+                        <p:par>
+                          <p:cTn id="10" fill="hold">
+                            <p:stCondLst>
+                              <p:cond delay="0"/>
+                            </p:stCondLst>
+                            <p:childTnLst>
+                              <p:par>
+                                <p:cTn id="11" presetID="2" presetClass="entr" presetSubtype="4" fill="hold" nodeType="clickEffect">
+                                  <p:stCondLst>
+                                    <p:cond delay="0"/>
+                                  </p:stCondLst>
+                                  <p:childTnLst>
+                                    <p:set>
+                                      <p:cBhvr>
+                                        <p:cTn id="12" dur="1" fill="hold">
+                                          <p:stCondLst>
+                                            <p:cond delay="0"/>
+                                          </p:stCondLst>
+                                        </p:cTn>
+                                        <p:tgtEl>
+                                          <p:spTgt spid="3">
+                                            <p:txEl>
+                                              <p:pRg st="1" end="1"/>
+                                            </p:txEl>
+                                          </p:spTgt>
+                                        </p:tgtEl>
+                                        <p:attrNameLst>
+                                          <p:attrName>style.visibility</p:attrName>
+                                        </p:attrNameLst>
+                                      </p:cBhvr>
+                                      <p:to>
+                                        <p:strVal val="visible"/>
+                                      </p:to>
+                                    </p:set>
+                                    <p:anim calcmode="lin" valueType="num">
+                                      <p:cBhvr additive="base">
+                                        <p:cTn id="13" dur="500" fill="hold"/>
+                                        <p:tgtEl>
+                                          <p:spTgt spid="3">
+                                            <p:txEl>
+                                              <p:pRg st="1" end="1"/>
+                                            </p:txEl>
+                                          </p:spTgt>
+                                        </p:tgtEl>
+                                        <p:attrNameLst>
+                                          <p:attrName>ppt_x</p:attrName>
+                                        </p:attrNameLst>
+                                      </p:cBhvr>
+                                      <p:tavLst>
+                                        <p:tav tm="0">
+                                          <p:val>
+                                            <p:strVal val="#ppt_x"/>
+                                          </p:val>
+                                        </p:tav>
+                                        <p:tav tm="100000">
+                                          <p:val>
+                                            <p:strVal val="#ppt_x"/>
+                                          </p:val>
+                                        </p:tav>
+                                      </p:tavLst>
+                                    </p:anim>
+                                    <p:anim calcmode="lin" valueType="num">
+                                      <p:cBhvr additive="base">
+                                        <p:cTn id="14" dur="500" fill="hold"/>
+                                        <p:tgtEl>
+                                          <p:spTgt spid="3">
+                                            <p:txEl>
+                                              <p:pRg st="1" end="1"/>
+                                            </p:txEl>
+                                          </p:spTgt>
+                                        </p:tgtEl>
+                                        <p:attrNameLst>
+                                          <p:attrName>ppt_y</p:attrName>
+                                        </p:attrNameLst>
+                                      </p:cBhvr>
+                                      <p:tavLst>
+                                        <p:tav tm="0">
+                                          <p:val>
+                                            <p:strVal val="1+#ppt_h/2"/>
+                                          </p:val>
+                                        </p:tav>
+                                        <p:tav tm="100000">
+                                          <p:val>
+                                            <p:strVal val="#ppt_y"/>
+                                          </p:val>
+                                        </p:tav>
+                                      </p:tavLst>
+                                    </p:anim>
+                                  </p:childTnLst>
+                                </p:cTn>
+                              </p:par>
+                              <p:par>
+                                <p:cTn id="15" presetID="2" presetClass="entr" presetSubtype="4" fill="hold" nodeType="withEffect">
+                                  <p:stCondLst>
+                                    <p:cond delay="0"/>
+                                  </p:stCondLst>
+                                  <p:childTnLst>
+                                    <p:set>
+                                      <p:cBhvr>
+                                        <p:cTn id="16" dur="1" fill="hold">
+                                          <p:stCondLst>
+                                            <p:cond delay="0"/>
+                                          </p:stCondLst>
+                                        </p:cTn>
+                                        <p:tgtEl>
+                                          <p:spTgt spid="3">
+                                            <p:txEl>
+                                              <p:pRg st="2" end="2"/>
+                                            </p:txEl>
+                                          </p:spTgt>
+                                        </p:tgtEl>
+                                        <p:attrNameLst>
+                                          <p:attrName>style.visibility</p:attrName>
+                                        </p:attrNameLst>
+                                      </p:cBhvr>
+                                      <p:to>
+                                        <p:strVal val="visible"/>
+                                      </p:to>
+                                    </p:set>
+                                    <p:anim calcmode="lin" valueType="num">
+                                      <p:cBhvr additive="base">
+                                        <p:cTn id="17" dur="500" fill="hold"/>
+                                        <p:tgtEl>
+                                          <p:spTgt spid="3">
+                                            <p:txEl>
+                                              <p:pRg st="2" end="2"/>
+                                            </p:txEl>
+                                          </p:spTgt>
+                                        </p:tgtEl>
+                                        <p:attrNameLst>
+                                          <p:attrName>ppt_x</p:attrName>
+                                        </p:attrNameLst>
+                                      </p:cBhvr>
+                                      <p:tavLst>
+                                        <p:tav tm="0">
+                                          <p:val>
+                                            <p:strVal val="#ppt_x"/>
+                                          </p:val>
+                                        </p:tav>
+                                        <p:tav tm="100000">
+                                          <p:val>
+                                            <p:strVal val="#ppt_x"/>
+                                          </p:val>
+                                        </p:tav>
+                                      </p:tavLst>
+                                    </p:anim>
+                                    <p:anim calcmode="lin" valueType="num">
+                                      <p:cBhvr additive="base">
+                                        <p:cTn id="18" dur="500" fill="hold"/>
+                                        <p:tgtEl>
+                                          <p:spTgt spid="3">
+                                            <p:txEl>
+                                              <p:pRg st="2" end="2"/>
+                                            </p:txEl>
+                                          </p:spTgt>
+                                        </p:tgtEl>
+                                        <p:attrNameLst>
+                                          <p:attrName>ppt_y</p:attrName>
+                                        </p:attrNameLst>
+                                      </p:cBhvr>
+                                      <p:tavLst>
+                                        <p:tav tm="0">
+                                          <p:val>
+                                            <p:strVal val="1+#ppt_h/2"/>
+                                          </p:val>
+                                        </p:tav>
+                                        <p:tav tm="100000">
+                                          <p:val>
+                                            <p:strVal val="#ppt_y"/>
+                                          </p:val>
+                                        </p:tav>
+                                      </p:tavLst>
+                                    </p:anim>
+                                  </p:childTnLst>
+                                </p:cTn>
+                              </p:par>
+                              <p:par>
+                                <p:cTn id="19" presetID="2" presetClass="entr" presetSubtype="4" fill="hold" nodeType="withEffect">
+                                  <p:stCondLst>
+                                    <p:cond delay="0"/>
+                                  </p:stCondLst>
+                                  <p:childTnLst>
+                                    <p:set>
+                                      <p:cBhvr>
+                                        <p:cTn id="20" dur="1" fill="hold">
+                                          <p:stCondLst>
+                                            <p:cond delay="0"/>
+                                          </p:stCondLst>
+                                        </p:cTn>
+                                        <p:tgtEl>
+                                          <p:spTgt spid="3">
+                                            <p:txEl>
+                                              <p:pRg st="3" end="3"/>
+                                            </p:txEl>
+                                          </p:spTgt>
+                                        </p:tgtEl>
+                                        <p:attrNameLst>
+                                          <p:attrName>style.visibility</p:attrName>
+                                        </p:attrNameLst>
+                                      </p:cBhvr>
+                                      <p:to>
+                                        <p:strVal val="visible"/>
+                                      </p:to>
+                                    </p:set>
+                                    <p:anim calcmode="lin" valueType="num">
+                                      <p:cBhvr additive="base">
+                                        <p:cTn id="21" dur="500" fill="hold"/>
+                                        <p:tgtEl>
+                                          <p:spTgt spid="3">
+                                            <p:txEl>
+                                              <p:pRg st="3" end="3"/>
+                                            </p:txEl>
+                                          </p:spTgt>
+                                        </p:tgtEl>
+                                        <p:attrNameLst>
+                                          <p:attrName>ppt_x</p:attrName>
+                                        </p:attrNameLst>
+                                      </p:cBhvr>
+                                      <p:tavLst>
+                                        <p:tav tm="0">
+                                          <p:val>
+                                            <p:strVal val="#ppt_x"/>
+                                          </p:val>
+                                        </p:tav>
+                                        <p:tav tm="100000">
+                                          <p:val>
+                                            <p:strVal val="#ppt_x"/>
+                                          </p:val>
+                                        </p:tav>
+                                      </p:tavLst>
+                                    </p:anim>
+                                    <p:anim calcmode="lin" valueType="num">
+                                      <p:cBhvr additive="base">
+                                        <p:cTn id="22" dur="500" fill="hold"/>
+                                        <p:tgtEl>
+                                          <p:spTgt spid="3">
+                                            <p:txEl>
+                                              <p:pRg st="3" end="3"/>
+                                            </p:txEl>
+                                          </p:spTgt>
+                                        </p:tgtEl>
+                                        <p:attrNameLst>
+                                          <p:attrName>ppt_y</p:attrName>
+                                        </p:attrNameLst>
+                                      </p:cBhvr>
+                                      <p:tavLst>
+                                        <p:tav tm="0">
+                                          <p:val>
+                                            <p:strVal val="1+#ppt_h/2"/>
+                                          </p:val>
+                                        </p:tav>
+                                        <p:tav tm="100000">
+                                          <p:val>
+                                            <p:strVal val="#ppt_y"/>
+                                          </p:val>
+                                        </p:tav>
+                                      </p:tavLst>
+                                    </p:anim>
+                                  </p:childTnLst>
+                                </p:cTn>
+                              </p:par>
+                              <p:par>
+                                <p:cTn id="23" presetID="2" presetClass="entr" presetSubtype="4" fill="hold" nodeType="withEffect">
+                                  <p:stCondLst>
+                                    <p:cond delay="0"/>
+                                  </p:stCondLst>
+                                  <p:childTnLst>
+                                    <p:set>
+                                      <p:cBhvr>
+                                        <p:cTn id="24" dur="1" fill="hold">
+                                          <p:stCondLst>
+                                            <p:cond delay="0"/>
+                                          </p:stCondLst>
+                                        </p:cTn>
+                                        <p:tgtEl>
+                                          <p:spTgt spid="3">
+                                            <p:txEl>
+                                              <p:pRg st="4" end="4"/>
+                                            </p:txEl>
+                                          </p:spTgt>
+                                        </p:tgtEl>
+                                        <p:attrNameLst>
+                                          <p:attrName>style.visibility</p:attrName>
+                                        </p:attrNameLst>
+                                      </p:cBhvr>
+                                      <p:to>
+                                        <p:strVal val="visible"/>
+                                      </p:to>
+                                    </p:set>
+                                    <p:anim calcmode="lin" valueType="num">
+                                      <p:cBhvr additive="base">
+                                        <p:cTn id="25" dur="500" fill="hold"/>
+                                        <p:tgtEl>
+                                          <p:spTgt spid="3">
+                                            <p:txEl>
+                                              <p:pRg st="4" end="4"/>
+                                            </p:txEl>
+                                          </p:spTgt>
+                                        </p:tgtEl>
+                                        <p:attrNameLst>
+                                          <p:attrName>ppt_x</p:attrName>
+                                        </p:attrNameLst>
+                                      </p:cBhvr>
+                                      <p:tavLst>
+                                        <p:tav tm="0">
+                                          <p:val>
+                                            <p:strVal val="#ppt_x"/>
+                                          </p:val>
+                                        </p:tav>
+                                        <p:tav tm="100000">
+                                          <p:val>
+                                            <p:strVal val="#ppt_x"/>
+                                          </p:val>
+                                        </p:tav>
+                                      </p:tavLst>
+                                    </p:anim>
+                                    <p:anim calcmode="lin" valueType="num">
+                                      <p:cBhvr additive="base">
+                                        <p:cTn id="26" dur="500" fill="hold"/>
+                                        <p:tgtEl>
+                                          <p:spTgt spid="3">
+                                            <p:txEl>
+                                              <p:pRg st="4" end="4"/>
+                                            </p:txEl>
+                                          </p:spTgt>
+                                        </p:tgtEl>
+                                        <p:attrNameLst>
+                                          <p:attrName>ppt_y</p:attrName>
+                                        </p:attrNameLst>
+                                      </p:cBhvr>
+                                      <p:tavLst>
+                                        <p:tav tm="0">
+                                          <p:val>
+                                            <p:strVal val="1+#ppt_h/2"/>
+                                          </p:val>
+                                        </p:tav>
+                                        <p:tav tm="100000">
+                                          <p:val>
+                                            <p:strVal val="#ppt_y"/>
+                                          </p:val>
+                                        </p:tav>
+                                      </p:tavLst>
+                                    </p:anim>
+                                  </p:childTnLst>
+                                </p:cTn>
+                              </p:par>
+                            </p:childTnLst>
+                          </p:cTn>
+                        </p:par>
+                      </p:childTnLst>
+                    </p:cTn>
+                  </p:par>
+                  <p:par>
+                    <p:cTn id="27" fill="hold">
+                      <p:stCondLst>
+                        <p:cond delay="indefinite"/>
+                      </p:stCondLst>
+                      <p:childTnLst>
+                        <p:par>
+                          <p:cTn id="28" fill="hold">
+                            <p:stCondLst>
+                              <p:cond delay="0"/>
+                            </p:stCondLst>
+                            <p:childTnLst>
+                              <p:par>
+                                <p:cTn id="29" presetID="2" presetClass="entr" presetSubtype="4" fill="hold" nodeType="clickEffect">
+                                  <p:stCondLst>
+                                    <p:cond delay="0"/>
+                                  </p:stCondLst>
+                                  <p:childTnLst>
+                                    <p:set>
+                                      <p:cBhvr>
+                                        <p:cTn id="30" dur="1" fill="hold">
+                                          <p:stCondLst>
+                                            <p:cond delay="0"/>
+                                          </p:stCondLst>
+                                        </p:cTn>
+                                        <p:tgtEl>
+                                          <p:spTgt spid="3">
+                                            <p:txEl>
+                                              <p:pRg st="5" end="5"/>
+                                            </p:txEl>
+                                          </p:spTgt>
+                                        </p:tgtEl>
+                                        <p:attrNameLst>
+                                          <p:attrName>style.visibility</p:attrName>
+                                        </p:attrNameLst>
+                                      </p:cBhvr>
+                                      <p:to>
+                                        <p:strVal val="visible"/>
+                                      </p:to>
+                                    </p:set>
+                                    <p:anim calcmode="lin" valueType="num">
+                                      <p:cBhvr additive="base">
+                                        <p:cTn id="31" dur="500" fill="hold"/>
+                                        <p:tgtEl>
+                                          <p:spTgt spid="3">
+                                            <p:txEl>
+                                              <p:pRg st="5" end="5"/>
+                                            </p:txEl>
+                                          </p:spTgt>
+                                        </p:tgtEl>
+                                        <p:attrNameLst>
+                                          <p:attrName>ppt_x</p:attrName>
+                                        </p:attrNameLst>
+                                      </p:cBhvr>
+                                      <p:tavLst>
+                                        <p:tav tm="0">
+                                          <p:val>
+                                            <p:strVal val="#ppt_x"/>
+                                          </p:val>
+                                        </p:tav>
+                                        <p:tav tm="100000">
+                                          <p:val>
+                                            <p:strVal val="#ppt_x"/>
+                                          </p:val>
+                                        </p:tav>
+                                      </p:tavLst>
+                                    </p:anim>
+                                    <p:anim calcmode="lin" valueType="num">
+                                      <p:cBhvr additive="base">
+                                        <p:cTn id="32" dur="500" fill="hold"/>
+                                        <p:tgtEl>
+                                          <p:spTgt spid="3">
+                                            <p:txEl>
+                                              <p:pRg st="5" end="5"/>
+                                            </p:txEl>
+                                          </p:spTgt>
+                                        </p:tgtEl>
+                                        <p:attrNameLst>
+                                          <p:attrName>ppt_y</p:attrName>
+                                        </p:attrNameLst>
+                                      </p:cBhvr>
+                                      <p:tavLst>
+                                        <p:tav tm="0">
+                                          <p:val>
+                                            <p:strVal val="1+#ppt_h/2"/>
+                                          </p:val>
+                                        </p:tav>
+                                        <p:tav tm="100000">
+                                          <p:val>
+                                            <p:strVal val="#ppt_y"/>
+                                          </p:val>
+                                        </p:tav>
+                                      </p:tavLst>
+                                    </p:anim>
+                                  </p:childTnLst>
+                                </p:cTn>
+                              </p:par>
+                            </p:childTnLst>
+                          </p:cTn>
+                        </p:par>
+                      </p:childTnLst>
+                    </p:cTn>
+                  </p:par>
+                </p:childTnLst>
+              </p:cTn>
+              <p:prevCondLst>
+                <p:cond evt="onPrev" delay="0">
+                  <p:tgtEl>
+                    <p:sldTgt/>
+                  </p:tgtEl>
+                </p:cond>
+              </p:prevCondLst>
+              <p:nextCondLst>
+                <p:cond evt="onNext" delay="0">
+                  <p:tgtEl>
+                    <p:sldTgt/>
+                  </p:tgtEl>
+                </p:cond>
+              </p:nextCondLst>
+            </p:seq>
+          </p:childTnLst>
+        </p:cTn>
       </p:par>
     </p:tnLst>
   </p:timing>
@@ -5299,6 +7862,11 @@
           <a:bodyPr/>
           <a:lstStyle/>
           <a:p>
+            <a:pPr>
+              <a:lnSpc>
+                <a:spcPct val="150000"/>
+              </a:lnSpc>
+            </a:pPr>
             <a:r>
               <a:rPr lang="zh-CN" altLang="en-US" dirty="0" smtClean="0">
                 <a:solidFill>
@@ -5394,7 +7962,11 @@
             </a:endParaRPr>
           </a:p>
           <a:p>
-            <a:pPr lvl="1"/>
+            <a:pPr lvl="1">
+              <a:lnSpc>
+                <a:spcPct val="150000"/>
+              </a:lnSpc>
+            </a:pPr>
             <a:r>
               <a:rPr lang="en-US" altLang="zh-CN" dirty="0" err="1">
                 <a:solidFill>
@@ -5433,7 +8005,11 @@
             </a:r>
           </a:p>
           <a:p>
-            <a:pPr lvl="1"/>
+            <a:pPr lvl="1">
+              <a:lnSpc>
+                <a:spcPct val="150000"/>
+              </a:lnSpc>
+            </a:pPr>
             <a:r>
               <a:rPr lang="en-US" altLang="zh-CN" dirty="0" err="1">
                 <a:solidFill>
@@ -5508,6 +8084,11 @@
             </a:r>
           </a:p>
           <a:p>
+            <a:pPr>
+              <a:lnSpc>
+                <a:spcPct val="150000"/>
+              </a:lnSpc>
+            </a:pPr>
             <a:r>
               <a:rPr lang="zh-CN" altLang="en-US" dirty="0">
                 <a:solidFill>
@@ -5546,7 +8127,11 @@
             </a:r>
           </a:p>
           <a:p>
-            <a:pPr lvl="1"/>
+            <a:pPr lvl="1">
+              <a:lnSpc>
+                <a:spcPct val="150000"/>
+              </a:lnSpc>
+            </a:pPr>
             <a:r>
               <a:rPr lang="en-US" altLang="zh-CN" dirty="0">
                 <a:solidFill>
@@ -5584,7 +8169,491 @@
   <p:timing>
     <p:tnLst>
       <p:par>
-        <p:cTn id="1" dur="indefinite" restart="never" nodeType="tmRoot"/>
+        <p:cTn id="1" dur="indefinite" restart="never" nodeType="tmRoot">
+          <p:childTnLst>
+            <p:seq concurrent="1" nextAc="seek">
+              <p:cTn id="2" dur="indefinite" nodeType="mainSeq">
+                <p:childTnLst>
+                  <p:par>
+                    <p:cTn id="3" fill="hold">
+                      <p:stCondLst>
+                        <p:cond delay="indefinite"/>
+                      </p:stCondLst>
+                      <p:childTnLst>
+                        <p:par>
+                          <p:cTn id="4" fill="hold">
+                            <p:stCondLst>
+                              <p:cond delay="0"/>
+                            </p:stCondLst>
+                            <p:childTnLst>
+                              <p:par>
+                                <p:cTn id="5" presetID="2" presetClass="entr" presetSubtype="4" fill="hold" nodeType="clickEffect">
+                                  <p:stCondLst>
+                                    <p:cond delay="0"/>
+                                  </p:stCondLst>
+                                  <p:childTnLst>
+                                    <p:set>
+                                      <p:cBhvr>
+                                        <p:cTn id="6" dur="1" fill="hold">
+                                          <p:stCondLst>
+                                            <p:cond delay="0"/>
+                                          </p:stCondLst>
+                                        </p:cTn>
+                                        <p:tgtEl>
+                                          <p:spTgt spid="3">
+                                            <p:txEl>
+                                              <p:pRg st="0" end="0"/>
+                                            </p:txEl>
+                                          </p:spTgt>
+                                        </p:tgtEl>
+                                        <p:attrNameLst>
+                                          <p:attrName>style.visibility</p:attrName>
+                                        </p:attrNameLst>
+                                      </p:cBhvr>
+                                      <p:to>
+                                        <p:strVal val="visible"/>
+                                      </p:to>
+                                    </p:set>
+                                    <p:anim calcmode="lin" valueType="num">
+                                      <p:cBhvr additive="base">
+                                        <p:cTn id="7" dur="500" fill="hold"/>
+                                        <p:tgtEl>
+                                          <p:spTgt spid="3">
+                                            <p:txEl>
+                                              <p:pRg st="0" end="0"/>
+                                            </p:txEl>
+                                          </p:spTgt>
+                                        </p:tgtEl>
+                                        <p:attrNameLst>
+                                          <p:attrName>ppt_x</p:attrName>
+                                        </p:attrNameLst>
+                                      </p:cBhvr>
+                                      <p:tavLst>
+                                        <p:tav tm="0">
+                                          <p:val>
+                                            <p:strVal val="#ppt_x"/>
+                                          </p:val>
+                                        </p:tav>
+                                        <p:tav tm="100000">
+                                          <p:val>
+                                            <p:strVal val="#ppt_x"/>
+                                          </p:val>
+                                        </p:tav>
+                                      </p:tavLst>
+                                    </p:anim>
+                                    <p:anim calcmode="lin" valueType="num">
+                                      <p:cBhvr additive="base">
+                                        <p:cTn id="8" dur="500" fill="hold"/>
+                                        <p:tgtEl>
+                                          <p:spTgt spid="3">
+                                            <p:txEl>
+                                              <p:pRg st="0" end="0"/>
+                                            </p:txEl>
+                                          </p:spTgt>
+                                        </p:tgtEl>
+                                        <p:attrNameLst>
+                                          <p:attrName>ppt_y</p:attrName>
+                                        </p:attrNameLst>
+                                      </p:cBhvr>
+                                      <p:tavLst>
+                                        <p:tav tm="0">
+                                          <p:val>
+                                            <p:strVal val="1+#ppt_h/2"/>
+                                          </p:val>
+                                        </p:tav>
+                                        <p:tav tm="100000">
+                                          <p:val>
+                                            <p:strVal val="#ppt_y"/>
+                                          </p:val>
+                                        </p:tav>
+                                      </p:tavLst>
+                                    </p:anim>
+                                  </p:childTnLst>
+                                </p:cTn>
+                              </p:par>
+                              <p:par>
+                                <p:cTn id="9" presetID="2" presetClass="entr" presetSubtype="4" fill="hold" nodeType="withEffect">
+                                  <p:stCondLst>
+                                    <p:cond delay="0"/>
+                                  </p:stCondLst>
+                                  <p:childTnLst>
+                                    <p:set>
+                                      <p:cBhvr>
+                                        <p:cTn id="10" dur="1" fill="hold">
+                                          <p:stCondLst>
+                                            <p:cond delay="0"/>
+                                          </p:stCondLst>
+                                        </p:cTn>
+                                        <p:tgtEl>
+                                          <p:spTgt spid="3">
+                                            <p:txEl>
+                                              <p:pRg st="1" end="1"/>
+                                            </p:txEl>
+                                          </p:spTgt>
+                                        </p:tgtEl>
+                                        <p:attrNameLst>
+                                          <p:attrName>style.visibility</p:attrName>
+                                        </p:attrNameLst>
+                                      </p:cBhvr>
+                                      <p:to>
+                                        <p:strVal val="visible"/>
+                                      </p:to>
+                                    </p:set>
+                                    <p:anim calcmode="lin" valueType="num">
+                                      <p:cBhvr additive="base">
+                                        <p:cTn id="11" dur="500" fill="hold"/>
+                                        <p:tgtEl>
+                                          <p:spTgt spid="3">
+                                            <p:txEl>
+                                              <p:pRg st="1" end="1"/>
+                                            </p:txEl>
+                                          </p:spTgt>
+                                        </p:tgtEl>
+                                        <p:attrNameLst>
+                                          <p:attrName>ppt_x</p:attrName>
+                                        </p:attrNameLst>
+                                      </p:cBhvr>
+                                      <p:tavLst>
+                                        <p:tav tm="0">
+                                          <p:val>
+                                            <p:strVal val="#ppt_x"/>
+                                          </p:val>
+                                        </p:tav>
+                                        <p:tav tm="100000">
+                                          <p:val>
+                                            <p:strVal val="#ppt_x"/>
+                                          </p:val>
+                                        </p:tav>
+                                      </p:tavLst>
+                                    </p:anim>
+                                    <p:anim calcmode="lin" valueType="num">
+                                      <p:cBhvr additive="base">
+                                        <p:cTn id="12" dur="500" fill="hold"/>
+                                        <p:tgtEl>
+                                          <p:spTgt spid="3">
+                                            <p:txEl>
+                                              <p:pRg st="1" end="1"/>
+                                            </p:txEl>
+                                          </p:spTgt>
+                                        </p:tgtEl>
+                                        <p:attrNameLst>
+                                          <p:attrName>ppt_y</p:attrName>
+                                        </p:attrNameLst>
+                                      </p:cBhvr>
+                                      <p:tavLst>
+                                        <p:tav tm="0">
+                                          <p:val>
+                                            <p:strVal val="1+#ppt_h/2"/>
+                                          </p:val>
+                                        </p:tav>
+                                        <p:tav tm="100000">
+                                          <p:val>
+                                            <p:strVal val="#ppt_y"/>
+                                          </p:val>
+                                        </p:tav>
+                                      </p:tavLst>
+                                    </p:anim>
+                                  </p:childTnLst>
+                                </p:cTn>
+                              </p:par>
+                              <p:par>
+                                <p:cTn id="13" presetID="2" presetClass="entr" presetSubtype="4" fill="hold" nodeType="withEffect">
+                                  <p:stCondLst>
+                                    <p:cond delay="0"/>
+                                  </p:stCondLst>
+                                  <p:childTnLst>
+                                    <p:set>
+                                      <p:cBhvr>
+                                        <p:cTn id="14" dur="1" fill="hold">
+                                          <p:stCondLst>
+                                            <p:cond delay="0"/>
+                                          </p:stCondLst>
+                                        </p:cTn>
+                                        <p:tgtEl>
+                                          <p:spTgt spid="3">
+                                            <p:txEl>
+                                              <p:pRg st="2" end="2"/>
+                                            </p:txEl>
+                                          </p:spTgt>
+                                        </p:tgtEl>
+                                        <p:attrNameLst>
+                                          <p:attrName>style.visibility</p:attrName>
+                                        </p:attrNameLst>
+                                      </p:cBhvr>
+                                      <p:to>
+                                        <p:strVal val="visible"/>
+                                      </p:to>
+                                    </p:set>
+                                    <p:anim calcmode="lin" valueType="num">
+                                      <p:cBhvr additive="base">
+                                        <p:cTn id="15" dur="500" fill="hold"/>
+                                        <p:tgtEl>
+                                          <p:spTgt spid="3">
+                                            <p:txEl>
+                                              <p:pRg st="2" end="2"/>
+                                            </p:txEl>
+                                          </p:spTgt>
+                                        </p:tgtEl>
+                                        <p:attrNameLst>
+                                          <p:attrName>ppt_x</p:attrName>
+                                        </p:attrNameLst>
+                                      </p:cBhvr>
+                                      <p:tavLst>
+                                        <p:tav tm="0">
+                                          <p:val>
+                                            <p:strVal val="#ppt_x"/>
+                                          </p:val>
+                                        </p:tav>
+                                        <p:tav tm="100000">
+                                          <p:val>
+                                            <p:strVal val="#ppt_x"/>
+                                          </p:val>
+                                        </p:tav>
+                                      </p:tavLst>
+                                    </p:anim>
+                                    <p:anim calcmode="lin" valueType="num">
+                                      <p:cBhvr additive="base">
+                                        <p:cTn id="16" dur="500" fill="hold"/>
+                                        <p:tgtEl>
+                                          <p:spTgt spid="3">
+                                            <p:txEl>
+                                              <p:pRg st="2" end="2"/>
+                                            </p:txEl>
+                                          </p:spTgt>
+                                        </p:tgtEl>
+                                        <p:attrNameLst>
+                                          <p:attrName>ppt_y</p:attrName>
+                                        </p:attrNameLst>
+                                      </p:cBhvr>
+                                      <p:tavLst>
+                                        <p:tav tm="0">
+                                          <p:val>
+                                            <p:strVal val="1+#ppt_h/2"/>
+                                          </p:val>
+                                        </p:tav>
+                                        <p:tav tm="100000">
+                                          <p:val>
+                                            <p:strVal val="#ppt_y"/>
+                                          </p:val>
+                                        </p:tav>
+                                      </p:tavLst>
+                                    </p:anim>
+                                  </p:childTnLst>
+                                </p:cTn>
+                              </p:par>
+                            </p:childTnLst>
+                          </p:cTn>
+                        </p:par>
+                      </p:childTnLst>
+                    </p:cTn>
+                  </p:par>
+                  <p:par>
+                    <p:cTn id="17" fill="hold">
+                      <p:stCondLst>
+                        <p:cond delay="indefinite"/>
+                      </p:stCondLst>
+                      <p:childTnLst>
+                        <p:par>
+                          <p:cTn id="18" fill="hold">
+                            <p:stCondLst>
+                              <p:cond delay="0"/>
+                            </p:stCondLst>
+                            <p:childTnLst>
+                              <p:par>
+                                <p:cTn id="19" presetID="2" presetClass="entr" presetSubtype="4" fill="hold" nodeType="clickEffect">
+                                  <p:stCondLst>
+                                    <p:cond delay="0"/>
+                                  </p:stCondLst>
+                                  <p:childTnLst>
+                                    <p:set>
+                                      <p:cBhvr>
+                                        <p:cTn id="20" dur="1" fill="hold">
+                                          <p:stCondLst>
+                                            <p:cond delay="0"/>
+                                          </p:stCondLst>
+                                        </p:cTn>
+                                        <p:tgtEl>
+                                          <p:spTgt spid="3">
+                                            <p:txEl>
+                                              <p:pRg st="3" end="3"/>
+                                            </p:txEl>
+                                          </p:spTgt>
+                                        </p:tgtEl>
+                                        <p:attrNameLst>
+                                          <p:attrName>style.visibility</p:attrName>
+                                        </p:attrNameLst>
+                                      </p:cBhvr>
+                                      <p:to>
+                                        <p:strVal val="visible"/>
+                                      </p:to>
+                                    </p:set>
+                                    <p:anim calcmode="lin" valueType="num">
+                                      <p:cBhvr additive="base">
+                                        <p:cTn id="21" dur="500" fill="hold"/>
+                                        <p:tgtEl>
+                                          <p:spTgt spid="3">
+                                            <p:txEl>
+                                              <p:pRg st="3" end="3"/>
+                                            </p:txEl>
+                                          </p:spTgt>
+                                        </p:tgtEl>
+                                        <p:attrNameLst>
+                                          <p:attrName>ppt_x</p:attrName>
+                                        </p:attrNameLst>
+                                      </p:cBhvr>
+                                      <p:tavLst>
+                                        <p:tav tm="0">
+                                          <p:val>
+                                            <p:strVal val="#ppt_x"/>
+                                          </p:val>
+                                        </p:tav>
+                                        <p:tav tm="100000">
+                                          <p:val>
+                                            <p:strVal val="#ppt_x"/>
+                                          </p:val>
+                                        </p:tav>
+                                      </p:tavLst>
+                                    </p:anim>
+                                    <p:anim calcmode="lin" valueType="num">
+                                      <p:cBhvr additive="base">
+                                        <p:cTn id="22" dur="500" fill="hold"/>
+                                        <p:tgtEl>
+                                          <p:spTgt spid="3">
+                                            <p:txEl>
+                                              <p:pRg st="3" end="3"/>
+                                            </p:txEl>
+                                          </p:spTgt>
+                                        </p:tgtEl>
+                                        <p:attrNameLst>
+                                          <p:attrName>ppt_y</p:attrName>
+                                        </p:attrNameLst>
+                                      </p:cBhvr>
+                                      <p:tavLst>
+                                        <p:tav tm="0">
+                                          <p:val>
+                                            <p:strVal val="1+#ppt_h/2"/>
+                                          </p:val>
+                                        </p:tav>
+                                        <p:tav tm="100000">
+                                          <p:val>
+                                            <p:strVal val="#ppt_y"/>
+                                          </p:val>
+                                        </p:tav>
+                                      </p:tavLst>
+                                    </p:anim>
+                                  </p:childTnLst>
+                                </p:cTn>
+                              </p:par>
+                              <p:par>
+                                <p:cTn id="23" presetID="2" presetClass="entr" presetSubtype="4" fill="hold" nodeType="withEffect">
+                                  <p:stCondLst>
+                                    <p:cond delay="0"/>
+                                  </p:stCondLst>
+                                  <p:childTnLst>
+                                    <p:set>
+                                      <p:cBhvr>
+                                        <p:cTn id="24" dur="1" fill="hold">
+                                          <p:stCondLst>
+                                            <p:cond delay="0"/>
+                                          </p:stCondLst>
+                                        </p:cTn>
+                                        <p:tgtEl>
+                                          <p:spTgt spid="3">
+                                            <p:txEl>
+                                              <p:pRg st="4" end="4"/>
+                                            </p:txEl>
+                                          </p:spTgt>
+                                        </p:tgtEl>
+                                        <p:attrNameLst>
+                                          <p:attrName>style.visibility</p:attrName>
+                                        </p:attrNameLst>
+                                      </p:cBhvr>
+                                      <p:to>
+                                        <p:strVal val="visible"/>
+                                      </p:to>
+                                    </p:set>
+                                    <p:anim calcmode="lin" valueType="num">
+                                      <p:cBhvr additive="base">
+                                        <p:cTn id="25" dur="500" fill="hold"/>
+                                        <p:tgtEl>
+                                          <p:spTgt spid="3">
+                                            <p:txEl>
+                                              <p:pRg st="4" end="4"/>
+                                            </p:txEl>
+                                          </p:spTgt>
+                                        </p:tgtEl>
+                                        <p:attrNameLst>
+                                          <p:attrName>ppt_x</p:attrName>
+                                        </p:attrNameLst>
+                                      </p:cBhvr>
+                                      <p:tavLst>
+                                        <p:tav tm="0">
+                                          <p:val>
+                                            <p:strVal val="#ppt_x"/>
+                                          </p:val>
+                                        </p:tav>
+                                        <p:tav tm="100000">
+                                          <p:val>
+                                            <p:strVal val="#ppt_x"/>
+                                          </p:val>
+                                        </p:tav>
+                                      </p:tavLst>
+                                    </p:anim>
+                                    <p:anim calcmode="lin" valueType="num">
+                                      <p:cBhvr additive="base">
+                                        <p:cTn id="26" dur="500" fill="hold"/>
+                                        <p:tgtEl>
+                                          <p:spTgt spid="3">
+                                            <p:txEl>
+                                              <p:pRg st="4" end="4"/>
+                                            </p:txEl>
+                                          </p:spTgt>
+                                        </p:tgtEl>
+                                        <p:attrNameLst>
+                                          <p:attrName>ppt_y</p:attrName>
+                                        </p:attrNameLst>
+                                      </p:cBhvr>
+                                      <p:tavLst>
+                                        <p:tav tm="0">
+                                          <p:val>
+                                            <p:strVal val="1+#ppt_h/2"/>
+                                          </p:val>
+                                        </p:tav>
+                                        <p:tav tm="100000">
+                                          <p:val>
+                                            <p:strVal val="#ppt_y"/>
+                                          </p:val>
+                                        </p:tav>
+                                      </p:tavLst>
+                                    </p:anim>
+                                  </p:childTnLst>
+                                </p:cTn>
+                              </p:par>
+                            </p:childTnLst>
+                          </p:cTn>
+                        </p:par>
+                      </p:childTnLst>
+                    </p:cTn>
+                  </p:par>
+                </p:childTnLst>
+              </p:cTn>
+              <p:prevCondLst>
+                <p:cond evt="onPrev" delay="0">
+                  <p:tgtEl>
+                    <p:sldTgt/>
+                  </p:tgtEl>
+                </p:cond>
+              </p:prevCondLst>
+              <p:nextCondLst>
+                <p:cond evt="onNext" delay="0">
+                  <p:tgtEl>
+                    <p:sldTgt/>
+                  </p:tgtEl>
+                </p:cond>
+              </p:nextCondLst>
+            </p:seq>
+          </p:childTnLst>
+        </p:cTn>
       </p:par>
     </p:tnLst>
   </p:timing>
@@ -5662,6 +8731,11 @@
           <a:bodyPr/>
           <a:lstStyle/>
           <a:p>
+            <a:pPr>
+              <a:lnSpc>
+                <a:spcPct val="150000"/>
+              </a:lnSpc>
+            </a:pPr>
             <a:r>
               <a:rPr lang="zh-CN" altLang="en-US" dirty="0" smtClean="0">
                 <a:solidFill>
@@ -5685,6 +8759,11 @@
             </a:endParaRPr>
           </a:p>
           <a:p>
+            <a:pPr>
+              <a:lnSpc>
+                <a:spcPct val="150000"/>
+              </a:lnSpc>
+            </a:pPr>
             <a:r>
               <a:rPr lang="zh-CN" altLang="en-US" dirty="0" smtClean="0">
                 <a:solidFill>
@@ -5708,7 +8787,11 @@
             </a:endParaRPr>
           </a:p>
           <a:p>
-            <a:pPr lvl="1"/>
+            <a:pPr lvl="1">
+              <a:lnSpc>
+                <a:spcPct val="150000"/>
+              </a:lnSpc>
+            </a:pPr>
             <a:r>
               <a:rPr lang="zh-CN" altLang="en-US" dirty="0" smtClean="0">
                 <a:solidFill>
@@ -5732,6 +8815,11 @@
             </a:endParaRPr>
           </a:p>
           <a:p>
+            <a:pPr>
+              <a:lnSpc>
+                <a:spcPct val="150000"/>
+              </a:lnSpc>
+            </a:pPr>
             <a:r>
               <a:rPr lang="zh-CN" altLang="en-US" dirty="0">
                 <a:solidFill>
@@ -5767,7 +8855,11 @@
             </a:endParaRPr>
           </a:p>
           <a:p>
-            <a:pPr lvl="1"/>
+            <a:pPr lvl="1">
+              <a:lnSpc>
+                <a:spcPct val="150000"/>
+              </a:lnSpc>
+            </a:pPr>
             <a:r>
               <a:rPr lang="zh-CN" altLang="en-US" dirty="0" smtClean="0">
                 <a:solidFill>
@@ -5829,7 +8921,509 @@
   <p:timing>
     <p:tnLst>
       <p:par>
-        <p:cTn id="1" dur="indefinite" restart="never" nodeType="tmRoot"/>
+        <p:cTn id="1" dur="indefinite" restart="never" nodeType="tmRoot">
+          <p:childTnLst>
+            <p:seq concurrent="1" nextAc="seek">
+              <p:cTn id="2" dur="indefinite" nodeType="mainSeq">
+                <p:childTnLst>
+                  <p:par>
+                    <p:cTn id="3" fill="hold">
+                      <p:stCondLst>
+                        <p:cond delay="indefinite"/>
+                      </p:stCondLst>
+                      <p:childTnLst>
+                        <p:par>
+                          <p:cTn id="4" fill="hold">
+                            <p:stCondLst>
+                              <p:cond delay="0"/>
+                            </p:stCondLst>
+                            <p:childTnLst>
+                              <p:par>
+                                <p:cTn id="5" presetID="2" presetClass="entr" presetSubtype="4" fill="hold" nodeType="clickEffect">
+                                  <p:stCondLst>
+                                    <p:cond delay="0"/>
+                                  </p:stCondLst>
+                                  <p:childTnLst>
+                                    <p:set>
+                                      <p:cBhvr>
+                                        <p:cTn id="6" dur="1" fill="hold">
+                                          <p:stCondLst>
+                                            <p:cond delay="0"/>
+                                          </p:stCondLst>
+                                        </p:cTn>
+                                        <p:tgtEl>
+                                          <p:spTgt spid="3">
+                                            <p:txEl>
+                                              <p:pRg st="0" end="0"/>
+                                            </p:txEl>
+                                          </p:spTgt>
+                                        </p:tgtEl>
+                                        <p:attrNameLst>
+                                          <p:attrName>style.visibility</p:attrName>
+                                        </p:attrNameLst>
+                                      </p:cBhvr>
+                                      <p:to>
+                                        <p:strVal val="visible"/>
+                                      </p:to>
+                                    </p:set>
+                                    <p:anim calcmode="lin" valueType="num">
+                                      <p:cBhvr additive="base">
+                                        <p:cTn id="7" dur="500" fill="hold"/>
+                                        <p:tgtEl>
+                                          <p:spTgt spid="3">
+                                            <p:txEl>
+                                              <p:pRg st="0" end="0"/>
+                                            </p:txEl>
+                                          </p:spTgt>
+                                        </p:tgtEl>
+                                        <p:attrNameLst>
+                                          <p:attrName>ppt_x</p:attrName>
+                                        </p:attrNameLst>
+                                      </p:cBhvr>
+                                      <p:tavLst>
+                                        <p:tav tm="0">
+                                          <p:val>
+                                            <p:strVal val="#ppt_x"/>
+                                          </p:val>
+                                        </p:tav>
+                                        <p:tav tm="100000">
+                                          <p:val>
+                                            <p:strVal val="#ppt_x"/>
+                                          </p:val>
+                                        </p:tav>
+                                      </p:tavLst>
+                                    </p:anim>
+                                    <p:anim calcmode="lin" valueType="num">
+                                      <p:cBhvr additive="base">
+                                        <p:cTn id="8" dur="500" fill="hold"/>
+                                        <p:tgtEl>
+                                          <p:spTgt spid="3">
+                                            <p:txEl>
+                                              <p:pRg st="0" end="0"/>
+                                            </p:txEl>
+                                          </p:spTgt>
+                                        </p:tgtEl>
+                                        <p:attrNameLst>
+                                          <p:attrName>ppt_y</p:attrName>
+                                        </p:attrNameLst>
+                                      </p:cBhvr>
+                                      <p:tavLst>
+                                        <p:tav tm="0">
+                                          <p:val>
+                                            <p:strVal val="1+#ppt_h/2"/>
+                                          </p:val>
+                                        </p:tav>
+                                        <p:tav tm="100000">
+                                          <p:val>
+                                            <p:strVal val="#ppt_y"/>
+                                          </p:val>
+                                        </p:tav>
+                                      </p:tavLst>
+                                    </p:anim>
+                                  </p:childTnLst>
+                                </p:cTn>
+                              </p:par>
+                            </p:childTnLst>
+                          </p:cTn>
+                        </p:par>
+                      </p:childTnLst>
+                    </p:cTn>
+                  </p:par>
+                  <p:par>
+                    <p:cTn id="9" fill="hold">
+                      <p:stCondLst>
+                        <p:cond delay="indefinite"/>
+                      </p:stCondLst>
+                      <p:childTnLst>
+                        <p:par>
+                          <p:cTn id="10" fill="hold">
+                            <p:stCondLst>
+                              <p:cond delay="0"/>
+                            </p:stCondLst>
+                            <p:childTnLst>
+                              <p:par>
+                                <p:cTn id="11" presetID="2" presetClass="entr" presetSubtype="4" fill="hold" nodeType="clickEffect">
+                                  <p:stCondLst>
+                                    <p:cond delay="0"/>
+                                  </p:stCondLst>
+                                  <p:childTnLst>
+                                    <p:set>
+                                      <p:cBhvr>
+                                        <p:cTn id="12" dur="1" fill="hold">
+                                          <p:stCondLst>
+                                            <p:cond delay="0"/>
+                                          </p:stCondLst>
+                                        </p:cTn>
+                                        <p:tgtEl>
+                                          <p:spTgt spid="3">
+                                            <p:txEl>
+                                              <p:pRg st="1" end="1"/>
+                                            </p:txEl>
+                                          </p:spTgt>
+                                        </p:tgtEl>
+                                        <p:attrNameLst>
+                                          <p:attrName>style.visibility</p:attrName>
+                                        </p:attrNameLst>
+                                      </p:cBhvr>
+                                      <p:to>
+                                        <p:strVal val="visible"/>
+                                      </p:to>
+                                    </p:set>
+                                    <p:anim calcmode="lin" valueType="num">
+                                      <p:cBhvr additive="base">
+                                        <p:cTn id="13" dur="500" fill="hold"/>
+                                        <p:tgtEl>
+                                          <p:spTgt spid="3">
+                                            <p:txEl>
+                                              <p:pRg st="1" end="1"/>
+                                            </p:txEl>
+                                          </p:spTgt>
+                                        </p:tgtEl>
+                                        <p:attrNameLst>
+                                          <p:attrName>ppt_x</p:attrName>
+                                        </p:attrNameLst>
+                                      </p:cBhvr>
+                                      <p:tavLst>
+                                        <p:tav tm="0">
+                                          <p:val>
+                                            <p:strVal val="#ppt_x"/>
+                                          </p:val>
+                                        </p:tav>
+                                        <p:tav tm="100000">
+                                          <p:val>
+                                            <p:strVal val="#ppt_x"/>
+                                          </p:val>
+                                        </p:tav>
+                                      </p:tavLst>
+                                    </p:anim>
+                                    <p:anim calcmode="lin" valueType="num">
+                                      <p:cBhvr additive="base">
+                                        <p:cTn id="14" dur="500" fill="hold"/>
+                                        <p:tgtEl>
+                                          <p:spTgt spid="3">
+                                            <p:txEl>
+                                              <p:pRg st="1" end="1"/>
+                                            </p:txEl>
+                                          </p:spTgt>
+                                        </p:tgtEl>
+                                        <p:attrNameLst>
+                                          <p:attrName>ppt_y</p:attrName>
+                                        </p:attrNameLst>
+                                      </p:cBhvr>
+                                      <p:tavLst>
+                                        <p:tav tm="0">
+                                          <p:val>
+                                            <p:strVal val="1+#ppt_h/2"/>
+                                          </p:val>
+                                        </p:tav>
+                                        <p:tav tm="100000">
+                                          <p:val>
+                                            <p:strVal val="#ppt_y"/>
+                                          </p:val>
+                                        </p:tav>
+                                      </p:tavLst>
+                                    </p:anim>
+                                  </p:childTnLst>
+                                </p:cTn>
+                              </p:par>
+                              <p:par>
+                                <p:cTn id="15" presetID="2" presetClass="entr" presetSubtype="4" fill="hold" nodeType="withEffect">
+                                  <p:stCondLst>
+                                    <p:cond delay="0"/>
+                                  </p:stCondLst>
+                                  <p:childTnLst>
+                                    <p:set>
+                                      <p:cBhvr>
+                                        <p:cTn id="16" dur="1" fill="hold">
+                                          <p:stCondLst>
+                                            <p:cond delay="0"/>
+                                          </p:stCondLst>
+                                        </p:cTn>
+                                        <p:tgtEl>
+                                          <p:spTgt spid="3">
+                                            <p:txEl>
+                                              <p:pRg st="2" end="2"/>
+                                            </p:txEl>
+                                          </p:spTgt>
+                                        </p:tgtEl>
+                                        <p:attrNameLst>
+                                          <p:attrName>style.visibility</p:attrName>
+                                        </p:attrNameLst>
+                                      </p:cBhvr>
+                                      <p:to>
+                                        <p:strVal val="visible"/>
+                                      </p:to>
+                                    </p:set>
+                                    <p:anim calcmode="lin" valueType="num">
+                                      <p:cBhvr additive="base">
+                                        <p:cTn id="17" dur="500" fill="hold"/>
+                                        <p:tgtEl>
+                                          <p:spTgt spid="3">
+                                            <p:txEl>
+                                              <p:pRg st="2" end="2"/>
+                                            </p:txEl>
+                                          </p:spTgt>
+                                        </p:tgtEl>
+                                        <p:attrNameLst>
+                                          <p:attrName>ppt_x</p:attrName>
+                                        </p:attrNameLst>
+                                      </p:cBhvr>
+                                      <p:tavLst>
+                                        <p:tav tm="0">
+                                          <p:val>
+                                            <p:strVal val="#ppt_x"/>
+                                          </p:val>
+                                        </p:tav>
+                                        <p:tav tm="100000">
+                                          <p:val>
+                                            <p:strVal val="#ppt_x"/>
+                                          </p:val>
+                                        </p:tav>
+                                      </p:tavLst>
+                                    </p:anim>
+                                    <p:anim calcmode="lin" valueType="num">
+                                      <p:cBhvr additive="base">
+                                        <p:cTn id="18" dur="500" fill="hold"/>
+                                        <p:tgtEl>
+                                          <p:spTgt spid="3">
+                                            <p:txEl>
+                                              <p:pRg st="2" end="2"/>
+                                            </p:txEl>
+                                          </p:spTgt>
+                                        </p:tgtEl>
+                                        <p:attrNameLst>
+                                          <p:attrName>ppt_y</p:attrName>
+                                        </p:attrNameLst>
+                                      </p:cBhvr>
+                                      <p:tavLst>
+                                        <p:tav tm="0">
+                                          <p:val>
+                                            <p:strVal val="1+#ppt_h/2"/>
+                                          </p:val>
+                                        </p:tav>
+                                        <p:tav tm="100000">
+                                          <p:val>
+                                            <p:strVal val="#ppt_y"/>
+                                          </p:val>
+                                        </p:tav>
+                                      </p:tavLst>
+                                    </p:anim>
+                                  </p:childTnLst>
+                                </p:cTn>
+                              </p:par>
+                            </p:childTnLst>
+                          </p:cTn>
+                        </p:par>
+                      </p:childTnLst>
+                    </p:cTn>
+                  </p:par>
+                  <p:par>
+                    <p:cTn id="19" fill="hold">
+                      <p:stCondLst>
+                        <p:cond delay="indefinite"/>
+                      </p:stCondLst>
+                      <p:childTnLst>
+                        <p:par>
+                          <p:cTn id="20" fill="hold">
+                            <p:stCondLst>
+                              <p:cond delay="0"/>
+                            </p:stCondLst>
+                            <p:childTnLst>
+                              <p:par>
+                                <p:cTn id="21" presetID="2" presetClass="entr" presetSubtype="4" fill="hold" nodeType="clickEffect">
+                                  <p:stCondLst>
+                                    <p:cond delay="0"/>
+                                  </p:stCondLst>
+                                  <p:childTnLst>
+                                    <p:set>
+                                      <p:cBhvr>
+                                        <p:cTn id="22" dur="1" fill="hold">
+                                          <p:stCondLst>
+                                            <p:cond delay="0"/>
+                                          </p:stCondLst>
+                                        </p:cTn>
+                                        <p:tgtEl>
+                                          <p:spTgt spid="3">
+                                            <p:txEl>
+                                              <p:pRg st="3" end="3"/>
+                                            </p:txEl>
+                                          </p:spTgt>
+                                        </p:tgtEl>
+                                        <p:attrNameLst>
+                                          <p:attrName>style.visibility</p:attrName>
+                                        </p:attrNameLst>
+                                      </p:cBhvr>
+                                      <p:to>
+                                        <p:strVal val="visible"/>
+                                      </p:to>
+                                    </p:set>
+                                    <p:anim calcmode="lin" valueType="num">
+                                      <p:cBhvr additive="base">
+                                        <p:cTn id="23" dur="500" fill="hold"/>
+                                        <p:tgtEl>
+                                          <p:spTgt spid="3">
+                                            <p:txEl>
+                                              <p:pRg st="3" end="3"/>
+                                            </p:txEl>
+                                          </p:spTgt>
+                                        </p:tgtEl>
+                                        <p:attrNameLst>
+                                          <p:attrName>ppt_x</p:attrName>
+                                        </p:attrNameLst>
+                                      </p:cBhvr>
+                                      <p:tavLst>
+                                        <p:tav tm="0">
+                                          <p:val>
+                                            <p:strVal val="#ppt_x"/>
+                                          </p:val>
+                                        </p:tav>
+                                        <p:tav tm="100000">
+                                          <p:val>
+                                            <p:strVal val="#ppt_x"/>
+                                          </p:val>
+                                        </p:tav>
+                                      </p:tavLst>
+                                    </p:anim>
+                                    <p:anim calcmode="lin" valueType="num">
+                                      <p:cBhvr additive="base">
+                                        <p:cTn id="24" dur="500" fill="hold"/>
+                                        <p:tgtEl>
+                                          <p:spTgt spid="3">
+                                            <p:txEl>
+                                              <p:pRg st="3" end="3"/>
+                                            </p:txEl>
+                                          </p:spTgt>
+                                        </p:tgtEl>
+                                        <p:attrNameLst>
+                                          <p:attrName>ppt_y</p:attrName>
+                                        </p:attrNameLst>
+                                      </p:cBhvr>
+                                      <p:tavLst>
+                                        <p:tav tm="0">
+                                          <p:val>
+                                            <p:strVal val="1+#ppt_h/2"/>
+                                          </p:val>
+                                        </p:tav>
+                                        <p:tav tm="100000">
+                                          <p:val>
+                                            <p:strVal val="#ppt_y"/>
+                                          </p:val>
+                                        </p:tav>
+                                      </p:tavLst>
+                                    </p:anim>
+                                  </p:childTnLst>
+                                </p:cTn>
+                              </p:par>
+                              <p:par>
+                                <p:cTn id="25" presetID="2" presetClass="entr" presetSubtype="4" fill="hold" nodeType="withEffect">
+                                  <p:stCondLst>
+                                    <p:cond delay="0"/>
+                                  </p:stCondLst>
+                                  <p:childTnLst>
+                                    <p:set>
+                                      <p:cBhvr>
+                                        <p:cTn id="26" dur="1" fill="hold">
+                                          <p:stCondLst>
+                                            <p:cond delay="0"/>
+                                          </p:stCondLst>
+                                        </p:cTn>
+                                        <p:tgtEl>
+                                          <p:spTgt spid="3">
+                                            <p:txEl>
+                                              <p:pRg st="4" end="4"/>
+                                            </p:txEl>
+                                          </p:spTgt>
+                                        </p:tgtEl>
+                                        <p:attrNameLst>
+                                          <p:attrName>style.visibility</p:attrName>
+                                        </p:attrNameLst>
+                                      </p:cBhvr>
+                                      <p:to>
+                                        <p:strVal val="visible"/>
+                                      </p:to>
+                                    </p:set>
+                                    <p:anim calcmode="lin" valueType="num">
+                                      <p:cBhvr additive="base">
+                                        <p:cTn id="27" dur="500" fill="hold"/>
+                                        <p:tgtEl>
+                                          <p:spTgt spid="3">
+                                            <p:txEl>
+                                              <p:pRg st="4" end="4"/>
+                                            </p:txEl>
+                                          </p:spTgt>
+                                        </p:tgtEl>
+                                        <p:attrNameLst>
+                                          <p:attrName>ppt_x</p:attrName>
+                                        </p:attrNameLst>
+                                      </p:cBhvr>
+                                      <p:tavLst>
+                                        <p:tav tm="0">
+                                          <p:val>
+                                            <p:strVal val="#ppt_x"/>
+                                          </p:val>
+                                        </p:tav>
+                                        <p:tav tm="100000">
+                                          <p:val>
+                                            <p:strVal val="#ppt_x"/>
+                                          </p:val>
+                                        </p:tav>
+                                      </p:tavLst>
+                                    </p:anim>
+                                    <p:anim calcmode="lin" valueType="num">
+                                      <p:cBhvr additive="base">
+                                        <p:cTn id="28" dur="500" fill="hold"/>
+                                        <p:tgtEl>
+                                          <p:spTgt spid="3">
+                                            <p:txEl>
+                                              <p:pRg st="4" end="4"/>
+                                            </p:txEl>
+                                          </p:spTgt>
+                                        </p:tgtEl>
+                                        <p:attrNameLst>
+                                          <p:attrName>ppt_y</p:attrName>
+                                        </p:attrNameLst>
+                                      </p:cBhvr>
+                                      <p:tavLst>
+                                        <p:tav tm="0">
+                                          <p:val>
+                                            <p:strVal val="1+#ppt_h/2"/>
+                                          </p:val>
+                                        </p:tav>
+                                        <p:tav tm="100000">
+                                          <p:val>
+                                            <p:strVal val="#ppt_y"/>
+                                          </p:val>
+                                        </p:tav>
+                                      </p:tavLst>
+                                    </p:anim>
+                                  </p:childTnLst>
+                                </p:cTn>
+                              </p:par>
+                            </p:childTnLst>
+                          </p:cTn>
+                        </p:par>
+                      </p:childTnLst>
+                    </p:cTn>
+                  </p:par>
+                </p:childTnLst>
+              </p:cTn>
+              <p:prevCondLst>
+                <p:cond evt="onPrev" delay="0">
+                  <p:tgtEl>
+                    <p:sldTgt/>
+                  </p:tgtEl>
+                </p:cond>
+              </p:prevCondLst>
+              <p:nextCondLst>
+                <p:cond evt="onNext" delay="0">
+                  <p:tgtEl>
+                    <p:sldTgt/>
+                  </p:tgtEl>
+                </p:cond>
+              </p:nextCondLst>
+            </p:seq>
+          </p:childTnLst>
+        </p:cTn>
       </p:par>
     </p:tnLst>
   </p:timing>
@@ -5907,6 +9501,11 @@
           <a:bodyPr/>
           <a:lstStyle/>
           <a:p>
+            <a:pPr>
+              <a:lnSpc>
+                <a:spcPct val="100000"/>
+              </a:lnSpc>
+            </a:pPr>
             <a:r>
               <a:rPr lang="zh-CN" altLang="en-US" dirty="0" smtClean="0">
                 <a:solidFill>
@@ -5930,7 +9529,11 @@
             </a:endParaRPr>
           </a:p>
           <a:p>
-            <a:pPr lvl="1"/>
+            <a:pPr lvl="1">
+              <a:lnSpc>
+                <a:spcPct val="100000"/>
+              </a:lnSpc>
+            </a:pPr>
             <a:r>
               <a:rPr lang="zh-CN" altLang="en-US" dirty="0" smtClean="0">
                 <a:solidFill>
@@ -5954,6 +9557,11 @@
             </a:endParaRPr>
           </a:p>
           <a:p>
+            <a:pPr>
+              <a:lnSpc>
+                <a:spcPct val="100000"/>
+              </a:lnSpc>
+            </a:pPr>
             <a:r>
               <a:rPr lang="zh-CN" altLang="en-US" dirty="0" smtClean="0">
                 <a:solidFill>
@@ -5977,7 +9585,11 @@
             </a:endParaRPr>
           </a:p>
           <a:p>
-            <a:pPr lvl="1"/>
+            <a:pPr lvl="1">
+              <a:lnSpc>
+                <a:spcPct val="100000"/>
+              </a:lnSpc>
+            </a:pPr>
             <a:r>
               <a:rPr lang="zh-CN" altLang="en-US" dirty="0" smtClean="0">
                 <a:solidFill>
@@ -6001,7 +9613,11 @@
             </a:endParaRPr>
           </a:p>
           <a:p>
-            <a:pPr lvl="1"/>
+            <a:pPr lvl="1">
+              <a:lnSpc>
+                <a:spcPct val="100000"/>
+              </a:lnSpc>
+            </a:pPr>
             <a:r>
               <a:rPr lang="zh-CN" altLang="en-US" dirty="0" smtClean="0">
                 <a:solidFill>
@@ -6025,6 +9641,11 @@
             </a:endParaRPr>
           </a:p>
           <a:p>
+            <a:pPr>
+              <a:lnSpc>
+                <a:spcPct val="100000"/>
+              </a:lnSpc>
+            </a:pPr>
             <a:r>
               <a:rPr lang="zh-CN" altLang="en-US" dirty="0" smtClean="0">
                 <a:solidFill>
@@ -6048,7 +9669,11 @@
             </a:endParaRPr>
           </a:p>
           <a:p>
-            <a:pPr lvl="1"/>
+            <a:pPr lvl="1">
+              <a:lnSpc>
+                <a:spcPct val="100000"/>
+              </a:lnSpc>
+            </a:pPr>
             <a:r>
               <a:rPr lang="zh-CN" altLang="en-US" dirty="0" smtClean="0">
                 <a:solidFill>
@@ -6072,7 +9697,11 @@
             </a:endParaRPr>
           </a:p>
           <a:p>
-            <a:pPr lvl="1"/>
+            <a:pPr lvl="1">
+              <a:lnSpc>
+                <a:spcPct val="100000"/>
+              </a:lnSpc>
+            </a:pPr>
             <a:r>
               <a:rPr lang="zh-CN" altLang="en-US" dirty="0">
                 <a:solidFill>
@@ -6108,7 +9737,11 @@
             </a:endParaRPr>
           </a:p>
           <a:p>
-            <a:pPr lvl="1"/>
+            <a:pPr lvl="1">
+              <a:lnSpc>
+                <a:spcPct val="100000"/>
+              </a:lnSpc>
+            </a:pPr>
             <a:r>
               <a:rPr lang="zh-CN" altLang="en-US" dirty="0">
                 <a:solidFill>
@@ -6158,7 +9791,849 @@
   <p:timing>
     <p:tnLst>
       <p:par>
-        <p:cTn id="1" dur="indefinite" restart="never" nodeType="tmRoot"/>
+        <p:cTn id="1" dur="indefinite" restart="never" nodeType="tmRoot">
+          <p:childTnLst>
+            <p:seq concurrent="1" nextAc="seek">
+              <p:cTn id="2" dur="indefinite" nodeType="mainSeq">
+                <p:childTnLst>
+                  <p:par>
+                    <p:cTn id="3" fill="hold">
+                      <p:stCondLst>
+                        <p:cond delay="indefinite"/>
+                      </p:stCondLst>
+                      <p:childTnLst>
+                        <p:par>
+                          <p:cTn id="4" fill="hold">
+                            <p:stCondLst>
+                              <p:cond delay="0"/>
+                            </p:stCondLst>
+                            <p:childTnLst>
+                              <p:par>
+                                <p:cTn id="5" presetID="2" presetClass="entr" presetSubtype="4" fill="hold" nodeType="clickEffect">
+                                  <p:stCondLst>
+                                    <p:cond delay="0"/>
+                                  </p:stCondLst>
+                                  <p:childTnLst>
+                                    <p:set>
+                                      <p:cBhvr>
+                                        <p:cTn id="6" dur="1" fill="hold">
+                                          <p:stCondLst>
+                                            <p:cond delay="0"/>
+                                          </p:stCondLst>
+                                        </p:cTn>
+                                        <p:tgtEl>
+                                          <p:spTgt spid="3">
+                                            <p:txEl>
+                                              <p:pRg st="0" end="0"/>
+                                            </p:txEl>
+                                          </p:spTgt>
+                                        </p:tgtEl>
+                                        <p:attrNameLst>
+                                          <p:attrName>style.visibility</p:attrName>
+                                        </p:attrNameLst>
+                                      </p:cBhvr>
+                                      <p:to>
+                                        <p:strVal val="visible"/>
+                                      </p:to>
+                                    </p:set>
+                                    <p:anim calcmode="lin" valueType="num">
+                                      <p:cBhvr additive="base">
+                                        <p:cTn id="7" dur="500" fill="hold"/>
+                                        <p:tgtEl>
+                                          <p:spTgt spid="3">
+                                            <p:txEl>
+                                              <p:pRg st="0" end="0"/>
+                                            </p:txEl>
+                                          </p:spTgt>
+                                        </p:tgtEl>
+                                        <p:attrNameLst>
+                                          <p:attrName>ppt_x</p:attrName>
+                                        </p:attrNameLst>
+                                      </p:cBhvr>
+                                      <p:tavLst>
+                                        <p:tav tm="0">
+                                          <p:val>
+                                            <p:strVal val="#ppt_x"/>
+                                          </p:val>
+                                        </p:tav>
+                                        <p:tav tm="100000">
+                                          <p:val>
+                                            <p:strVal val="#ppt_x"/>
+                                          </p:val>
+                                        </p:tav>
+                                      </p:tavLst>
+                                    </p:anim>
+                                    <p:anim calcmode="lin" valueType="num">
+                                      <p:cBhvr additive="base">
+                                        <p:cTn id="8" dur="500" fill="hold"/>
+                                        <p:tgtEl>
+                                          <p:spTgt spid="3">
+                                            <p:txEl>
+                                              <p:pRg st="0" end="0"/>
+                                            </p:txEl>
+                                          </p:spTgt>
+                                        </p:tgtEl>
+                                        <p:attrNameLst>
+                                          <p:attrName>ppt_y</p:attrName>
+                                        </p:attrNameLst>
+                                      </p:cBhvr>
+                                      <p:tavLst>
+                                        <p:tav tm="0">
+                                          <p:val>
+                                            <p:strVal val="1+#ppt_h/2"/>
+                                          </p:val>
+                                        </p:tav>
+                                        <p:tav tm="100000">
+                                          <p:val>
+                                            <p:strVal val="#ppt_y"/>
+                                          </p:val>
+                                        </p:tav>
+                                      </p:tavLst>
+                                    </p:anim>
+                                  </p:childTnLst>
+                                </p:cTn>
+                              </p:par>
+                              <p:par>
+                                <p:cTn id="9" presetID="2" presetClass="entr" presetSubtype="4" fill="hold" nodeType="withEffect">
+                                  <p:stCondLst>
+                                    <p:cond delay="0"/>
+                                  </p:stCondLst>
+                                  <p:childTnLst>
+                                    <p:set>
+                                      <p:cBhvr>
+                                        <p:cTn id="10" dur="1" fill="hold">
+                                          <p:stCondLst>
+                                            <p:cond delay="0"/>
+                                          </p:stCondLst>
+                                        </p:cTn>
+                                        <p:tgtEl>
+                                          <p:spTgt spid="3">
+                                            <p:txEl>
+                                              <p:pRg st="1" end="1"/>
+                                            </p:txEl>
+                                          </p:spTgt>
+                                        </p:tgtEl>
+                                        <p:attrNameLst>
+                                          <p:attrName>style.visibility</p:attrName>
+                                        </p:attrNameLst>
+                                      </p:cBhvr>
+                                      <p:to>
+                                        <p:strVal val="visible"/>
+                                      </p:to>
+                                    </p:set>
+                                    <p:anim calcmode="lin" valueType="num">
+                                      <p:cBhvr additive="base">
+                                        <p:cTn id="11" dur="500" fill="hold"/>
+                                        <p:tgtEl>
+                                          <p:spTgt spid="3">
+                                            <p:txEl>
+                                              <p:pRg st="1" end="1"/>
+                                            </p:txEl>
+                                          </p:spTgt>
+                                        </p:tgtEl>
+                                        <p:attrNameLst>
+                                          <p:attrName>ppt_x</p:attrName>
+                                        </p:attrNameLst>
+                                      </p:cBhvr>
+                                      <p:tavLst>
+                                        <p:tav tm="0">
+                                          <p:val>
+                                            <p:strVal val="#ppt_x"/>
+                                          </p:val>
+                                        </p:tav>
+                                        <p:tav tm="100000">
+                                          <p:val>
+                                            <p:strVal val="#ppt_x"/>
+                                          </p:val>
+                                        </p:tav>
+                                      </p:tavLst>
+                                    </p:anim>
+                                    <p:anim calcmode="lin" valueType="num">
+                                      <p:cBhvr additive="base">
+                                        <p:cTn id="12" dur="500" fill="hold"/>
+                                        <p:tgtEl>
+                                          <p:spTgt spid="3">
+                                            <p:txEl>
+                                              <p:pRg st="1" end="1"/>
+                                            </p:txEl>
+                                          </p:spTgt>
+                                        </p:tgtEl>
+                                        <p:attrNameLst>
+                                          <p:attrName>ppt_y</p:attrName>
+                                        </p:attrNameLst>
+                                      </p:cBhvr>
+                                      <p:tavLst>
+                                        <p:tav tm="0">
+                                          <p:val>
+                                            <p:strVal val="1+#ppt_h/2"/>
+                                          </p:val>
+                                        </p:tav>
+                                        <p:tav tm="100000">
+                                          <p:val>
+                                            <p:strVal val="#ppt_y"/>
+                                          </p:val>
+                                        </p:tav>
+                                      </p:tavLst>
+                                    </p:anim>
+                                  </p:childTnLst>
+                                </p:cTn>
+                              </p:par>
+                            </p:childTnLst>
+                          </p:cTn>
+                        </p:par>
+                      </p:childTnLst>
+                    </p:cTn>
+                  </p:par>
+                  <p:par>
+                    <p:cTn id="13" fill="hold">
+                      <p:stCondLst>
+                        <p:cond delay="indefinite"/>
+                      </p:stCondLst>
+                      <p:childTnLst>
+                        <p:par>
+                          <p:cTn id="14" fill="hold">
+                            <p:stCondLst>
+                              <p:cond delay="0"/>
+                            </p:stCondLst>
+                            <p:childTnLst>
+                              <p:par>
+                                <p:cTn id="15" presetID="2" presetClass="entr" presetSubtype="4" fill="hold" nodeType="clickEffect">
+                                  <p:stCondLst>
+                                    <p:cond delay="0"/>
+                                  </p:stCondLst>
+                                  <p:childTnLst>
+                                    <p:set>
+                                      <p:cBhvr>
+                                        <p:cTn id="16" dur="1" fill="hold">
+                                          <p:stCondLst>
+                                            <p:cond delay="0"/>
+                                          </p:stCondLst>
+                                        </p:cTn>
+                                        <p:tgtEl>
+                                          <p:spTgt spid="3">
+                                            <p:txEl>
+                                              <p:pRg st="2" end="2"/>
+                                            </p:txEl>
+                                          </p:spTgt>
+                                        </p:tgtEl>
+                                        <p:attrNameLst>
+                                          <p:attrName>style.visibility</p:attrName>
+                                        </p:attrNameLst>
+                                      </p:cBhvr>
+                                      <p:to>
+                                        <p:strVal val="visible"/>
+                                      </p:to>
+                                    </p:set>
+                                    <p:anim calcmode="lin" valueType="num">
+                                      <p:cBhvr additive="base">
+                                        <p:cTn id="17" dur="500" fill="hold"/>
+                                        <p:tgtEl>
+                                          <p:spTgt spid="3">
+                                            <p:txEl>
+                                              <p:pRg st="2" end="2"/>
+                                            </p:txEl>
+                                          </p:spTgt>
+                                        </p:tgtEl>
+                                        <p:attrNameLst>
+                                          <p:attrName>ppt_x</p:attrName>
+                                        </p:attrNameLst>
+                                      </p:cBhvr>
+                                      <p:tavLst>
+                                        <p:tav tm="0">
+                                          <p:val>
+                                            <p:strVal val="#ppt_x"/>
+                                          </p:val>
+                                        </p:tav>
+                                        <p:tav tm="100000">
+                                          <p:val>
+                                            <p:strVal val="#ppt_x"/>
+                                          </p:val>
+                                        </p:tav>
+                                      </p:tavLst>
+                                    </p:anim>
+                                    <p:anim calcmode="lin" valueType="num">
+                                      <p:cBhvr additive="base">
+                                        <p:cTn id="18" dur="500" fill="hold"/>
+                                        <p:tgtEl>
+                                          <p:spTgt spid="3">
+                                            <p:txEl>
+                                              <p:pRg st="2" end="2"/>
+                                            </p:txEl>
+                                          </p:spTgt>
+                                        </p:tgtEl>
+                                        <p:attrNameLst>
+                                          <p:attrName>ppt_y</p:attrName>
+                                        </p:attrNameLst>
+                                      </p:cBhvr>
+                                      <p:tavLst>
+                                        <p:tav tm="0">
+                                          <p:val>
+                                            <p:strVal val="1+#ppt_h/2"/>
+                                          </p:val>
+                                        </p:tav>
+                                        <p:tav tm="100000">
+                                          <p:val>
+                                            <p:strVal val="#ppt_y"/>
+                                          </p:val>
+                                        </p:tav>
+                                      </p:tavLst>
+                                    </p:anim>
+                                  </p:childTnLst>
+                                </p:cTn>
+                              </p:par>
+                              <p:par>
+                                <p:cTn id="19" presetID="2" presetClass="entr" presetSubtype="4" fill="hold" nodeType="withEffect">
+                                  <p:stCondLst>
+                                    <p:cond delay="0"/>
+                                  </p:stCondLst>
+                                  <p:childTnLst>
+                                    <p:set>
+                                      <p:cBhvr>
+                                        <p:cTn id="20" dur="1" fill="hold">
+                                          <p:stCondLst>
+                                            <p:cond delay="0"/>
+                                          </p:stCondLst>
+                                        </p:cTn>
+                                        <p:tgtEl>
+                                          <p:spTgt spid="3">
+                                            <p:txEl>
+                                              <p:pRg st="3" end="3"/>
+                                            </p:txEl>
+                                          </p:spTgt>
+                                        </p:tgtEl>
+                                        <p:attrNameLst>
+                                          <p:attrName>style.visibility</p:attrName>
+                                        </p:attrNameLst>
+                                      </p:cBhvr>
+                                      <p:to>
+                                        <p:strVal val="visible"/>
+                                      </p:to>
+                                    </p:set>
+                                    <p:anim calcmode="lin" valueType="num">
+                                      <p:cBhvr additive="base">
+                                        <p:cTn id="21" dur="500" fill="hold"/>
+                                        <p:tgtEl>
+                                          <p:spTgt spid="3">
+                                            <p:txEl>
+                                              <p:pRg st="3" end="3"/>
+                                            </p:txEl>
+                                          </p:spTgt>
+                                        </p:tgtEl>
+                                        <p:attrNameLst>
+                                          <p:attrName>ppt_x</p:attrName>
+                                        </p:attrNameLst>
+                                      </p:cBhvr>
+                                      <p:tavLst>
+                                        <p:tav tm="0">
+                                          <p:val>
+                                            <p:strVal val="#ppt_x"/>
+                                          </p:val>
+                                        </p:tav>
+                                        <p:tav tm="100000">
+                                          <p:val>
+                                            <p:strVal val="#ppt_x"/>
+                                          </p:val>
+                                        </p:tav>
+                                      </p:tavLst>
+                                    </p:anim>
+                                    <p:anim calcmode="lin" valueType="num">
+                                      <p:cBhvr additive="base">
+                                        <p:cTn id="22" dur="500" fill="hold"/>
+                                        <p:tgtEl>
+                                          <p:spTgt spid="3">
+                                            <p:txEl>
+                                              <p:pRg st="3" end="3"/>
+                                            </p:txEl>
+                                          </p:spTgt>
+                                        </p:tgtEl>
+                                        <p:attrNameLst>
+                                          <p:attrName>ppt_y</p:attrName>
+                                        </p:attrNameLst>
+                                      </p:cBhvr>
+                                      <p:tavLst>
+                                        <p:tav tm="0">
+                                          <p:val>
+                                            <p:strVal val="1+#ppt_h/2"/>
+                                          </p:val>
+                                        </p:tav>
+                                        <p:tav tm="100000">
+                                          <p:val>
+                                            <p:strVal val="#ppt_y"/>
+                                          </p:val>
+                                        </p:tav>
+                                      </p:tavLst>
+                                    </p:anim>
+                                  </p:childTnLst>
+                                </p:cTn>
+                              </p:par>
+                              <p:par>
+                                <p:cTn id="23" presetID="2" presetClass="entr" presetSubtype="4" fill="hold" nodeType="withEffect">
+                                  <p:stCondLst>
+                                    <p:cond delay="0"/>
+                                  </p:stCondLst>
+                                  <p:childTnLst>
+                                    <p:set>
+                                      <p:cBhvr>
+                                        <p:cTn id="24" dur="1" fill="hold">
+                                          <p:stCondLst>
+                                            <p:cond delay="0"/>
+                                          </p:stCondLst>
+                                        </p:cTn>
+                                        <p:tgtEl>
+                                          <p:spTgt spid="3">
+                                            <p:txEl>
+                                              <p:pRg st="4" end="4"/>
+                                            </p:txEl>
+                                          </p:spTgt>
+                                        </p:tgtEl>
+                                        <p:attrNameLst>
+                                          <p:attrName>style.visibility</p:attrName>
+                                        </p:attrNameLst>
+                                      </p:cBhvr>
+                                      <p:to>
+                                        <p:strVal val="visible"/>
+                                      </p:to>
+                                    </p:set>
+                                    <p:anim calcmode="lin" valueType="num">
+                                      <p:cBhvr additive="base">
+                                        <p:cTn id="25" dur="500" fill="hold"/>
+                                        <p:tgtEl>
+                                          <p:spTgt spid="3">
+                                            <p:txEl>
+                                              <p:pRg st="4" end="4"/>
+                                            </p:txEl>
+                                          </p:spTgt>
+                                        </p:tgtEl>
+                                        <p:attrNameLst>
+                                          <p:attrName>ppt_x</p:attrName>
+                                        </p:attrNameLst>
+                                      </p:cBhvr>
+                                      <p:tavLst>
+                                        <p:tav tm="0">
+                                          <p:val>
+                                            <p:strVal val="#ppt_x"/>
+                                          </p:val>
+                                        </p:tav>
+                                        <p:tav tm="100000">
+                                          <p:val>
+                                            <p:strVal val="#ppt_x"/>
+                                          </p:val>
+                                        </p:tav>
+                                      </p:tavLst>
+                                    </p:anim>
+                                    <p:anim calcmode="lin" valueType="num">
+                                      <p:cBhvr additive="base">
+                                        <p:cTn id="26" dur="500" fill="hold"/>
+                                        <p:tgtEl>
+                                          <p:spTgt spid="3">
+                                            <p:txEl>
+                                              <p:pRg st="4" end="4"/>
+                                            </p:txEl>
+                                          </p:spTgt>
+                                        </p:tgtEl>
+                                        <p:attrNameLst>
+                                          <p:attrName>ppt_y</p:attrName>
+                                        </p:attrNameLst>
+                                      </p:cBhvr>
+                                      <p:tavLst>
+                                        <p:tav tm="0">
+                                          <p:val>
+                                            <p:strVal val="1+#ppt_h/2"/>
+                                          </p:val>
+                                        </p:tav>
+                                        <p:tav tm="100000">
+                                          <p:val>
+                                            <p:strVal val="#ppt_y"/>
+                                          </p:val>
+                                        </p:tav>
+                                      </p:tavLst>
+                                    </p:anim>
+                                  </p:childTnLst>
+                                </p:cTn>
+                              </p:par>
+                            </p:childTnLst>
+                          </p:cTn>
+                        </p:par>
+                      </p:childTnLst>
+                    </p:cTn>
+                  </p:par>
+                  <p:par>
+                    <p:cTn id="27" fill="hold">
+                      <p:stCondLst>
+                        <p:cond delay="indefinite"/>
+                      </p:stCondLst>
+                      <p:childTnLst>
+                        <p:par>
+                          <p:cTn id="28" fill="hold">
+                            <p:stCondLst>
+                              <p:cond delay="0"/>
+                            </p:stCondLst>
+                            <p:childTnLst>
+                              <p:par>
+                                <p:cTn id="29" presetID="2" presetClass="entr" presetSubtype="4" fill="hold" nodeType="clickEffect">
+                                  <p:stCondLst>
+                                    <p:cond delay="0"/>
+                                  </p:stCondLst>
+                                  <p:childTnLst>
+                                    <p:set>
+                                      <p:cBhvr>
+                                        <p:cTn id="30" dur="1" fill="hold">
+                                          <p:stCondLst>
+                                            <p:cond delay="0"/>
+                                          </p:stCondLst>
+                                        </p:cTn>
+                                        <p:tgtEl>
+                                          <p:spTgt spid="3">
+                                            <p:txEl>
+                                              <p:pRg st="5" end="5"/>
+                                            </p:txEl>
+                                          </p:spTgt>
+                                        </p:tgtEl>
+                                        <p:attrNameLst>
+                                          <p:attrName>style.visibility</p:attrName>
+                                        </p:attrNameLst>
+                                      </p:cBhvr>
+                                      <p:to>
+                                        <p:strVal val="visible"/>
+                                      </p:to>
+                                    </p:set>
+                                    <p:anim calcmode="lin" valueType="num">
+                                      <p:cBhvr additive="base">
+                                        <p:cTn id="31" dur="500" fill="hold"/>
+                                        <p:tgtEl>
+                                          <p:spTgt spid="3">
+                                            <p:txEl>
+                                              <p:pRg st="5" end="5"/>
+                                            </p:txEl>
+                                          </p:spTgt>
+                                        </p:tgtEl>
+                                        <p:attrNameLst>
+                                          <p:attrName>ppt_x</p:attrName>
+                                        </p:attrNameLst>
+                                      </p:cBhvr>
+                                      <p:tavLst>
+                                        <p:tav tm="0">
+                                          <p:val>
+                                            <p:strVal val="#ppt_x"/>
+                                          </p:val>
+                                        </p:tav>
+                                        <p:tav tm="100000">
+                                          <p:val>
+                                            <p:strVal val="#ppt_x"/>
+                                          </p:val>
+                                        </p:tav>
+                                      </p:tavLst>
+                                    </p:anim>
+                                    <p:anim calcmode="lin" valueType="num">
+                                      <p:cBhvr additive="base">
+                                        <p:cTn id="32" dur="500" fill="hold"/>
+                                        <p:tgtEl>
+                                          <p:spTgt spid="3">
+                                            <p:txEl>
+                                              <p:pRg st="5" end="5"/>
+                                            </p:txEl>
+                                          </p:spTgt>
+                                        </p:tgtEl>
+                                        <p:attrNameLst>
+                                          <p:attrName>ppt_y</p:attrName>
+                                        </p:attrNameLst>
+                                      </p:cBhvr>
+                                      <p:tavLst>
+                                        <p:tav tm="0">
+                                          <p:val>
+                                            <p:strVal val="1+#ppt_h/2"/>
+                                          </p:val>
+                                        </p:tav>
+                                        <p:tav tm="100000">
+                                          <p:val>
+                                            <p:strVal val="#ppt_y"/>
+                                          </p:val>
+                                        </p:tav>
+                                      </p:tavLst>
+                                    </p:anim>
+                                  </p:childTnLst>
+                                </p:cTn>
+                              </p:par>
+                              <p:par>
+                                <p:cTn id="33" presetID="2" presetClass="entr" presetSubtype="4" fill="hold" nodeType="withEffect">
+                                  <p:stCondLst>
+                                    <p:cond delay="0"/>
+                                  </p:stCondLst>
+                                  <p:childTnLst>
+                                    <p:set>
+                                      <p:cBhvr>
+                                        <p:cTn id="34" dur="1" fill="hold">
+                                          <p:stCondLst>
+                                            <p:cond delay="0"/>
+                                          </p:stCondLst>
+                                        </p:cTn>
+                                        <p:tgtEl>
+                                          <p:spTgt spid="3">
+                                            <p:txEl>
+                                              <p:pRg st="6" end="6"/>
+                                            </p:txEl>
+                                          </p:spTgt>
+                                        </p:tgtEl>
+                                        <p:attrNameLst>
+                                          <p:attrName>style.visibility</p:attrName>
+                                        </p:attrNameLst>
+                                      </p:cBhvr>
+                                      <p:to>
+                                        <p:strVal val="visible"/>
+                                      </p:to>
+                                    </p:set>
+                                    <p:anim calcmode="lin" valueType="num">
+                                      <p:cBhvr additive="base">
+                                        <p:cTn id="35" dur="500" fill="hold"/>
+                                        <p:tgtEl>
+                                          <p:spTgt spid="3">
+                                            <p:txEl>
+                                              <p:pRg st="6" end="6"/>
+                                            </p:txEl>
+                                          </p:spTgt>
+                                        </p:tgtEl>
+                                        <p:attrNameLst>
+                                          <p:attrName>ppt_x</p:attrName>
+                                        </p:attrNameLst>
+                                      </p:cBhvr>
+                                      <p:tavLst>
+                                        <p:tav tm="0">
+                                          <p:val>
+                                            <p:strVal val="#ppt_x"/>
+                                          </p:val>
+                                        </p:tav>
+                                        <p:tav tm="100000">
+                                          <p:val>
+                                            <p:strVal val="#ppt_x"/>
+                                          </p:val>
+                                        </p:tav>
+                                      </p:tavLst>
+                                    </p:anim>
+                                    <p:anim calcmode="lin" valueType="num">
+                                      <p:cBhvr additive="base">
+                                        <p:cTn id="36" dur="500" fill="hold"/>
+                                        <p:tgtEl>
+                                          <p:spTgt spid="3">
+                                            <p:txEl>
+                                              <p:pRg st="6" end="6"/>
+                                            </p:txEl>
+                                          </p:spTgt>
+                                        </p:tgtEl>
+                                        <p:attrNameLst>
+                                          <p:attrName>ppt_y</p:attrName>
+                                        </p:attrNameLst>
+                                      </p:cBhvr>
+                                      <p:tavLst>
+                                        <p:tav tm="0">
+                                          <p:val>
+                                            <p:strVal val="1+#ppt_h/2"/>
+                                          </p:val>
+                                        </p:tav>
+                                        <p:tav tm="100000">
+                                          <p:val>
+                                            <p:strVal val="#ppt_y"/>
+                                          </p:val>
+                                        </p:tav>
+                                      </p:tavLst>
+                                    </p:anim>
+                                  </p:childTnLst>
+                                </p:cTn>
+                              </p:par>
+                              <p:par>
+                                <p:cTn id="37" presetID="2" presetClass="entr" presetSubtype="4" fill="hold" nodeType="withEffect">
+                                  <p:stCondLst>
+                                    <p:cond delay="0"/>
+                                  </p:stCondLst>
+                                  <p:childTnLst>
+                                    <p:set>
+                                      <p:cBhvr>
+                                        <p:cTn id="38" dur="1" fill="hold">
+                                          <p:stCondLst>
+                                            <p:cond delay="0"/>
+                                          </p:stCondLst>
+                                        </p:cTn>
+                                        <p:tgtEl>
+                                          <p:spTgt spid="3">
+                                            <p:txEl>
+                                              <p:pRg st="7" end="7"/>
+                                            </p:txEl>
+                                          </p:spTgt>
+                                        </p:tgtEl>
+                                        <p:attrNameLst>
+                                          <p:attrName>style.visibility</p:attrName>
+                                        </p:attrNameLst>
+                                      </p:cBhvr>
+                                      <p:to>
+                                        <p:strVal val="visible"/>
+                                      </p:to>
+                                    </p:set>
+                                    <p:anim calcmode="lin" valueType="num">
+                                      <p:cBhvr additive="base">
+                                        <p:cTn id="39" dur="500" fill="hold"/>
+                                        <p:tgtEl>
+                                          <p:spTgt spid="3">
+                                            <p:txEl>
+                                              <p:pRg st="7" end="7"/>
+                                            </p:txEl>
+                                          </p:spTgt>
+                                        </p:tgtEl>
+                                        <p:attrNameLst>
+                                          <p:attrName>ppt_x</p:attrName>
+                                        </p:attrNameLst>
+                                      </p:cBhvr>
+                                      <p:tavLst>
+                                        <p:tav tm="0">
+                                          <p:val>
+                                            <p:strVal val="#ppt_x"/>
+                                          </p:val>
+                                        </p:tav>
+                                        <p:tav tm="100000">
+                                          <p:val>
+                                            <p:strVal val="#ppt_x"/>
+                                          </p:val>
+                                        </p:tav>
+                                      </p:tavLst>
+                                    </p:anim>
+                                    <p:anim calcmode="lin" valueType="num">
+                                      <p:cBhvr additive="base">
+                                        <p:cTn id="40" dur="500" fill="hold"/>
+                                        <p:tgtEl>
+                                          <p:spTgt spid="3">
+                                            <p:txEl>
+                                              <p:pRg st="7" end="7"/>
+                                            </p:txEl>
+                                          </p:spTgt>
+                                        </p:tgtEl>
+                                        <p:attrNameLst>
+                                          <p:attrName>ppt_y</p:attrName>
+                                        </p:attrNameLst>
+                                      </p:cBhvr>
+                                      <p:tavLst>
+                                        <p:tav tm="0">
+                                          <p:val>
+                                            <p:strVal val="1+#ppt_h/2"/>
+                                          </p:val>
+                                        </p:tav>
+                                        <p:tav tm="100000">
+                                          <p:val>
+                                            <p:strVal val="#ppt_y"/>
+                                          </p:val>
+                                        </p:tav>
+                                      </p:tavLst>
+                                    </p:anim>
+                                  </p:childTnLst>
+                                </p:cTn>
+                              </p:par>
+                              <p:par>
+                                <p:cTn id="41" presetID="2" presetClass="entr" presetSubtype="4" fill="hold" nodeType="withEffect">
+                                  <p:stCondLst>
+                                    <p:cond delay="0"/>
+                                  </p:stCondLst>
+                                  <p:childTnLst>
+                                    <p:set>
+                                      <p:cBhvr>
+                                        <p:cTn id="42" dur="1" fill="hold">
+                                          <p:stCondLst>
+                                            <p:cond delay="0"/>
+                                          </p:stCondLst>
+                                        </p:cTn>
+                                        <p:tgtEl>
+                                          <p:spTgt spid="3">
+                                            <p:txEl>
+                                              <p:pRg st="8" end="8"/>
+                                            </p:txEl>
+                                          </p:spTgt>
+                                        </p:tgtEl>
+                                        <p:attrNameLst>
+                                          <p:attrName>style.visibility</p:attrName>
+                                        </p:attrNameLst>
+                                      </p:cBhvr>
+                                      <p:to>
+                                        <p:strVal val="visible"/>
+                                      </p:to>
+                                    </p:set>
+                                    <p:anim calcmode="lin" valueType="num">
+                                      <p:cBhvr additive="base">
+                                        <p:cTn id="43" dur="500" fill="hold"/>
+                                        <p:tgtEl>
+                                          <p:spTgt spid="3">
+                                            <p:txEl>
+                                              <p:pRg st="8" end="8"/>
+                                            </p:txEl>
+                                          </p:spTgt>
+                                        </p:tgtEl>
+                                        <p:attrNameLst>
+                                          <p:attrName>ppt_x</p:attrName>
+                                        </p:attrNameLst>
+                                      </p:cBhvr>
+                                      <p:tavLst>
+                                        <p:tav tm="0">
+                                          <p:val>
+                                            <p:strVal val="#ppt_x"/>
+                                          </p:val>
+                                        </p:tav>
+                                        <p:tav tm="100000">
+                                          <p:val>
+                                            <p:strVal val="#ppt_x"/>
+                                          </p:val>
+                                        </p:tav>
+                                      </p:tavLst>
+                                    </p:anim>
+                                    <p:anim calcmode="lin" valueType="num">
+                                      <p:cBhvr additive="base">
+                                        <p:cTn id="44" dur="500" fill="hold"/>
+                                        <p:tgtEl>
+                                          <p:spTgt spid="3">
+                                            <p:txEl>
+                                              <p:pRg st="8" end="8"/>
+                                            </p:txEl>
+                                          </p:spTgt>
+                                        </p:tgtEl>
+                                        <p:attrNameLst>
+                                          <p:attrName>ppt_y</p:attrName>
+                                        </p:attrNameLst>
+                                      </p:cBhvr>
+                                      <p:tavLst>
+                                        <p:tav tm="0">
+                                          <p:val>
+                                            <p:strVal val="1+#ppt_h/2"/>
+                                          </p:val>
+                                        </p:tav>
+                                        <p:tav tm="100000">
+                                          <p:val>
+                                            <p:strVal val="#ppt_y"/>
+                                          </p:val>
+                                        </p:tav>
+                                      </p:tavLst>
+                                    </p:anim>
+                                  </p:childTnLst>
+                                </p:cTn>
+                              </p:par>
+                            </p:childTnLst>
+                          </p:cTn>
+                        </p:par>
+                      </p:childTnLst>
+                    </p:cTn>
+                  </p:par>
+                </p:childTnLst>
+              </p:cTn>
+              <p:prevCondLst>
+                <p:cond evt="onPrev" delay="0">
+                  <p:tgtEl>
+                    <p:sldTgt/>
+                  </p:tgtEl>
+                </p:cond>
+              </p:prevCondLst>
+              <p:nextCondLst>
+                <p:cond evt="onNext" delay="0">
+                  <p:tgtEl>
+                    <p:sldTgt/>
+                  </p:tgtEl>
+                </p:cond>
+              </p:nextCondLst>
+            </p:seq>
+          </p:childTnLst>
+        </p:cTn>
       </p:par>
     </p:tnLst>
   </p:timing>
@@ -6236,6 +10711,11 @@
           <a:bodyPr/>
           <a:lstStyle/>
           <a:p>
+            <a:pPr>
+              <a:lnSpc>
+                <a:spcPct val="150000"/>
+              </a:lnSpc>
+            </a:pPr>
             <a:r>
               <a:rPr lang="en-US" altLang="zh-CN" dirty="0">
                 <a:solidFill>
@@ -6307,7 +10787,11 @@
             </a:endParaRPr>
           </a:p>
           <a:p>
-            <a:pPr lvl="1"/>
+            <a:pPr lvl="1">
+              <a:lnSpc>
+                <a:spcPct val="150000"/>
+              </a:lnSpc>
+            </a:pPr>
             <a:r>
               <a:rPr lang="zh-CN" altLang="en-US" dirty="0">
                 <a:solidFill>
@@ -6379,7 +10863,11 @@
             </a:endParaRPr>
           </a:p>
           <a:p>
-            <a:pPr lvl="1"/>
+            <a:pPr lvl="1">
+              <a:lnSpc>
+                <a:spcPct val="150000"/>
+              </a:lnSpc>
+            </a:pPr>
             <a:r>
               <a:rPr lang="zh-CN" altLang="en-US" dirty="0">
                 <a:solidFill>
@@ -6427,6 +10915,11 @@
             </a:endParaRPr>
           </a:p>
           <a:p>
+            <a:pPr>
+              <a:lnSpc>
+                <a:spcPct val="150000"/>
+              </a:lnSpc>
+            </a:pPr>
             <a:r>
               <a:rPr lang="en-US" altLang="zh-CN" dirty="0" smtClean="0">
                 <a:solidFill>
@@ -6462,7 +10955,11 @@
             </a:endParaRPr>
           </a:p>
           <a:p>
-            <a:pPr lvl="1"/>
+            <a:pPr lvl="1">
+              <a:lnSpc>
+                <a:spcPct val="150000"/>
+              </a:lnSpc>
+            </a:pPr>
             <a:r>
               <a:rPr lang="zh-CN" altLang="en-US" dirty="0">
                 <a:solidFill>
@@ -6498,6 +10995,11 @@
             </a:endParaRPr>
           </a:p>
           <a:p>
+            <a:pPr>
+              <a:lnSpc>
+                <a:spcPct val="150000"/>
+              </a:lnSpc>
+            </a:pPr>
             <a:r>
               <a:rPr lang="en-US" altLang="zh-CN" dirty="0" err="1" smtClean="0">
                 <a:solidFill>
@@ -6571,7 +11073,594 @@
   <p:timing>
     <p:tnLst>
       <p:par>
-        <p:cTn id="1" dur="indefinite" restart="never" nodeType="tmRoot"/>
+        <p:cTn id="1" dur="indefinite" restart="never" nodeType="tmRoot">
+          <p:childTnLst>
+            <p:seq concurrent="1" nextAc="seek">
+              <p:cTn id="2" dur="indefinite" nodeType="mainSeq">
+                <p:childTnLst>
+                  <p:par>
+                    <p:cTn id="3" fill="hold">
+                      <p:stCondLst>
+                        <p:cond delay="indefinite"/>
+                      </p:stCondLst>
+                      <p:childTnLst>
+                        <p:par>
+                          <p:cTn id="4" fill="hold">
+                            <p:stCondLst>
+                              <p:cond delay="0"/>
+                            </p:stCondLst>
+                            <p:childTnLst>
+                              <p:par>
+                                <p:cTn id="5" presetID="2" presetClass="entr" presetSubtype="4" fill="hold" nodeType="clickEffect">
+                                  <p:stCondLst>
+                                    <p:cond delay="0"/>
+                                  </p:stCondLst>
+                                  <p:childTnLst>
+                                    <p:set>
+                                      <p:cBhvr>
+                                        <p:cTn id="6" dur="1" fill="hold">
+                                          <p:stCondLst>
+                                            <p:cond delay="0"/>
+                                          </p:stCondLst>
+                                        </p:cTn>
+                                        <p:tgtEl>
+                                          <p:spTgt spid="3">
+                                            <p:txEl>
+                                              <p:pRg st="0" end="0"/>
+                                            </p:txEl>
+                                          </p:spTgt>
+                                        </p:tgtEl>
+                                        <p:attrNameLst>
+                                          <p:attrName>style.visibility</p:attrName>
+                                        </p:attrNameLst>
+                                      </p:cBhvr>
+                                      <p:to>
+                                        <p:strVal val="visible"/>
+                                      </p:to>
+                                    </p:set>
+                                    <p:anim calcmode="lin" valueType="num">
+                                      <p:cBhvr additive="base">
+                                        <p:cTn id="7" dur="500" fill="hold"/>
+                                        <p:tgtEl>
+                                          <p:spTgt spid="3">
+                                            <p:txEl>
+                                              <p:pRg st="0" end="0"/>
+                                            </p:txEl>
+                                          </p:spTgt>
+                                        </p:tgtEl>
+                                        <p:attrNameLst>
+                                          <p:attrName>ppt_x</p:attrName>
+                                        </p:attrNameLst>
+                                      </p:cBhvr>
+                                      <p:tavLst>
+                                        <p:tav tm="0">
+                                          <p:val>
+                                            <p:strVal val="#ppt_x"/>
+                                          </p:val>
+                                        </p:tav>
+                                        <p:tav tm="100000">
+                                          <p:val>
+                                            <p:strVal val="#ppt_x"/>
+                                          </p:val>
+                                        </p:tav>
+                                      </p:tavLst>
+                                    </p:anim>
+                                    <p:anim calcmode="lin" valueType="num">
+                                      <p:cBhvr additive="base">
+                                        <p:cTn id="8" dur="500" fill="hold"/>
+                                        <p:tgtEl>
+                                          <p:spTgt spid="3">
+                                            <p:txEl>
+                                              <p:pRg st="0" end="0"/>
+                                            </p:txEl>
+                                          </p:spTgt>
+                                        </p:tgtEl>
+                                        <p:attrNameLst>
+                                          <p:attrName>ppt_y</p:attrName>
+                                        </p:attrNameLst>
+                                      </p:cBhvr>
+                                      <p:tavLst>
+                                        <p:tav tm="0">
+                                          <p:val>
+                                            <p:strVal val="1+#ppt_h/2"/>
+                                          </p:val>
+                                        </p:tav>
+                                        <p:tav tm="100000">
+                                          <p:val>
+                                            <p:strVal val="#ppt_y"/>
+                                          </p:val>
+                                        </p:tav>
+                                      </p:tavLst>
+                                    </p:anim>
+                                  </p:childTnLst>
+                                </p:cTn>
+                              </p:par>
+                              <p:par>
+                                <p:cTn id="9" presetID="2" presetClass="entr" presetSubtype="4" fill="hold" nodeType="withEffect">
+                                  <p:stCondLst>
+                                    <p:cond delay="0"/>
+                                  </p:stCondLst>
+                                  <p:childTnLst>
+                                    <p:set>
+                                      <p:cBhvr>
+                                        <p:cTn id="10" dur="1" fill="hold">
+                                          <p:stCondLst>
+                                            <p:cond delay="0"/>
+                                          </p:stCondLst>
+                                        </p:cTn>
+                                        <p:tgtEl>
+                                          <p:spTgt spid="3">
+                                            <p:txEl>
+                                              <p:pRg st="1" end="1"/>
+                                            </p:txEl>
+                                          </p:spTgt>
+                                        </p:tgtEl>
+                                        <p:attrNameLst>
+                                          <p:attrName>style.visibility</p:attrName>
+                                        </p:attrNameLst>
+                                      </p:cBhvr>
+                                      <p:to>
+                                        <p:strVal val="visible"/>
+                                      </p:to>
+                                    </p:set>
+                                    <p:anim calcmode="lin" valueType="num">
+                                      <p:cBhvr additive="base">
+                                        <p:cTn id="11" dur="500" fill="hold"/>
+                                        <p:tgtEl>
+                                          <p:spTgt spid="3">
+                                            <p:txEl>
+                                              <p:pRg st="1" end="1"/>
+                                            </p:txEl>
+                                          </p:spTgt>
+                                        </p:tgtEl>
+                                        <p:attrNameLst>
+                                          <p:attrName>ppt_x</p:attrName>
+                                        </p:attrNameLst>
+                                      </p:cBhvr>
+                                      <p:tavLst>
+                                        <p:tav tm="0">
+                                          <p:val>
+                                            <p:strVal val="#ppt_x"/>
+                                          </p:val>
+                                        </p:tav>
+                                        <p:tav tm="100000">
+                                          <p:val>
+                                            <p:strVal val="#ppt_x"/>
+                                          </p:val>
+                                        </p:tav>
+                                      </p:tavLst>
+                                    </p:anim>
+                                    <p:anim calcmode="lin" valueType="num">
+                                      <p:cBhvr additive="base">
+                                        <p:cTn id="12" dur="500" fill="hold"/>
+                                        <p:tgtEl>
+                                          <p:spTgt spid="3">
+                                            <p:txEl>
+                                              <p:pRg st="1" end="1"/>
+                                            </p:txEl>
+                                          </p:spTgt>
+                                        </p:tgtEl>
+                                        <p:attrNameLst>
+                                          <p:attrName>ppt_y</p:attrName>
+                                        </p:attrNameLst>
+                                      </p:cBhvr>
+                                      <p:tavLst>
+                                        <p:tav tm="0">
+                                          <p:val>
+                                            <p:strVal val="1+#ppt_h/2"/>
+                                          </p:val>
+                                        </p:tav>
+                                        <p:tav tm="100000">
+                                          <p:val>
+                                            <p:strVal val="#ppt_y"/>
+                                          </p:val>
+                                        </p:tav>
+                                      </p:tavLst>
+                                    </p:anim>
+                                  </p:childTnLst>
+                                </p:cTn>
+                              </p:par>
+                              <p:par>
+                                <p:cTn id="13" presetID="2" presetClass="entr" presetSubtype="4" fill="hold" nodeType="withEffect">
+                                  <p:stCondLst>
+                                    <p:cond delay="0"/>
+                                  </p:stCondLst>
+                                  <p:childTnLst>
+                                    <p:set>
+                                      <p:cBhvr>
+                                        <p:cTn id="14" dur="1" fill="hold">
+                                          <p:stCondLst>
+                                            <p:cond delay="0"/>
+                                          </p:stCondLst>
+                                        </p:cTn>
+                                        <p:tgtEl>
+                                          <p:spTgt spid="3">
+                                            <p:txEl>
+                                              <p:pRg st="2" end="2"/>
+                                            </p:txEl>
+                                          </p:spTgt>
+                                        </p:tgtEl>
+                                        <p:attrNameLst>
+                                          <p:attrName>style.visibility</p:attrName>
+                                        </p:attrNameLst>
+                                      </p:cBhvr>
+                                      <p:to>
+                                        <p:strVal val="visible"/>
+                                      </p:to>
+                                    </p:set>
+                                    <p:anim calcmode="lin" valueType="num">
+                                      <p:cBhvr additive="base">
+                                        <p:cTn id="15" dur="500" fill="hold"/>
+                                        <p:tgtEl>
+                                          <p:spTgt spid="3">
+                                            <p:txEl>
+                                              <p:pRg st="2" end="2"/>
+                                            </p:txEl>
+                                          </p:spTgt>
+                                        </p:tgtEl>
+                                        <p:attrNameLst>
+                                          <p:attrName>ppt_x</p:attrName>
+                                        </p:attrNameLst>
+                                      </p:cBhvr>
+                                      <p:tavLst>
+                                        <p:tav tm="0">
+                                          <p:val>
+                                            <p:strVal val="#ppt_x"/>
+                                          </p:val>
+                                        </p:tav>
+                                        <p:tav tm="100000">
+                                          <p:val>
+                                            <p:strVal val="#ppt_x"/>
+                                          </p:val>
+                                        </p:tav>
+                                      </p:tavLst>
+                                    </p:anim>
+                                    <p:anim calcmode="lin" valueType="num">
+                                      <p:cBhvr additive="base">
+                                        <p:cTn id="16" dur="500" fill="hold"/>
+                                        <p:tgtEl>
+                                          <p:spTgt spid="3">
+                                            <p:txEl>
+                                              <p:pRg st="2" end="2"/>
+                                            </p:txEl>
+                                          </p:spTgt>
+                                        </p:tgtEl>
+                                        <p:attrNameLst>
+                                          <p:attrName>ppt_y</p:attrName>
+                                        </p:attrNameLst>
+                                      </p:cBhvr>
+                                      <p:tavLst>
+                                        <p:tav tm="0">
+                                          <p:val>
+                                            <p:strVal val="1+#ppt_h/2"/>
+                                          </p:val>
+                                        </p:tav>
+                                        <p:tav tm="100000">
+                                          <p:val>
+                                            <p:strVal val="#ppt_y"/>
+                                          </p:val>
+                                        </p:tav>
+                                      </p:tavLst>
+                                    </p:anim>
+                                  </p:childTnLst>
+                                </p:cTn>
+                              </p:par>
+                            </p:childTnLst>
+                          </p:cTn>
+                        </p:par>
+                      </p:childTnLst>
+                    </p:cTn>
+                  </p:par>
+                  <p:par>
+                    <p:cTn id="17" fill="hold">
+                      <p:stCondLst>
+                        <p:cond delay="indefinite"/>
+                      </p:stCondLst>
+                      <p:childTnLst>
+                        <p:par>
+                          <p:cTn id="18" fill="hold">
+                            <p:stCondLst>
+                              <p:cond delay="0"/>
+                            </p:stCondLst>
+                            <p:childTnLst>
+                              <p:par>
+                                <p:cTn id="19" presetID="2" presetClass="entr" presetSubtype="4" fill="hold" nodeType="clickEffect">
+                                  <p:stCondLst>
+                                    <p:cond delay="0"/>
+                                  </p:stCondLst>
+                                  <p:childTnLst>
+                                    <p:set>
+                                      <p:cBhvr>
+                                        <p:cTn id="20" dur="1" fill="hold">
+                                          <p:stCondLst>
+                                            <p:cond delay="0"/>
+                                          </p:stCondLst>
+                                        </p:cTn>
+                                        <p:tgtEl>
+                                          <p:spTgt spid="3">
+                                            <p:txEl>
+                                              <p:pRg st="3" end="3"/>
+                                            </p:txEl>
+                                          </p:spTgt>
+                                        </p:tgtEl>
+                                        <p:attrNameLst>
+                                          <p:attrName>style.visibility</p:attrName>
+                                        </p:attrNameLst>
+                                      </p:cBhvr>
+                                      <p:to>
+                                        <p:strVal val="visible"/>
+                                      </p:to>
+                                    </p:set>
+                                    <p:anim calcmode="lin" valueType="num">
+                                      <p:cBhvr additive="base">
+                                        <p:cTn id="21" dur="500" fill="hold"/>
+                                        <p:tgtEl>
+                                          <p:spTgt spid="3">
+                                            <p:txEl>
+                                              <p:pRg st="3" end="3"/>
+                                            </p:txEl>
+                                          </p:spTgt>
+                                        </p:tgtEl>
+                                        <p:attrNameLst>
+                                          <p:attrName>ppt_x</p:attrName>
+                                        </p:attrNameLst>
+                                      </p:cBhvr>
+                                      <p:tavLst>
+                                        <p:tav tm="0">
+                                          <p:val>
+                                            <p:strVal val="#ppt_x"/>
+                                          </p:val>
+                                        </p:tav>
+                                        <p:tav tm="100000">
+                                          <p:val>
+                                            <p:strVal val="#ppt_x"/>
+                                          </p:val>
+                                        </p:tav>
+                                      </p:tavLst>
+                                    </p:anim>
+                                    <p:anim calcmode="lin" valueType="num">
+                                      <p:cBhvr additive="base">
+                                        <p:cTn id="22" dur="500" fill="hold"/>
+                                        <p:tgtEl>
+                                          <p:spTgt spid="3">
+                                            <p:txEl>
+                                              <p:pRg st="3" end="3"/>
+                                            </p:txEl>
+                                          </p:spTgt>
+                                        </p:tgtEl>
+                                        <p:attrNameLst>
+                                          <p:attrName>ppt_y</p:attrName>
+                                        </p:attrNameLst>
+                                      </p:cBhvr>
+                                      <p:tavLst>
+                                        <p:tav tm="0">
+                                          <p:val>
+                                            <p:strVal val="1+#ppt_h/2"/>
+                                          </p:val>
+                                        </p:tav>
+                                        <p:tav tm="100000">
+                                          <p:val>
+                                            <p:strVal val="#ppt_y"/>
+                                          </p:val>
+                                        </p:tav>
+                                      </p:tavLst>
+                                    </p:anim>
+                                  </p:childTnLst>
+                                </p:cTn>
+                              </p:par>
+                              <p:par>
+                                <p:cTn id="23" presetID="2" presetClass="entr" presetSubtype="4" fill="hold" nodeType="withEffect">
+                                  <p:stCondLst>
+                                    <p:cond delay="0"/>
+                                  </p:stCondLst>
+                                  <p:childTnLst>
+                                    <p:set>
+                                      <p:cBhvr>
+                                        <p:cTn id="24" dur="1" fill="hold">
+                                          <p:stCondLst>
+                                            <p:cond delay="0"/>
+                                          </p:stCondLst>
+                                        </p:cTn>
+                                        <p:tgtEl>
+                                          <p:spTgt spid="3">
+                                            <p:txEl>
+                                              <p:pRg st="4" end="4"/>
+                                            </p:txEl>
+                                          </p:spTgt>
+                                        </p:tgtEl>
+                                        <p:attrNameLst>
+                                          <p:attrName>style.visibility</p:attrName>
+                                        </p:attrNameLst>
+                                      </p:cBhvr>
+                                      <p:to>
+                                        <p:strVal val="visible"/>
+                                      </p:to>
+                                    </p:set>
+                                    <p:anim calcmode="lin" valueType="num">
+                                      <p:cBhvr additive="base">
+                                        <p:cTn id="25" dur="500" fill="hold"/>
+                                        <p:tgtEl>
+                                          <p:spTgt spid="3">
+                                            <p:txEl>
+                                              <p:pRg st="4" end="4"/>
+                                            </p:txEl>
+                                          </p:spTgt>
+                                        </p:tgtEl>
+                                        <p:attrNameLst>
+                                          <p:attrName>ppt_x</p:attrName>
+                                        </p:attrNameLst>
+                                      </p:cBhvr>
+                                      <p:tavLst>
+                                        <p:tav tm="0">
+                                          <p:val>
+                                            <p:strVal val="#ppt_x"/>
+                                          </p:val>
+                                        </p:tav>
+                                        <p:tav tm="100000">
+                                          <p:val>
+                                            <p:strVal val="#ppt_x"/>
+                                          </p:val>
+                                        </p:tav>
+                                      </p:tavLst>
+                                    </p:anim>
+                                    <p:anim calcmode="lin" valueType="num">
+                                      <p:cBhvr additive="base">
+                                        <p:cTn id="26" dur="500" fill="hold"/>
+                                        <p:tgtEl>
+                                          <p:spTgt spid="3">
+                                            <p:txEl>
+                                              <p:pRg st="4" end="4"/>
+                                            </p:txEl>
+                                          </p:spTgt>
+                                        </p:tgtEl>
+                                        <p:attrNameLst>
+                                          <p:attrName>ppt_y</p:attrName>
+                                        </p:attrNameLst>
+                                      </p:cBhvr>
+                                      <p:tavLst>
+                                        <p:tav tm="0">
+                                          <p:val>
+                                            <p:strVal val="1+#ppt_h/2"/>
+                                          </p:val>
+                                        </p:tav>
+                                        <p:tav tm="100000">
+                                          <p:val>
+                                            <p:strVal val="#ppt_y"/>
+                                          </p:val>
+                                        </p:tav>
+                                      </p:tavLst>
+                                    </p:anim>
+                                  </p:childTnLst>
+                                </p:cTn>
+                              </p:par>
+                            </p:childTnLst>
+                          </p:cTn>
+                        </p:par>
+                      </p:childTnLst>
+                    </p:cTn>
+                  </p:par>
+                  <p:par>
+                    <p:cTn id="27" fill="hold">
+                      <p:stCondLst>
+                        <p:cond delay="indefinite"/>
+                      </p:stCondLst>
+                      <p:childTnLst>
+                        <p:par>
+                          <p:cTn id="28" fill="hold">
+                            <p:stCondLst>
+                              <p:cond delay="0"/>
+                            </p:stCondLst>
+                            <p:childTnLst>
+                              <p:par>
+                                <p:cTn id="29" presetID="2" presetClass="entr" presetSubtype="4" fill="hold" nodeType="clickEffect">
+                                  <p:stCondLst>
+                                    <p:cond delay="0"/>
+                                  </p:stCondLst>
+                                  <p:childTnLst>
+                                    <p:set>
+                                      <p:cBhvr>
+                                        <p:cTn id="30" dur="1" fill="hold">
+                                          <p:stCondLst>
+                                            <p:cond delay="0"/>
+                                          </p:stCondLst>
+                                        </p:cTn>
+                                        <p:tgtEl>
+                                          <p:spTgt spid="3">
+                                            <p:txEl>
+                                              <p:pRg st="5" end="5"/>
+                                            </p:txEl>
+                                          </p:spTgt>
+                                        </p:tgtEl>
+                                        <p:attrNameLst>
+                                          <p:attrName>style.visibility</p:attrName>
+                                        </p:attrNameLst>
+                                      </p:cBhvr>
+                                      <p:to>
+                                        <p:strVal val="visible"/>
+                                      </p:to>
+                                    </p:set>
+                                    <p:anim calcmode="lin" valueType="num">
+                                      <p:cBhvr additive="base">
+                                        <p:cTn id="31" dur="500" fill="hold"/>
+                                        <p:tgtEl>
+                                          <p:spTgt spid="3">
+                                            <p:txEl>
+                                              <p:pRg st="5" end="5"/>
+                                            </p:txEl>
+                                          </p:spTgt>
+                                        </p:tgtEl>
+                                        <p:attrNameLst>
+                                          <p:attrName>ppt_x</p:attrName>
+                                        </p:attrNameLst>
+                                      </p:cBhvr>
+                                      <p:tavLst>
+                                        <p:tav tm="0">
+                                          <p:val>
+                                            <p:strVal val="#ppt_x"/>
+                                          </p:val>
+                                        </p:tav>
+                                        <p:tav tm="100000">
+                                          <p:val>
+                                            <p:strVal val="#ppt_x"/>
+                                          </p:val>
+                                        </p:tav>
+                                      </p:tavLst>
+                                    </p:anim>
+                                    <p:anim calcmode="lin" valueType="num">
+                                      <p:cBhvr additive="base">
+                                        <p:cTn id="32" dur="500" fill="hold"/>
+                                        <p:tgtEl>
+                                          <p:spTgt spid="3">
+                                            <p:txEl>
+                                              <p:pRg st="5" end="5"/>
+                                            </p:txEl>
+                                          </p:spTgt>
+                                        </p:tgtEl>
+                                        <p:attrNameLst>
+                                          <p:attrName>ppt_y</p:attrName>
+                                        </p:attrNameLst>
+                                      </p:cBhvr>
+                                      <p:tavLst>
+                                        <p:tav tm="0">
+                                          <p:val>
+                                            <p:strVal val="1+#ppt_h/2"/>
+                                          </p:val>
+                                        </p:tav>
+                                        <p:tav tm="100000">
+                                          <p:val>
+                                            <p:strVal val="#ppt_y"/>
+                                          </p:val>
+                                        </p:tav>
+                                      </p:tavLst>
+                                    </p:anim>
+                                  </p:childTnLst>
+                                </p:cTn>
+                              </p:par>
+                            </p:childTnLst>
+                          </p:cTn>
+                        </p:par>
+                      </p:childTnLst>
+                    </p:cTn>
+                  </p:par>
+                </p:childTnLst>
+              </p:cTn>
+              <p:prevCondLst>
+                <p:cond evt="onPrev" delay="0">
+                  <p:tgtEl>
+                    <p:sldTgt/>
+                  </p:tgtEl>
+                </p:cond>
+              </p:prevCondLst>
+              <p:nextCondLst>
+                <p:cond evt="onNext" delay="0">
+                  <p:tgtEl>
+                    <p:sldTgt/>
+                  </p:tgtEl>
+                </p:cond>
+              </p:nextCondLst>
+            </p:seq>
+          </p:childTnLst>
+        </p:cTn>
       </p:par>
     </p:tnLst>
   </p:timing>
@@ -6649,6 +11738,11 @@
           <a:bodyPr/>
           <a:lstStyle/>
           <a:p>
+            <a:pPr>
+              <a:lnSpc>
+                <a:spcPct val="150000"/>
+              </a:lnSpc>
+            </a:pPr>
             <a:r>
               <a:rPr lang="zh-CN" altLang="en-US" dirty="0" smtClean="0">
                 <a:solidFill>
@@ -6656,6 +11750,8 @@
                     <a:lumMod val="75000"/>
                   </a:schemeClr>
                 </a:solidFill>
+                <a:latin typeface="Microsoft YaHei" panose="020B0503020204020204" pitchFamily="34" charset="-122"/>
+                <a:ea typeface="Microsoft YaHei" panose="020B0503020204020204" pitchFamily="34" charset="-122"/>
               </a:rPr>
               <a:t>箭头表达式</a:t>
             </a:r>
@@ -6665,10 +11761,16 @@
                   <a:lumMod val="75000"/>
                 </a:schemeClr>
               </a:solidFill>
+              <a:latin typeface="Microsoft YaHei" panose="020B0503020204020204" pitchFamily="34" charset="-122"/>
+              <a:ea typeface="Microsoft YaHei" panose="020B0503020204020204" pitchFamily="34" charset="-122"/>
             </a:endParaRPr>
           </a:p>
           <a:p>
-            <a:pPr lvl="1"/>
+            <a:pPr lvl="1">
+              <a:lnSpc>
+                <a:spcPct val="150000"/>
+              </a:lnSpc>
+            </a:pPr>
             <a:r>
               <a:rPr lang="zh-CN" altLang="en-US" dirty="0">
                 <a:solidFill>
@@ -6676,6 +11778,8 @@
                     <a:lumMod val="75000"/>
                   </a:schemeClr>
                 </a:solidFill>
+                <a:latin typeface="Microsoft YaHei" panose="020B0503020204020204" pitchFamily="34" charset="-122"/>
+                <a:ea typeface="Microsoft YaHei" panose="020B0503020204020204" pitchFamily="34" charset="-122"/>
               </a:rPr>
               <a:t>用</a:t>
             </a:r>
@@ -6686,6 +11790,8 @@
                     <a:lumMod val="75000"/>
                   </a:schemeClr>
                 </a:solidFill>
+                <a:latin typeface="Microsoft YaHei" panose="020B0503020204020204" pitchFamily="34" charset="-122"/>
+                <a:ea typeface="Microsoft YaHei" panose="020B0503020204020204" pitchFamily="34" charset="-122"/>
               </a:rPr>
               <a:t>来声明匿名函数，消除传统匿名函数的</a:t>
             </a:r>
@@ -6696,6 +11802,8 @@
                     <a:lumMod val="75000"/>
                   </a:schemeClr>
                 </a:solidFill>
+                <a:latin typeface="Microsoft YaHei" panose="020B0503020204020204" pitchFamily="34" charset="-122"/>
+                <a:ea typeface="Microsoft YaHei" panose="020B0503020204020204" pitchFamily="34" charset="-122"/>
               </a:rPr>
               <a:t>this</a:t>
             </a:r>
@@ -6706,6 +11814,8 @@
                     <a:lumMod val="75000"/>
                   </a:schemeClr>
                 </a:solidFill>
+                <a:latin typeface="Microsoft YaHei" panose="020B0503020204020204" pitchFamily="34" charset="-122"/>
+                <a:ea typeface="Microsoft YaHei" panose="020B0503020204020204" pitchFamily="34" charset="-122"/>
               </a:rPr>
               <a:t>指针问题</a:t>
             </a:r>
@@ -6715,9 +11825,16 @@
                   <a:lumMod val="75000"/>
                 </a:schemeClr>
               </a:solidFill>
+              <a:latin typeface="Microsoft YaHei" panose="020B0503020204020204" pitchFamily="34" charset="-122"/>
+              <a:ea typeface="Microsoft YaHei" panose="020B0503020204020204" pitchFamily="34" charset="-122"/>
             </a:endParaRPr>
           </a:p>
           <a:p>
+            <a:pPr>
+              <a:lnSpc>
+                <a:spcPct val="150000"/>
+              </a:lnSpc>
+            </a:pPr>
             <a:r>
               <a:rPr lang="en-US" altLang="zh-CN" dirty="0">
                 <a:solidFill>
@@ -6725,6 +11842,8 @@
                     <a:lumMod val="75000"/>
                   </a:schemeClr>
                 </a:solidFill>
+                <a:latin typeface="Microsoft YaHei" panose="020B0503020204020204" pitchFamily="34" charset="-122"/>
+                <a:ea typeface="Microsoft YaHei" panose="020B0503020204020204" pitchFamily="34" charset="-122"/>
               </a:rPr>
               <a:t>f</a:t>
             </a:r>
@@ -6735,6 +11854,8 @@
                     <a:lumMod val="75000"/>
                   </a:schemeClr>
                 </a:solidFill>
+                <a:latin typeface="Microsoft YaHei" panose="020B0503020204020204" pitchFamily="34" charset="-122"/>
+                <a:ea typeface="Microsoft YaHei" panose="020B0503020204020204" pitchFamily="34" charset="-122"/>
               </a:rPr>
               <a:t>or of </a:t>
             </a:r>
@@ -6745,6 +11866,8 @@
                     <a:lumMod val="75000"/>
                   </a:schemeClr>
                 </a:solidFill>
+                <a:latin typeface="Microsoft YaHei" panose="020B0503020204020204" pitchFamily="34" charset="-122"/>
+                <a:ea typeface="Microsoft YaHei" panose="020B0503020204020204" pitchFamily="34" charset="-122"/>
               </a:rPr>
               <a:t>语法</a:t>
             </a:r>
@@ -6754,10 +11877,16 @@
                   <a:lumMod val="75000"/>
                 </a:schemeClr>
               </a:solidFill>
+              <a:latin typeface="Microsoft YaHei" panose="020B0503020204020204" pitchFamily="34" charset="-122"/>
+              <a:ea typeface="Microsoft YaHei" panose="020B0503020204020204" pitchFamily="34" charset="-122"/>
             </a:endParaRPr>
           </a:p>
           <a:p>
-            <a:pPr lvl="1"/>
+            <a:pPr lvl="1">
+              <a:lnSpc>
+                <a:spcPct val="150000"/>
+              </a:lnSpc>
+            </a:pPr>
             <a:r>
               <a:rPr lang="zh-CN" altLang="en-US" dirty="0" smtClean="0">
                 <a:solidFill>
@@ -6765,6 +11894,8 @@
                     <a:lumMod val="75000"/>
                   </a:schemeClr>
                 </a:solidFill>
+                <a:latin typeface="Microsoft YaHei" panose="020B0503020204020204" pitchFamily="34" charset="-122"/>
+                <a:ea typeface="Microsoft YaHei" panose="020B0503020204020204" pitchFamily="34" charset="-122"/>
               </a:rPr>
               <a:t>与传统</a:t>
             </a:r>
@@ -6775,6 +11906,8 @@
                     <a:lumMod val="75000"/>
                   </a:schemeClr>
                 </a:solidFill>
+                <a:latin typeface="Microsoft YaHei" panose="020B0503020204020204" pitchFamily="34" charset="-122"/>
+                <a:ea typeface="Microsoft YaHei" panose="020B0503020204020204" pitchFamily="34" charset="-122"/>
               </a:rPr>
               <a:t>for in </a:t>
             </a:r>
@@ -6785,6 +11918,8 @@
                     <a:lumMod val="75000"/>
                   </a:schemeClr>
                 </a:solidFill>
+                <a:latin typeface="Microsoft YaHei" panose="020B0503020204020204" pitchFamily="34" charset="-122"/>
+                <a:ea typeface="Microsoft YaHei" panose="020B0503020204020204" pitchFamily="34" charset="-122"/>
               </a:rPr>
               <a:t>和 </a:t>
             </a:r>
@@ -6795,6 +11930,8 @@
                     <a:lumMod val="75000"/>
                   </a:schemeClr>
                 </a:solidFill>
+                <a:latin typeface="Microsoft YaHei" panose="020B0503020204020204" pitchFamily="34" charset="-122"/>
+                <a:ea typeface="Microsoft YaHei" panose="020B0503020204020204" pitchFamily="34" charset="-122"/>
               </a:rPr>
               <a:t>forEach</a:t>
             </a:r>
@@ -6805,6 +11942,8 @@
                     <a:lumMod val="75000"/>
                   </a:schemeClr>
                 </a:solidFill>
+                <a:latin typeface="Microsoft YaHei" panose="020B0503020204020204" pitchFamily="34" charset="-122"/>
+                <a:ea typeface="Microsoft YaHei" panose="020B0503020204020204" pitchFamily="34" charset="-122"/>
               </a:rPr>
               <a:t>的区别</a:t>
             </a:r>
@@ -6814,10 +11953,16 @@
                   <a:lumMod val="75000"/>
                 </a:schemeClr>
               </a:solidFill>
+              <a:latin typeface="Microsoft YaHei" panose="020B0503020204020204" pitchFamily="34" charset="-122"/>
+              <a:ea typeface="Microsoft YaHei" panose="020B0503020204020204" pitchFamily="34" charset="-122"/>
             </a:endParaRPr>
           </a:p>
           <a:p>
-            <a:pPr lvl="2"/>
+            <a:pPr lvl="2">
+              <a:lnSpc>
+                <a:spcPct val="150000"/>
+              </a:lnSpc>
+            </a:pPr>
             <a:r>
               <a:rPr lang="en-US" altLang="zh-CN" dirty="0" err="1" smtClean="0">
                 <a:solidFill>
@@ -6825,6 +11970,8 @@
                     <a:lumMod val="75000"/>
                   </a:schemeClr>
                 </a:solidFill>
+                <a:latin typeface="Microsoft YaHei" panose="020B0503020204020204" pitchFamily="34" charset="-122"/>
+                <a:ea typeface="Microsoft YaHei" panose="020B0503020204020204" pitchFamily="34" charset="-122"/>
               </a:rPr>
               <a:t>forEach</a:t>
             </a:r>
@@ -6835,6 +11982,8 @@
                     <a:lumMod val="75000"/>
                   </a:schemeClr>
                 </a:solidFill>
+                <a:latin typeface="Microsoft YaHei" panose="020B0503020204020204" pitchFamily="34" charset="-122"/>
+                <a:ea typeface="Microsoft YaHei" panose="020B0503020204020204" pitchFamily="34" charset="-122"/>
               </a:rPr>
               <a:t>循环值，不支持</a:t>
             </a:r>
@@ -6845,12 +11994,18 @@
                     <a:lumMod val="75000"/>
                   </a:schemeClr>
                 </a:solidFill>
+                <a:latin typeface="Microsoft YaHei" panose="020B0503020204020204" pitchFamily="34" charset="-122"/>
+                <a:ea typeface="Microsoft YaHei" panose="020B0503020204020204" pitchFamily="34" charset="-122"/>
               </a:rPr>
               <a:t>break</a:t>
             </a:r>
           </a:p>
           <a:p>
-            <a:pPr lvl="2"/>
+            <a:pPr lvl="2">
+              <a:lnSpc>
+                <a:spcPct val="150000"/>
+              </a:lnSpc>
+            </a:pPr>
             <a:r>
               <a:rPr lang="en-US" altLang="zh-CN" dirty="0">
                 <a:solidFill>
@@ -6858,6 +12013,8 @@
                     <a:lumMod val="75000"/>
                   </a:schemeClr>
                 </a:solidFill>
+                <a:latin typeface="Microsoft YaHei" panose="020B0503020204020204" pitchFamily="34" charset="-122"/>
+                <a:ea typeface="Microsoft YaHei" panose="020B0503020204020204" pitchFamily="34" charset="-122"/>
               </a:rPr>
               <a:t>f</a:t>
             </a:r>
@@ -6868,6 +12025,8 @@
                     <a:lumMod val="75000"/>
                   </a:schemeClr>
                 </a:solidFill>
+                <a:latin typeface="Microsoft YaHei" panose="020B0503020204020204" pitchFamily="34" charset="-122"/>
+                <a:ea typeface="Microsoft YaHei" panose="020B0503020204020204" pitchFamily="34" charset="-122"/>
               </a:rPr>
               <a:t>or in </a:t>
             </a:r>
@@ -6878,6 +12037,8 @@
                     <a:lumMod val="75000"/>
                   </a:schemeClr>
                 </a:solidFill>
+                <a:latin typeface="Microsoft YaHei" panose="020B0503020204020204" pitchFamily="34" charset="-122"/>
+                <a:ea typeface="Microsoft YaHei" panose="020B0503020204020204" pitchFamily="34" charset="-122"/>
               </a:rPr>
               <a:t>循环的是</a:t>
             </a:r>
@@ -6888,6 +12049,8 @@
                     <a:lumMod val="75000"/>
                   </a:schemeClr>
                 </a:solidFill>
+                <a:latin typeface="Microsoft YaHei" panose="020B0503020204020204" pitchFamily="34" charset="-122"/>
+                <a:ea typeface="Microsoft YaHei" panose="020B0503020204020204" pitchFamily="34" charset="-122"/>
               </a:rPr>
               <a:t>key-value</a:t>
             </a:r>
@@ -6898,6 +12061,8 @@
                     <a:lumMod val="75000"/>
                   </a:schemeClr>
                 </a:solidFill>
+                <a:latin typeface="Microsoft YaHei" panose="020B0503020204020204" pitchFamily="34" charset="-122"/>
+                <a:ea typeface="Microsoft YaHei" panose="020B0503020204020204" pitchFamily="34" charset="-122"/>
               </a:rPr>
               <a:t>，不忽略数组的属性</a:t>
             </a:r>
@@ -6907,10 +12072,16 @@
                   <a:lumMod val="75000"/>
                 </a:schemeClr>
               </a:solidFill>
+              <a:latin typeface="Microsoft YaHei" panose="020B0503020204020204" pitchFamily="34" charset="-122"/>
+              <a:ea typeface="Microsoft YaHei" panose="020B0503020204020204" pitchFamily="34" charset="-122"/>
             </a:endParaRPr>
           </a:p>
           <a:p>
-            <a:pPr lvl="2"/>
+            <a:pPr lvl="2">
+              <a:lnSpc>
+                <a:spcPct val="150000"/>
+              </a:lnSpc>
+            </a:pPr>
             <a:r>
               <a:rPr lang="en-US" altLang="zh-CN" dirty="0">
                 <a:solidFill>
@@ -6918,6 +12089,8 @@
                     <a:lumMod val="75000"/>
                   </a:schemeClr>
                 </a:solidFill>
+                <a:latin typeface="Microsoft YaHei" panose="020B0503020204020204" pitchFamily="34" charset="-122"/>
+                <a:ea typeface="Microsoft YaHei" panose="020B0503020204020204" pitchFamily="34" charset="-122"/>
               </a:rPr>
               <a:t>f</a:t>
             </a:r>
@@ -6928,6 +12101,8 @@
                     <a:lumMod val="75000"/>
                   </a:schemeClr>
                 </a:solidFill>
+                <a:latin typeface="Microsoft YaHei" panose="020B0503020204020204" pitchFamily="34" charset="-122"/>
+                <a:ea typeface="Microsoft YaHei" panose="020B0503020204020204" pitchFamily="34" charset="-122"/>
               </a:rPr>
               <a:t>or on </a:t>
             </a:r>
@@ -6938,6 +12113,8 @@
                     <a:lumMod val="75000"/>
                   </a:schemeClr>
                 </a:solidFill>
+                <a:latin typeface="Microsoft YaHei" panose="020B0503020204020204" pitchFamily="34" charset="-122"/>
+                <a:ea typeface="Microsoft YaHei" panose="020B0503020204020204" pitchFamily="34" charset="-122"/>
               </a:rPr>
               <a:t>循环值，忽略数组的属性值，支持</a:t>
             </a:r>
@@ -6948,6 +12125,8 @@
                     <a:lumMod val="75000"/>
                   </a:schemeClr>
                 </a:solidFill>
+                <a:latin typeface="Microsoft YaHei" panose="020B0503020204020204" pitchFamily="34" charset="-122"/>
+                <a:ea typeface="Microsoft YaHei" panose="020B0503020204020204" pitchFamily="34" charset="-122"/>
               </a:rPr>
               <a:t>break</a:t>
             </a:r>
@@ -6957,6 +12136,8 @@
                   <a:lumMod val="75000"/>
                 </a:schemeClr>
               </a:solidFill>
+              <a:latin typeface="Microsoft YaHei" panose="020B0503020204020204" pitchFamily="34" charset="-122"/>
+              <a:ea typeface="Microsoft YaHei" panose="020B0503020204020204" pitchFamily="34" charset="-122"/>
             </a:endParaRPr>
           </a:p>
         </p:txBody>
@@ -6974,7 +12155,661 @@
   <p:timing>
     <p:tnLst>
       <p:par>
-        <p:cTn id="1" dur="indefinite" restart="never" nodeType="tmRoot"/>
+        <p:cTn id="1" dur="indefinite" restart="never" nodeType="tmRoot">
+          <p:childTnLst>
+            <p:seq concurrent="1" nextAc="seek">
+              <p:cTn id="2" dur="indefinite" nodeType="mainSeq">
+                <p:childTnLst>
+                  <p:par>
+                    <p:cTn id="3" fill="hold">
+                      <p:stCondLst>
+                        <p:cond delay="indefinite"/>
+                      </p:stCondLst>
+                      <p:childTnLst>
+                        <p:par>
+                          <p:cTn id="4" fill="hold">
+                            <p:stCondLst>
+                              <p:cond delay="0"/>
+                            </p:stCondLst>
+                            <p:childTnLst>
+                              <p:par>
+                                <p:cTn id="5" presetID="2" presetClass="entr" presetSubtype="4" fill="hold" nodeType="clickEffect">
+                                  <p:stCondLst>
+                                    <p:cond delay="0"/>
+                                  </p:stCondLst>
+                                  <p:childTnLst>
+                                    <p:set>
+                                      <p:cBhvr>
+                                        <p:cTn id="6" dur="1" fill="hold">
+                                          <p:stCondLst>
+                                            <p:cond delay="0"/>
+                                          </p:stCondLst>
+                                        </p:cTn>
+                                        <p:tgtEl>
+                                          <p:spTgt spid="3">
+                                            <p:txEl>
+                                              <p:pRg st="0" end="0"/>
+                                            </p:txEl>
+                                          </p:spTgt>
+                                        </p:tgtEl>
+                                        <p:attrNameLst>
+                                          <p:attrName>style.visibility</p:attrName>
+                                        </p:attrNameLst>
+                                      </p:cBhvr>
+                                      <p:to>
+                                        <p:strVal val="visible"/>
+                                      </p:to>
+                                    </p:set>
+                                    <p:anim calcmode="lin" valueType="num">
+                                      <p:cBhvr additive="base">
+                                        <p:cTn id="7" dur="500" fill="hold"/>
+                                        <p:tgtEl>
+                                          <p:spTgt spid="3">
+                                            <p:txEl>
+                                              <p:pRg st="0" end="0"/>
+                                            </p:txEl>
+                                          </p:spTgt>
+                                        </p:tgtEl>
+                                        <p:attrNameLst>
+                                          <p:attrName>ppt_x</p:attrName>
+                                        </p:attrNameLst>
+                                      </p:cBhvr>
+                                      <p:tavLst>
+                                        <p:tav tm="0">
+                                          <p:val>
+                                            <p:strVal val="#ppt_x"/>
+                                          </p:val>
+                                        </p:tav>
+                                        <p:tav tm="100000">
+                                          <p:val>
+                                            <p:strVal val="#ppt_x"/>
+                                          </p:val>
+                                        </p:tav>
+                                      </p:tavLst>
+                                    </p:anim>
+                                    <p:anim calcmode="lin" valueType="num">
+                                      <p:cBhvr additive="base">
+                                        <p:cTn id="8" dur="500" fill="hold"/>
+                                        <p:tgtEl>
+                                          <p:spTgt spid="3">
+                                            <p:txEl>
+                                              <p:pRg st="0" end="0"/>
+                                            </p:txEl>
+                                          </p:spTgt>
+                                        </p:tgtEl>
+                                        <p:attrNameLst>
+                                          <p:attrName>ppt_y</p:attrName>
+                                        </p:attrNameLst>
+                                      </p:cBhvr>
+                                      <p:tavLst>
+                                        <p:tav tm="0">
+                                          <p:val>
+                                            <p:strVal val="1+#ppt_h/2"/>
+                                          </p:val>
+                                        </p:tav>
+                                        <p:tav tm="100000">
+                                          <p:val>
+                                            <p:strVal val="#ppt_y"/>
+                                          </p:val>
+                                        </p:tav>
+                                      </p:tavLst>
+                                    </p:anim>
+                                  </p:childTnLst>
+                                </p:cTn>
+                              </p:par>
+                              <p:par>
+                                <p:cTn id="9" presetID="2" presetClass="entr" presetSubtype="4" fill="hold" nodeType="withEffect">
+                                  <p:stCondLst>
+                                    <p:cond delay="0"/>
+                                  </p:stCondLst>
+                                  <p:childTnLst>
+                                    <p:set>
+                                      <p:cBhvr>
+                                        <p:cTn id="10" dur="1" fill="hold">
+                                          <p:stCondLst>
+                                            <p:cond delay="0"/>
+                                          </p:stCondLst>
+                                        </p:cTn>
+                                        <p:tgtEl>
+                                          <p:spTgt spid="3">
+                                            <p:txEl>
+                                              <p:pRg st="1" end="1"/>
+                                            </p:txEl>
+                                          </p:spTgt>
+                                        </p:tgtEl>
+                                        <p:attrNameLst>
+                                          <p:attrName>style.visibility</p:attrName>
+                                        </p:attrNameLst>
+                                      </p:cBhvr>
+                                      <p:to>
+                                        <p:strVal val="visible"/>
+                                      </p:to>
+                                    </p:set>
+                                    <p:anim calcmode="lin" valueType="num">
+                                      <p:cBhvr additive="base">
+                                        <p:cTn id="11" dur="500" fill="hold"/>
+                                        <p:tgtEl>
+                                          <p:spTgt spid="3">
+                                            <p:txEl>
+                                              <p:pRg st="1" end="1"/>
+                                            </p:txEl>
+                                          </p:spTgt>
+                                        </p:tgtEl>
+                                        <p:attrNameLst>
+                                          <p:attrName>ppt_x</p:attrName>
+                                        </p:attrNameLst>
+                                      </p:cBhvr>
+                                      <p:tavLst>
+                                        <p:tav tm="0">
+                                          <p:val>
+                                            <p:strVal val="#ppt_x"/>
+                                          </p:val>
+                                        </p:tav>
+                                        <p:tav tm="100000">
+                                          <p:val>
+                                            <p:strVal val="#ppt_x"/>
+                                          </p:val>
+                                        </p:tav>
+                                      </p:tavLst>
+                                    </p:anim>
+                                    <p:anim calcmode="lin" valueType="num">
+                                      <p:cBhvr additive="base">
+                                        <p:cTn id="12" dur="500" fill="hold"/>
+                                        <p:tgtEl>
+                                          <p:spTgt spid="3">
+                                            <p:txEl>
+                                              <p:pRg st="1" end="1"/>
+                                            </p:txEl>
+                                          </p:spTgt>
+                                        </p:tgtEl>
+                                        <p:attrNameLst>
+                                          <p:attrName>ppt_y</p:attrName>
+                                        </p:attrNameLst>
+                                      </p:cBhvr>
+                                      <p:tavLst>
+                                        <p:tav tm="0">
+                                          <p:val>
+                                            <p:strVal val="1+#ppt_h/2"/>
+                                          </p:val>
+                                        </p:tav>
+                                        <p:tav tm="100000">
+                                          <p:val>
+                                            <p:strVal val="#ppt_y"/>
+                                          </p:val>
+                                        </p:tav>
+                                      </p:tavLst>
+                                    </p:anim>
+                                  </p:childTnLst>
+                                </p:cTn>
+                              </p:par>
+                            </p:childTnLst>
+                          </p:cTn>
+                        </p:par>
+                      </p:childTnLst>
+                    </p:cTn>
+                  </p:par>
+                  <p:par>
+                    <p:cTn id="13" fill="hold">
+                      <p:stCondLst>
+                        <p:cond delay="indefinite"/>
+                      </p:stCondLst>
+                      <p:childTnLst>
+                        <p:par>
+                          <p:cTn id="14" fill="hold">
+                            <p:stCondLst>
+                              <p:cond delay="0"/>
+                            </p:stCondLst>
+                            <p:childTnLst>
+                              <p:par>
+                                <p:cTn id="15" presetID="2" presetClass="entr" presetSubtype="4" fill="hold" nodeType="clickEffect">
+                                  <p:stCondLst>
+                                    <p:cond delay="0"/>
+                                  </p:stCondLst>
+                                  <p:childTnLst>
+                                    <p:set>
+                                      <p:cBhvr>
+                                        <p:cTn id="16" dur="1" fill="hold">
+                                          <p:stCondLst>
+                                            <p:cond delay="0"/>
+                                          </p:stCondLst>
+                                        </p:cTn>
+                                        <p:tgtEl>
+                                          <p:spTgt spid="3">
+                                            <p:txEl>
+                                              <p:pRg st="2" end="2"/>
+                                            </p:txEl>
+                                          </p:spTgt>
+                                        </p:tgtEl>
+                                        <p:attrNameLst>
+                                          <p:attrName>style.visibility</p:attrName>
+                                        </p:attrNameLst>
+                                      </p:cBhvr>
+                                      <p:to>
+                                        <p:strVal val="visible"/>
+                                      </p:to>
+                                    </p:set>
+                                    <p:anim calcmode="lin" valueType="num">
+                                      <p:cBhvr additive="base">
+                                        <p:cTn id="17" dur="500" fill="hold"/>
+                                        <p:tgtEl>
+                                          <p:spTgt spid="3">
+                                            <p:txEl>
+                                              <p:pRg st="2" end="2"/>
+                                            </p:txEl>
+                                          </p:spTgt>
+                                        </p:tgtEl>
+                                        <p:attrNameLst>
+                                          <p:attrName>ppt_x</p:attrName>
+                                        </p:attrNameLst>
+                                      </p:cBhvr>
+                                      <p:tavLst>
+                                        <p:tav tm="0">
+                                          <p:val>
+                                            <p:strVal val="#ppt_x"/>
+                                          </p:val>
+                                        </p:tav>
+                                        <p:tav tm="100000">
+                                          <p:val>
+                                            <p:strVal val="#ppt_x"/>
+                                          </p:val>
+                                        </p:tav>
+                                      </p:tavLst>
+                                    </p:anim>
+                                    <p:anim calcmode="lin" valueType="num">
+                                      <p:cBhvr additive="base">
+                                        <p:cTn id="18" dur="500" fill="hold"/>
+                                        <p:tgtEl>
+                                          <p:spTgt spid="3">
+                                            <p:txEl>
+                                              <p:pRg st="2" end="2"/>
+                                            </p:txEl>
+                                          </p:spTgt>
+                                        </p:tgtEl>
+                                        <p:attrNameLst>
+                                          <p:attrName>ppt_y</p:attrName>
+                                        </p:attrNameLst>
+                                      </p:cBhvr>
+                                      <p:tavLst>
+                                        <p:tav tm="0">
+                                          <p:val>
+                                            <p:strVal val="1+#ppt_h/2"/>
+                                          </p:val>
+                                        </p:tav>
+                                        <p:tav tm="100000">
+                                          <p:val>
+                                            <p:strVal val="#ppt_y"/>
+                                          </p:val>
+                                        </p:tav>
+                                      </p:tavLst>
+                                    </p:anim>
+                                  </p:childTnLst>
+                                </p:cTn>
+                              </p:par>
+                              <p:par>
+                                <p:cTn id="19" presetID="2" presetClass="entr" presetSubtype="4" fill="hold" nodeType="withEffect">
+                                  <p:stCondLst>
+                                    <p:cond delay="0"/>
+                                  </p:stCondLst>
+                                  <p:childTnLst>
+                                    <p:set>
+                                      <p:cBhvr>
+                                        <p:cTn id="20" dur="1" fill="hold">
+                                          <p:stCondLst>
+                                            <p:cond delay="0"/>
+                                          </p:stCondLst>
+                                        </p:cTn>
+                                        <p:tgtEl>
+                                          <p:spTgt spid="3">
+                                            <p:txEl>
+                                              <p:pRg st="3" end="3"/>
+                                            </p:txEl>
+                                          </p:spTgt>
+                                        </p:tgtEl>
+                                        <p:attrNameLst>
+                                          <p:attrName>style.visibility</p:attrName>
+                                        </p:attrNameLst>
+                                      </p:cBhvr>
+                                      <p:to>
+                                        <p:strVal val="visible"/>
+                                      </p:to>
+                                    </p:set>
+                                    <p:anim calcmode="lin" valueType="num">
+                                      <p:cBhvr additive="base">
+                                        <p:cTn id="21" dur="500" fill="hold"/>
+                                        <p:tgtEl>
+                                          <p:spTgt spid="3">
+                                            <p:txEl>
+                                              <p:pRg st="3" end="3"/>
+                                            </p:txEl>
+                                          </p:spTgt>
+                                        </p:tgtEl>
+                                        <p:attrNameLst>
+                                          <p:attrName>ppt_x</p:attrName>
+                                        </p:attrNameLst>
+                                      </p:cBhvr>
+                                      <p:tavLst>
+                                        <p:tav tm="0">
+                                          <p:val>
+                                            <p:strVal val="#ppt_x"/>
+                                          </p:val>
+                                        </p:tav>
+                                        <p:tav tm="100000">
+                                          <p:val>
+                                            <p:strVal val="#ppt_x"/>
+                                          </p:val>
+                                        </p:tav>
+                                      </p:tavLst>
+                                    </p:anim>
+                                    <p:anim calcmode="lin" valueType="num">
+                                      <p:cBhvr additive="base">
+                                        <p:cTn id="22" dur="500" fill="hold"/>
+                                        <p:tgtEl>
+                                          <p:spTgt spid="3">
+                                            <p:txEl>
+                                              <p:pRg st="3" end="3"/>
+                                            </p:txEl>
+                                          </p:spTgt>
+                                        </p:tgtEl>
+                                        <p:attrNameLst>
+                                          <p:attrName>ppt_y</p:attrName>
+                                        </p:attrNameLst>
+                                      </p:cBhvr>
+                                      <p:tavLst>
+                                        <p:tav tm="0">
+                                          <p:val>
+                                            <p:strVal val="1+#ppt_h/2"/>
+                                          </p:val>
+                                        </p:tav>
+                                        <p:tav tm="100000">
+                                          <p:val>
+                                            <p:strVal val="#ppt_y"/>
+                                          </p:val>
+                                        </p:tav>
+                                      </p:tavLst>
+                                    </p:anim>
+                                  </p:childTnLst>
+                                </p:cTn>
+                              </p:par>
+                              <p:par>
+                                <p:cTn id="23" presetID="2" presetClass="entr" presetSubtype="4" fill="hold" nodeType="withEffect">
+                                  <p:stCondLst>
+                                    <p:cond delay="0"/>
+                                  </p:stCondLst>
+                                  <p:childTnLst>
+                                    <p:set>
+                                      <p:cBhvr>
+                                        <p:cTn id="24" dur="1" fill="hold">
+                                          <p:stCondLst>
+                                            <p:cond delay="0"/>
+                                          </p:stCondLst>
+                                        </p:cTn>
+                                        <p:tgtEl>
+                                          <p:spTgt spid="3">
+                                            <p:txEl>
+                                              <p:pRg st="4" end="4"/>
+                                            </p:txEl>
+                                          </p:spTgt>
+                                        </p:tgtEl>
+                                        <p:attrNameLst>
+                                          <p:attrName>style.visibility</p:attrName>
+                                        </p:attrNameLst>
+                                      </p:cBhvr>
+                                      <p:to>
+                                        <p:strVal val="visible"/>
+                                      </p:to>
+                                    </p:set>
+                                    <p:anim calcmode="lin" valueType="num">
+                                      <p:cBhvr additive="base">
+                                        <p:cTn id="25" dur="500" fill="hold"/>
+                                        <p:tgtEl>
+                                          <p:spTgt spid="3">
+                                            <p:txEl>
+                                              <p:pRg st="4" end="4"/>
+                                            </p:txEl>
+                                          </p:spTgt>
+                                        </p:tgtEl>
+                                        <p:attrNameLst>
+                                          <p:attrName>ppt_x</p:attrName>
+                                        </p:attrNameLst>
+                                      </p:cBhvr>
+                                      <p:tavLst>
+                                        <p:tav tm="0">
+                                          <p:val>
+                                            <p:strVal val="#ppt_x"/>
+                                          </p:val>
+                                        </p:tav>
+                                        <p:tav tm="100000">
+                                          <p:val>
+                                            <p:strVal val="#ppt_x"/>
+                                          </p:val>
+                                        </p:tav>
+                                      </p:tavLst>
+                                    </p:anim>
+                                    <p:anim calcmode="lin" valueType="num">
+                                      <p:cBhvr additive="base">
+                                        <p:cTn id="26" dur="500" fill="hold"/>
+                                        <p:tgtEl>
+                                          <p:spTgt spid="3">
+                                            <p:txEl>
+                                              <p:pRg st="4" end="4"/>
+                                            </p:txEl>
+                                          </p:spTgt>
+                                        </p:tgtEl>
+                                        <p:attrNameLst>
+                                          <p:attrName>ppt_y</p:attrName>
+                                        </p:attrNameLst>
+                                      </p:cBhvr>
+                                      <p:tavLst>
+                                        <p:tav tm="0">
+                                          <p:val>
+                                            <p:strVal val="1+#ppt_h/2"/>
+                                          </p:val>
+                                        </p:tav>
+                                        <p:tav tm="100000">
+                                          <p:val>
+                                            <p:strVal val="#ppt_y"/>
+                                          </p:val>
+                                        </p:tav>
+                                      </p:tavLst>
+                                    </p:anim>
+                                  </p:childTnLst>
+                                </p:cTn>
+                              </p:par>
+                              <p:par>
+                                <p:cTn id="27" presetID="2" presetClass="entr" presetSubtype="4" fill="hold" nodeType="withEffect">
+                                  <p:stCondLst>
+                                    <p:cond delay="0"/>
+                                  </p:stCondLst>
+                                  <p:childTnLst>
+                                    <p:set>
+                                      <p:cBhvr>
+                                        <p:cTn id="28" dur="1" fill="hold">
+                                          <p:stCondLst>
+                                            <p:cond delay="0"/>
+                                          </p:stCondLst>
+                                        </p:cTn>
+                                        <p:tgtEl>
+                                          <p:spTgt spid="3">
+                                            <p:txEl>
+                                              <p:pRg st="5" end="5"/>
+                                            </p:txEl>
+                                          </p:spTgt>
+                                        </p:tgtEl>
+                                        <p:attrNameLst>
+                                          <p:attrName>style.visibility</p:attrName>
+                                        </p:attrNameLst>
+                                      </p:cBhvr>
+                                      <p:to>
+                                        <p:strVal val="visible"/>
+                                      </p:to>
+                                    </p:set>
+                                    <p:anim calcmode="lin" valueType="num">
+                                      <p:cBhvr additive="base">
+                                        <p:cTn id="29" dur="500" fill="hold"/>
+                                        <p:tgtEl>
+                                          <p:spTgt spid="3">
+                                            <p:txEl>
+                                              <p:pRg st="5" end="5"/>
+                                            </p:txEl>
+                                          </p:spTgt>
+                                        </p:tgtEl>
+                                        <p:attrNameLst>
+                                          <p:attrName>ppt_x</p:attrName>
+                                        </p:attrNameLst>
+                                      </p:cBhvr>
+                                      <p:tavLst>
+                                        <p:tav tm="0">
+                                          <p:val>
+                                            <p:strVal val="#ppt_x"/>
+                                          </p:val>
+                                        </p:tav>
+                                        <p:tav tm="100000">
+                                          <p:val>
+                                            <p:strVal val="#ppt_x"/>
+                                          </p:val>
+                                        </p:tav>
+                                      </p:tavLst>
+                                    </p:anim>
+                                    <p:anim calcmode="lin" valueType="num">
+                                      <p:cBhvr additive="base">
+                                        <p:cTn id="30" dur="500" fill="hold"/>
+                                        <p:tgtEl>
+                                          <p:spTgt spid="3">
+                                            <p:txEl>
+                                              <p:pRg st="5" end="5"/>
+                                            </p:txEl>
+                                          </p:spTgt>
+                                        </p:tgtEl>
+                                        <p:attrNameLst>
+                                          <p:attrName>ppt_y</p:attrName>
+                                        </p:attrNameLst>
+                                      </p:cBhvr>
+                                      <p:tavLst>
+                                        <p:tav tm="0">
+                                          <p:val>
+                                            <p:strVal val="1+#ppt_h/2"/>
+                                          </p:val>
+                                        </p:tav>
+                                        <p:tav tm="100000">
+                                          <p:val>
+                                            <p:strVal val="#ppt_y"/>
+                                          </p:val>
+                                        </p:tav>
+                                      </p:tavLst>
+                                    </p:anim>
+                                  </p:childTnLst>
+                                </p:cTn>
+                              </p:par>
+                              <p:par>
+                                <p:cTn id="31" presetID="2" presetClass="entr" presetSubtype="4" fill="hold" nodeType="withEffect">
+                                  <p:stCondLst>
+                                    <p:cond delay="0"/>
+                                  </p:stCondLst>
+                                  <p:childTnLst>
+                                    <p:set>
+                                      <p:cBhvr>
+                                        <p:cTn id="32" dur="1" fill="hold">
+                                          <p:stCondLst>
+                                            <p:cond delay="0"/>
+                                          </p:stCondLst>
+                                        </p:cTn>
+                                        <p:tgtEl>
+                                          <p:spTgt spid="3">
+                                            <p:txEl>
+                                              <p:pRg st="6" end="6"/>
+                                            </p:txEl>
+                                          </p:spTgt>
+                                        </p:tgtEl>
+                                        <p:attrNameLst>
+                                          <p:attrName>style.visibility</p:attrName>
+                                        </p:attrNameLst>
+                                      </p:cBhvr>
+                                      <p:to>
+                                        <p:strVal val="visible"/>
+                                      </p:to>
+                                    </p:set>
+                                    <p:anim calcmode="lin" valueType="num">
+                                      <p:cBhvr additive="base">
+                                        <p:cTn id="33" dur="500" fill="hold"/>
+                                        <p:tgtEl>
+                                          <p:spTgt spid="3">
+                                            <p:txEl>
+                                              <p:pRg st="6" end="6"/>
+                                            </p:txEl>
+                                          </p:spTgt>
+                                        </p:tgtEl>
+                                        <p:attrNameLst>
+                                          <p:attrName>ppt_x</p:attrName>
+                                        </p:attrNameLst>
+                                      </p:cBhvr>
+                                      <p:tavLst>
+                                        <p:tav tm="0">
+                                          <p:val>
+                                            <p:strVal val="#ppt_x"/>
+                                          </p:val>
+                                        </p:tav>
+                                        <p:tav tm="100000">
+                                          <p:val>
+                                            <p:strVal val="#ppt_x"/>
+                                          </p:val>
+                                        </p:tav>
+                                      </p:tavLst>
+                                    </p:anim>
+                                    <p:anim calcmode="lin" valueType="num">
+                                      <p:cBhvr additive="base">
+                                        <p:cTn id="34" dur="500" fill="hold"/>
+                                        <p:tgtEl>
+                                          <p:spTgt spid="3">
+                                            <p:txEl>
+                                              <p:pRg st="6" end="6"/>
+                                            </p:txEl>
+                                          </p:spTgt>
+                                        </p:tgtEl>
+                                        <p:attrNameLst>
+                                          <p:attrName>ppt_y</p:attrName>
+                                        </p:attrNameLst>
+                                      </p:cBhvr>
+                                      <p:tavLst>
+                                        <p:tav tm="0">
+                                          <p:val>
+                                            <p:strVal val="1+#ppt_h/2"/>
+                                          </p:val>
+                                        </p:tav>
+                                        <p:tav tm="100000">
+                                          <p:val>
+                                            <p:strVal val="#ppt_y"/>
+                                          </p:val>
+                                        </p:tav>
+                                      </p:tavLst>
+                                    </p:anim>
+                                  </p:childTnLst>
+                                </p:cTn>
+                              </p:par>
+                            </p:childTnLst>
+                          </p:cTn>
+                        </p:par>
+                      </p:childTnLst>
+                    </p:cTn>
+                  </p:par>
+                </p:childTnLst>
+              </p:cTn>
+              <p:prevCondLst>
+                <p:cond evt="onPrev" delay="0">
+                  <p:tgtEl>
+                    <p:sldTgt/>
+                  </p:tgtEl>
+                </p:cond>
+              </p:prevCondLst>
+              <p:nextCondLst>
+                <p:cond evt="onNext" delay="0">
+                  <p:tgtEl>
+                    <p:sldTgt/>
+                  </p:tgtEl>
+                </p:cond>
+              </p:nextCondLst>
+            </p:seq>
+          </p:childTnLst>
+        </p:cTn>
       </p:par>
     </p:tnLst>
   </p:timing>
